--- a/hw02.pptx
+++ b/hw02.pptx
@@ -1,17 +1,29 @@
 
 <file path=ppt/presentation.xml><?xml version="1.0" encoding="utf-8"?>
-<p:presentation xmlns:a="http://schemas.openxmlformats.org/drawingml/2006/main" xmlns:r="http://schemas.openxmlformats.org/officeDocument/2006/relationships" xmlns:p="http://schemas.openxmlformats.org/presentationml/2006/main" saveSubsetFonts="1">
+<p:presentation xmlns:a="http://schemas.openxmlformats.org/drawingml/2006/main" xmlns:r="http://schemas.openxmlformats.org/officeDocument/2006/relationships" xmlns:p="http://schemas.openxmlformats.org/presentationml/2006/main" saveSubsetFonts="1" embedTrueTypeFonts="true">
   <p:sldMasterIdLst>
     <p:sldMasterId id="2147483648" r:id="rId1"/>
   </p:sldMasterIdLst>
   <p:sldIdLst>
-    <p:sldId id="256" r:id="rId2"/>
+    <p:sldId id="256" r:id="rId6"/>
+    <p:sldId id="257" r:id="rId7"/>
+    <p:sldId id="258" r:id="rId8"/>
+    <p:sldId id="259" r:id="rId9"/>
+    <p:sldId id="260" r:id="rId10"/>
+    <p:sldId id="261" r:id="rId11"/>
+    <p:sldId id="262" r:id="rId12"/>
   </p:sldIdLst>
-  <p:sldSz cx="12192000" cy="6858000"/>
+  <p:sldSz cx="18288000" cy="10287000"/>
   <p:notesSz cx="6858000" cy="9144000"/>
+  <p:embeddedFontLst>
+    <p:embeddedFont>
+      <p:font typeface="Lato" charset="1" panose="020F0502020204030203"/>
+      <p:regular r:id="rId13"/>
+    </p:embeddedFont>
+  </p:embeddedFontLst>
   <p:defaultTextStyle>
     <a:defPPr>
-      <a:defRPr lang="zh-TW"/>
+      <a:defRPr lang="en-US"/>
     </a:defPPr>
     <a:lvl1pPr marL="0" algn="l" defTabSz="914400" rtl="0" eaLnBrk="1" latinLnBrk="0" hangingPunct="1">
       <a:defRPr sz="1800" kern="1200">
@@ -109,7 +121,7 @@
 
 <file path=ppt/slideLayouts/slideLayout1.xml><?xml version="1.0" encoding="utf-8"?>
 <p:sldLayout xmlns:a="http://schemas.openxmlformats.org/drawingml/2006/main" xmlns:r="http://schemas.openxmlformats.org/officeDocument/2006/relationships" xmlns:p="http://schemas.openxmlformats.org/presentationml/2006/main" type="title" preserve="1">
-  <p:cSld name="標題投影片">
+  <p:cSld name="Title Slide">
     <p:spTree>
       <p:nvGrpSpPr>
         <p:cNvPr id="1" name=""/>
@@ -126,13 +138,7 @@
       </p:grpSpPr>
       <p:sp>
         <p:nvSpPr>
-          <p:cNvPr id="2" name="標題 1">
-            <a:extLst>
-              <a:ext uri="{FF2B5EF4-FFF2-40B4-BE49-F238E27FC236}">
-                <a16:creationId xmlns:a16="http://schemas.microsoft.com/office/drawing/2014/main" id="{EB5CC918-B447-434E-B98E-5847BB49C259}"/>
-              </a:ext>
-            </a:extLst>
-          </p:cNvPr>
+          <p:cNvPr id="2" name="Title 1"/>
           <p:cNvSpPr>
             <a:spLocks noGrp="1"/>
           </p:cNvSpPr>
@@ -142,34 +148,25 @@
         </p:nvSpPr>
         <p:spPr>
           <a:xfrm>
-            <a:off x="1524000" y="1122363"/>
-            <a:ext cx="9144000" cy="2387600"/>
+            <a:off x="685800" y="2130425"/>
+            <a:ext cx="7772400" cy="1470025"/>
           </a:xfrm>
         </p:spPr>
         <p:txBody>
-          <a:bodyPr anchor="b"/>
-          <a:lstStyle>
-            <a:lvl1pPr algn="ctr">
-              <a:defRPr sz="6000"/>
-            </a:lvl1pPr>
-          </a:lstStyle>
-          <a:p>
-            <a:r>
-              <a:rPr lang="zh-TW" altLang="en-US"/>
-              <a:t>按一下以編輯母片標題樣式</a:t>
-            </a:r>
-          </a:p>
-        </p:txBody>
-      </p:sp>
-      <p:sp>
-        <p:nvSpPr>
-          <p:cNvPr id="3" name="副標題 2">
-            <a:extLst>
-              <a:ext uri="{FF2B5EF4-FFF2-40B4-BE49-F238E27FC236}">
-                <a16:creationId xmlns:a16="http://schemas.microsoft.com/office/drawing/2014/main" id="{817FCC70-CC4E-4CB6-B2CF-9FDA5AC4D346}"/>
-              </a:ext>
-            </a:extLst>
-          </p:cNvPr>
+          <a:bodyPr/>
+          <a:lstStyle/>
+          <a:p>
+            <a:r>
+              <a:rPr lang="en-US" smtClean="0"/>
+              <a:t>Click to edit Master title style</a:t>
+            </a:r>
+            <a:endParaRPr lang="en-US"/>
+          </a:p>
+        </p:txBody>
+      </p:sp>
+      <p:sp>
+        <p:nvSpPr>
+          <p:cNvPr id="3" name="Subtitle 2"/>
           <p:cNvSpPr>
             <a:spLocks noGrp="1"/>
           </p:cNvSpPr>
@@ -179,8 +176,8 @@
         </p:nvSpPr>
         <p:spPr>
           <a:xfrm>
-            <a:off x="1524000" y="3602038"/>
-            <a:ext cx="9144000" cy="1655762"/>
+            <a:off x="1371600" y="3886200"/>
+            <a:ext cx="6400800" cy="1752600"/>
           </a:xfrm>
         </p:spPr>
         <p:txBody>
@@ -188,58 +185,107 @@
           <a:lstStyle>
             <a:lvl1pPr marL="0" indent="0" algn="ctr">
               <a:buNone/>
-              <a:defRPr sz="2400"/>
+              <a:defRPr>
+                <a:solidFill>
+                  <a:schemeClr val="tx1">
+                    <a:tint val="75000"/>
+                  </a:schemeClr>
+                </a:solidFill>
+              </a:defRPr>
             </a:lvl1pPr>
             <a:lvl2pPr marL="457200" indent="0" algn="ctr">
               <a:buNone/>
-              <a:defRPr sz="2000"/>
+              <a:defRPr>
+                <a:solidFill>
+                  <a:schemeClr val="tx1">
+                    <a:tint val="75000"/>
+                  </a:schemeClr>
+                </a:solidFill>
+              </a:defRPr>
             </a:lvl2pPr>
             <a:lvl3pPr marL="914400" indent="0" algn="ctr">
               <a:buNone/>
-              <a:defRPr sz="1800"/>
+              <a:defRPr>
+                <a:solidFill>
+                  <a:schemeClr val="tx1">
+                    <a:tint val="75000"/>
+                  </a:schemeClr>
+                </a:solidFill>
+              </a:defRPr>
             </a:lvl3pPr>
             <a:lvl4pPr marL="1371600" indent="0" algn="ctr">
               <a:buNone/>
-              <a:defRPr sz="1600"/>
+              <a:defRPr>
+                <a:solidFill>
+                  <a:schemeClr val="tx1">
+                    <a:tint val="75000"/>
+                  </a:schemeClr>
+                </a:solidFill>
+              </a:defRPr>
             </a:lvl4pPr>
             <a:lvl5pPr marL="1828800" indent="0" algn="ctr">
               <a:buNone/>
-              <a:defRPr sz="1600"/>
+              <a:defRPr>
+                <a:solidFill>
+                  <a:schemeClr val="tx1">
+                    <a:tint val="75000"/>
+                  </a:schemeClr>
+                </a:solidFill>
+              </a:defRPr>
             </a:lvl5pPr>
             <a:lvl6pPr marL="2286000" indent="0" algn="ctr">
               <a:buNone/>
-              <a:defRPr sz="1600"/>
+              <a:defRPr>
+                <a:solidFill>
+                  <a:schemeClr val="tx1">
+                    <a:tint val="75000"/>
+                  </a:schemeClr>
+                </a:solidFill>
+              </a:defRPr>
             </a:lvl6pPr>
             <a:lvl7pPr marL="2743200" indent="0" algn="ctr">
               <a:buNone/>
-              <a:defRPr sz="1600"/>
+              <a:defRPr>
+                <a:solidFill>
+                  <a:schemeClr val="tx1">
+                    <a:tint val="75000"/>
+                  </a:schemeClr>
+                </a:solidFill>
+              </a:defRPr>
             </a:lvl7pPr>
             <a:lvl8pPr marL="3200400" indent="0" algn="ctr">
               <a:buNone/>
-              <a:defRPr sz="1600"/>
+              <a:defRPr>
+                <a:solidFill>
+                  <a:schemeClr val="tx1">
+                    <a:tint val="75000"/>
+                  </a:schemeClr>
+                </a:solidFill>
+              </a:defRPr>
             </a:lvl8pPr>
             <a:lvl9pPr marL="3657600" indent="0" algn="ctr">
               <a:buNone/>
-              <a:defRPr sz="1600"/>
+              <a:defRPr>
+                <a:solidFill>
+                  <a:schemeClr val="tx1">
+                    <a:tint val="75000"/>
+                  </a:schemeClr>
+                </a:solidFill>
+              </a:defRPr>
             </a:lvl9pPr>
           </a:lstStyle>
           <a:p>
             <a:r>
-              <a:rPr lang="zh-TW" altLang="en-US"/>
-              <a:t>按一下以編輯母片子標題樣式</a:t>
-            </a:r>
-          </a:p>
-        </p:txBody>
-      </p:sp>
-      <p:sp>
-        <p:nvSpPr>
-          <p:cNvPr id="4" name="日期版面配置區 3">
-            <a:extLst>
-              <a:ext uri="{FF2B5EF4-FFF2-40B4-BE49-F238E27FC236}">
-                <a16:creationId xmlns:a16="http://schemas.microsoft.com/office/drawing/2014/main" id="{BD08F018-0004-4322-AD0F-E6E740964233}"/>
-              </a:ext>
-            </a:extLst>
-          </p:cNvPr>
+              <a:rPr lang="en-US" smtClean="0"/>
+              <a:t>Click to edit Master subtitle style</a:t>
+            </a:r>
+            <a:endParaRPr lang="en-US"/>
+          </a:p>
+        </p:txBody>
+      </p:sp>
+      <p:sp>
+        <p:nvSpPr>
+          <p:cNvPr id="4" name="Date Placeholder 3"/>
           <p:cNvSpPr>
             <a:spLocks noGrp="1"/>
           </p:cNvSpPr>
@@ -252,23 +298,18 @@
           <a:bodyPr/>
           <a:lstStyle/>
           <a:p>
-            <a:fld id="{C3C90D7E-32D6-4894-AE08-7BBB3E610FC9}" type="datetimeFigureOut">
-              <a:rPr lang="zh-TW" altLang="en-US" smtClean="0"/>
-              <a:t>2024/9/16</a:t>
+            <a:fld id="{1D8BD707-D9CF-40AE-B4C6-C98DA3205C09}" type="datetimeFigureOut">
+              <a:rPr lang="en-US" smtClean="0"/>
+              <a:pPr/>
+              <a:t>8/1/2011</a:t>
             </a:fld>
-            <a:endParaRPr lang="zh-TW" altLang="en-US"/>
-          </a:p>
-        </p:txBody>
-      </p:sp>
-      <p:sp>
-        <p:nvSpPr>
-          <p:cNvPr id="5" name="頁尾版面配置區 4">
-            <a:extLst>
-              <a:ext uri="{FF2B5EF4-FFF2-40B4-BE49-F238E27FC236}">
-                <a16:creationId xmlns:a16="http://schemas.microsoft.com/office/drawing/2014/main" id="{30427B34-CB13-41C7-B2F2-CED9BDC5B595}"/>
-              </a:ext>
-            </a:extLst>
-          </p:cNvPr>
+            <a:endParaRPr lang="en-US"/>
+          </a:p>
+        </p:txBody>
+      </p:sp>
+      <p:sp>
+        <p:nvSpPr>
+          <p:cNvPr id="5" name="Footer Placeholder 4"/>
           <p:cNvSpPr>
             <a:spLocks noGrp="1"/>
           </p:cNvSpPr>
@@ -281,19 +322,13 @@
           <a:bodyPr/>
           <a:lstStyle/>
           <a:p>
-            <a:endParaRPr lang="zh-TW" altLang="en-US"/>
-          </a:p>
-        </p:txBody>
-      </p:sp>
-      <p:sp>
-        <p:nvSpPr>
-          <p:cNvPr id="6" name="投影片編號版面配置區 5">
-            <a:extLst>
-              <a:ext uri="{FF2B5EF4-FFF2-40B4-BE49-F238E27FC236}">
-                <a16:creationId xmlns:a16="http://schemas.microsoft.com/office/drawing/2014/main" id="{76FA962E-5B03-439A-928C-87366876542D}"/>
-              </a:ext>
-            </a:extLst>
-          </p:cNvPr>
+            <a:endParaRPr lang="en-US"/>
+          </a:p>
+        </p:txBody>
+      </p:sp>
+      <p:sp>
+        <p:nvSpPr>
+          <p:cNvPr id="6" name="Slide Number Placeholder 5"/>
           <p:cNvSpPr>
             <a:spLocks noGrp="1"/>
           </p:cNvSpPr>
@@ -306,20 +341,16 @@
           <a:bodyPr/>
           <a:lstStyle/>
           <a:p>
-            <a:fld id="{E31EC408-072F-4346-BD0A-D6AA5788A305}" type="slidenum">
-              <a:rPr lang="zh-TW" altLang="en-US" smtClean="0"/>
+            <a:fld id="{B6F15528-21DE-4FAA-801E-634DDDAF4B2B}" type="slidenum">
+              <a:rPr lang="en-US" smtClean="0"/>
+              <a:pPr/>
               <a:t>‹#›</a:t>
             </a:fld>
-            <a:endParaRPr lang="zh-TW" altLang="en-US"/>
+            <a:endParaRPr lang="en-US"/>
           </a:p>
         </p:txBody>
       </p:sp>
     </p:spTree>
-    <p:extLst>
-      <p:ext uri="{BB962C8B-B14F-4D97-AF65-F5344CB8AC3E}">
-        <p14:creationId xmlns:p14="http://schemas.microsoft.com/office/powerpoint/2010/main" val="2963035110"/>
-      </p:ext>
-    </p:extLst>
   </p:cSld>
   <p:clrMapOvr>
     <a:masterClrMapping/>
@@ -329,7 +360,7 @@
 
 <file path=ppt/slideLayouts/slideLayout10.xml><?xml version="1.0" encoding="utf-8"?>
 <p:sldLayout xmlns:a="http://schemas.openxmlformats.org/drawingml/2006/main" xmlns:r="http://schemas.openxmlformats.org/officeDocument/2006/relationships" xmlns:p="http://schemas.openxmlformats.org/presentationml/2006/main" type="vertTx" preserve="1">
-  <p:cSld name="標題及直排文字">
+  <p:cSld name="Title and Vertical Text">
     <p:spTree>
       <p:nvGrpSpPr>
         <p:cNvPr id="1" name=""/>
@@ -346,13 +377,7 @@
       </p:grpSpPr>
       <p:sp>
         <p:nvSpPr>
-          <p:cNvPr id="2" name="標題 1">
-            <a:extLst>
-              <a:ext uri="{FF2B5EF4-FFF2-40B4-BE49-F238E27FC236}">
-                <a16:creationId xmlns:a16="http://schemas.microsoft.com/office/drawing/2014/main" id="{A02F0018-7F8E-4206-A929-07CDC6B5F34A}"/>
-              </a:ext>
-            </a:extLst>
-          </p:cNvPr>
+          <p:cNvPr id="2" name="Title 1"/>
           <p:cNvSpPr>
             <a:spLocks noGrp="1"/>
           </p:cNvSpPr>
@@ -366,21 +391,16 @@
           <a:lstStyle/>
           <a:p>
             <a:r>
-              <a:rPr lang="zh-TW" altLang="en-US"/>
-              <a:t>按一下以編輯母片標題樣式</a:t>
-            </a:r>
-          </a:p>
-        </p:txBody>
-      </p:sp>
-      <p:sp>
-        <p:nvSpPr>
-          <p:cNvPr id="3" name="直排文字版面配置區 2">
-            <a:extLst>
-              <a:ext uri="{FF2B5EF4-FFF2-40B4-BE49-F238E27FC236}">
-                <a16:creationId xmlns:a16="http://schemas.microsoft.com/office/drawing/2014/main" id="{9B801E88-34C3-4545-A358-81F5614FED64}"/>
-              </a:ext>
-            </a:extLst>
-          </p:cNvPr>
+              <a:rPr lang="en-US" smtClean="0"/>
+              <a:t>Click to edit Master title style</a:t>
+            </a:r>
+            <a:endParaRPr lang="en-US"/>
+          </a:p>
+        </p:txBody>
+      </p:sp>
+      <p:sp>
+        <p:nvSpPr>
+          <p:cNvPr id="3" name="Vertical Text Placeholder 2"/>
           <p:cNvSpPr>
             <a:spLocks noGrp="1"/>
           </p:cNvSpPr>
@@ -395,49 +415,44 @@
           <a:p>
             <a:pPr lvl="0"/>
             <a:r>
-              <a:rPr lang="zh-TW" altLang="en-US"/>
-              <a:t>按一下以編輯母片文字樣式</a:t>
+              <a:rPr lang="en-US" smtClean="0"/>
+              <a:t>Click to edit Master text styles</a:t>
             </a:r>
           </a:p>
           <a:p>
             <a:pPr lvl="1"/>
             <a:r>
-              <a:rPr lang="zh-TW" altLang="en-US"/>
-              <a:t>第二層</a:t>
+              <a:rPr lang="en-US" smtClean="0"/>
+              <a:t>Second level</a:t>
             </a:r>
           </a:p>
           <a:p>
             <a:pPr lvl="2"/>
             <a:r>
-              <a:rPr lang="zh-TW" altLang="en-US"/>
-              <a:t>第三層</a:t>
+              <a:rPr lang="en-US" smtClean="0"/>
+              <a:t>Third level</a:t>
             </a:r>
           </a:p>
           <a:p>
             <a:pPr lvl="3"/>
             <a:r>
-              <a:rPr lang="zh-TW" altLang="en-US"/>
-              <a:t>第四層</a:t>
+              <a:rPr lang="en-US" smtClean="0"/>
+              <a:t>Fourth level</a:t>
             </a:r>
           </a:p>
           <a:p>
             <a:pPr lvl="4"/>
             <a:r>
-              <a:rPr lang="zh-TW" altLang="en-US"/>
-              <a:t>第五層</a:t>
-            </a:r>
-          </a:p>
-        </p:txBody>
-      </p:sp>
-      <p:sp>
-        <p:nvSpPr>
-          <p:cNvPr id="4" name="日期版面配置區 3">
-            <a:extLst>
-              <a:ext uri="{FF2B5EF4-FFF2-40B4-BE49-F238E27FC236}">
-                <a16:creationId xmlns:a16="http://schemas.microsoft.com/office/drawing/2014/main" id="{60AFD716-8B99-4230-B55F-C8B88ECBB171}"/>
-              </a:ext>
-            </a:extLst>
-          </p:cNvPr>
+              <a:rPr lang="en-US" smtClean="0"/>
+              <a:t>Fifth level</a:t>
+            </a:r>
+            <a:endParaRPr lang="en-US"/>
+          </a:p>
+        </p:txBody>
+      </p:sp>
+      <p:sp>
+        <p:nvSpPr>
+          <p:cNvPr id="4" name="Date Placeholder 3"/>
           <p:cNvSpPr>
             <a:spLocks noGrp="1"/>
           </p:cNvSpPr>
@@ -450,23 +465,18 @@
           <a:bodyPr/>
           <a:lstStyle/>
           <a:p>
-            <a:fld id="{C3C90D7E-32D6-4894-AE08-7BBB3E610FC9}" type="datetimeFigureOut">
-              <a:rPr lang="zh-TW" altLang="en-US" smtClean="0"/>
-              <a:t>2024/9/16</a:t>
+            <a:fld id="{1D8BD707-D9CF-40AE-B4C6-C98DA3205C09}" type="datetimeFigureOut">
+              <a:rPr lang="en-US" smtClean="0"/>
+              <a:pPr/>
+              <a:t>8/1/2011</a:t>
             </a:fld>
-            <a:endParaRPr lang="zh-TW" altLang="en-US"/>
-          </a:p>
-        </p:txBody>
-      </p:sp>
-      <p:sp>
-        <p:nvSpPr>
-          <p:cNvPr id="5" name="頁尾版面配置區 4">
-            <a:extLst>
-              <a:ext uri="{FF2B5EF4-FFF2-40B4-BE49-F238E27FC236}">
-                <a16:creationId xmlns:a16="http://schemas.microsoft.com/office/drawing/2014/main" id="{EA374743-76D9-4BF8-A60C-2F50B2636A8A}"/>
-              </a:ext>
-            </a:extLst>
-          </p:cNvPr>
+            <a:endParaRPr lang="en-US"/>
+          </a:p>
+        </p:txBody>
+      </p:sp>
+      <p:sp>
+        <p:nvSpPr>
+          <p:cNvPr id="5" name="Footer Placeholder 4"/>
           <p:cNvSpPr>
             <a:spLocks noGrp="1"/>
           </p:cNvSpPr>
@@ -479,19 +489,13 @@
           <a:bodyPr/>
           <a:lstStyle/>
           <a:p>
-            <a:endParaRPr lang="zh-TW" altLang="en-US"/>
-          </a:p>
-        </p:txBody>
-      </p:sp>
-      <p:sp>
-        <p:nvSpPr>
-          <p:cNvPr id="6" name="投影片編號版面配置區 5">
-            <a:extLst>
-              <a:ext uri="{FF2B5EF4-FFF2-40B4-BE49-F238E27FC236}">
-                <a16:creationId xmlns:a16="http://schemas.microsoft.com/office/drawing/2014/main" id="{00454594-6C11-4013-A666-A151E960EC9B}"/>
-              </a:ext>
-            </a:extLst>
-          </p:cNvPr>
+            <a:endParaRPr lang="en-US"/>
+          </a:p>
+        </p:txBody>
+      </p:sp>
+      <p:sp>
+        <p:nvSpPr>
+          <p:cNvPr id="6" name="Slide Number Placeholder 5"/>
           <p:cNvSpPr>
             <a:spLocks noGrp="1"/>
           </p:cNvSpPr>
@@ -504,20 +508,16 @@
           <a:bodyPr/>
           <a:lstStyle/>
           <a:p>
-            <a:fld id="{E31EC408-072F-4346-BD0A-D6AA5788A305}" type="slidenum">
-              <a:rPr lang="zh-TW" altLang="en-US" smtClean="0"/>
+            <a:fld id="{B6F15528-21DE-4FAA-801E-634DDDAF4B2B}" type="slidenum">
+              <a:rPr lang="en-US" smtClean="0"/>
+              <a:pPr/>
               <a:t>‹#›</a:t>
             </a:fld>
-            <a:endParaRPr lang="zh-TW" altLang="en-US"/>
+            <a:endParaRPr lang="en-US"/>
           </a:p>
         </p:txBody>
       </p:sp>
     </p:spTree>
-    <p:extLst>
-      <p:ext uri="{BB962C8B-B14F-4D97-AF65-F5344CB8AC3E}">
-        <p14:creationId xmlns:p14="http://schemas.microsoft.com/office/powerpoint/2010/main" val="188953001"/>
-      </p:ext>
-    </p:extLst>
   </p:cSld>
   <p:clrMapOvr>
     <a:masterClrMapping/>
@@ -527,7 +527,7 @@
 
 <file path=ppt/slideLayouts/slideLayout11.xml><?xml version="1.0" encoding="utf-8"?>
 <p:sldLayout xmlns:a="http://schemas.openxmlformats.org/drawingml/2006/main" xmlns:r="http://schemas.openxmlformats.org/officeDocument/2006/relationships" xmlns:p="http://schemas.openxmlformats.org/presentationml/2006/main" type="vertTitleAndTx" preserve="1">
-  <p:cSld name="直排標題及文字">
+  <p:cSld name="Vertical Title and Text">
     <p:spTree>
       <p:nvGrpSpPr>
         <p:cNvPr id="1" name=""/>
@@ -544,13 +544,7 @@
       </p:grpSpPr>
       <p:sp>
         <p:nvSpPr>
-          <p:cNvPr id="2" name="直排標題 1">
-            <a:extLst>
-              <a:ext uri="{FF2B5EF4-FFF2-40B4-BE49-F238E27FC236}">
-                <a16:creationId xmlns:a16="http://schemas.microsoft.com/office/drawing/2014/main" id="{70F760AC-E708-4605-85E2-7D0F424B3E29}"/>
-              </a:ext>
-            </a:extLst>
-          </p:cNvPr>
+          <p:cNvPr id="2" name="Vertical Title 1"/>
           <p:cNvSpPr>
             <a:spLocks noGrp="1"/>
           </p:cNvSpPr>
@@ -560,8 +554,8 @@
         </p:nvSpPr>
         <p:spPr>
           <a:xfrm>
-            <a:off x="8724900" y="365125"/>
-            <a:ext cx="2628900" cy="5811838"/>
+            <a:off x="6629400" y="274638"/>
+            <a:ext cx="2057400" cy="5851525"/>
           </a:xfrm>
         </p:spPr>
         <p:txBody>
@@ -569,21 +563,16 @@
           <a:lstStyle/>
           <a:p>
             <a:r>
-              <a:rPr lang="zh-TW" altLang="en-US"/>
-              <a:t>按一下以編輯母片標題樣式</a:t>
-            </a:r>
-          </a:p>
-        </p:txBody>
-      </p:sp>
-      <p:sp>
-        <p:nvSpPr>
-          <p:cNvPr id="3" name="直排文字版面配置區 2">
-            <a:extLst>
-              <a:ext uri="{FF2B5EF4-FFF2-40B4-BE49-F238E27FC236}">
-                <a16:creationId xmlns:a16="http://schemas.microsoft.com/office/drawing/2014/main" id="{84BECF48-F3B6-4D47-82A8-C6AE92EDC2F0}"/>
-              </a:ext>
-            </a:extLst>
-          </p:cNvPr>
+              <a:rPr lang="en-US" smtClean="0"/>
+              <a:t>Click to edit Master title style</a:t>
+            </a:r>
+            <a:endParaRPr lang="en-US"/>
+          </a:p>
+        </p:txBody>
+      </p:sp>
+      <p:sp>
+        <p:nvSpPr>
+          <p:cNvPr id="3" name="Vertical Text Placeholder 2"/>
           <p:cNvSpPr>
             <a:spLocks noGrp="1"/>
           </p:cNvSpPr>
@@ -593,8 +582,8 @@
         </p:nvSpPr>
         <p:spPr>
           <a:xfrm>
-            <a:off x="838200" y="365125"/>
-            <a:ext cx="7734300" cy="5811838"/>
+            <a:off x="457200" y="274638"/>
+            <a:ext cx="6019800" cy="5851525"/>
           </a:xfrm>
         </p:spPr>
         <p:txBody>
@@ -603,49 +592,44 @@
           <a:p>
             <a:pPr lvl="0"/>
             <a:r>
-              <a:rPr lang="zh-TW" altLang="en-US"/>
-              <a:t>按一下以編輯母片文字樣式</a:t>
+              <a:rPr lang="en-US" smtClean="0"/>
+              <a:t>Click to edit Master text styles</a:t>
             </a:r>
           </a:p>
           <a:p>
             <a:pPr lvl="1"/>
             <a:r>
-              <a:rPr lang="zh-TW" altLang="en-US"/>
-              <a:t>第二層</a:t>
+              <a:rPr lang="en-US" smtClean="0"/>
+              <a:t>Second level</a:t>
             </a:r>
           </a:p>
           <a:p>
             <a:pPr lvl="2"/>
             <a:r>
-              <a:rPr lang="zh-TW" altLang="en-US"/>
-              <a:t>第三層</a:t>
+              <a:rPr lang="en-US" smtClean="0"/>
+              <a:t>Third level</a:t>
             </a:r>
           </a:p>
           <a:p>
             <a:pPr lvl="3"/>
             <a:r>
-              <a:rPr lang="zh-TW" altLang="en-US"/>
-              <a:t>第四層</a:t>
+              <a:rPr lang="en-US" smtClean="0"/>
+              <a:t>Fourth level</a:t>
             </a:r>
           </a:p>
           <a:p>
             <a:pPr lvl="4"/>
             <a:r>
-              <a:rPr lang="zh-TW" altLang="en-US"/>
-              <a:t>第五層</a:t>
-            </a:r>
-          </a:p>
-        </p:txBody>
-      </p:sp>
-      <p:sp>
-        <p:nvSpPr>
-          <p:cNvPr id="4" name="日期版面配置區 3">
-            <a:extLst>
-              <a:ext uri="{FF2B5EF4-FFF2-40B4-BE49-F238E27FC236}">
-                <a16:creationId xmlns:a16="http://schemas.microsoft.com/office/drawing/2014/main" id="{215DE52A-093E-4116-A2FE-F61BA999B89F}"/>
-              </a:ext>
-            </a:extLst>
-          </p:cNvPr>
+              <a:rPr lang="en-US" smtClean="0"/>
+              <a:t>Fifth level</a:t>
+            </a:r>
+            <a:endParaRPr lang="en-US"/>
+          </a:p>
+        </p:txBody>
+      </p:sp>
+      <p:sp>
+        <p:nvSpPr>
+          <p:cNvPr id="4" name="Date Placeholder 3"/>
           <p:cNvSpPr>
             <a:spLocks noGrp="1"/>
           </p:cNvSpPr>
@@ -658,23 +642,18 @@
           <a:bodyPr/>
           <a:lstStyle/>
           <a:p>
-            <a:fld id="{C3C90D7E-32D6-4894-AE08-7BBB3E610FC9}" type="datetimeFigureOut">
-              <a:rPr lang="zh-TW" altLang="en-US" smtClean="0"/>
-              <a:t>2024/9/16</a:t>
+            <a:fld id="{1D8BD707-D9CF-40AE-B4C6-C98DA3205C09}" type="datetimeFigureOut">
+              <a:rPr lang="en-US" smtClean="0"/>
+              <a:pPr/>
+              <a:t>8/1/2011</a:t>
             </a:fld>
-            <a:endParaRPr lang="zh-TW" altLang="en-US"/>
-          </a:p>
-        </p:txBody>
-      </p:sp>
-      <p:sp>
-        <p:nvSpPr>
-          <p:cNvPr id="5" name="頁尾版面配置區 4">
-            <a:extLst>
-              <a:ext uri="{FF2B5EF4-FFF2-40B4-BE49-F238E27FC236}">
-                <a16:creationId xmlns:a16="http://schemas.microsoft.com/office/drawing/2014/main" id="{34553FE1-A5D9-4070-AA9C-378F491D4677}"/>
-              </a:ext>
-            </a:extLst>
-          </p:cNvPr>
+            <a:endParaRPr lang="en-US"/>
+          </a:p>
+        </p:txBody>
+      </p:sp>
+      <p:sp>
+        <p:nvSpPr>
+          <p:cNvPr id="5" name="Footer Placeholder 4"/>
           <p:cNvSpPr>
             <a:spLocks noGrp="1"/>
           </p:cNvSpPr>
@@ -687,19 +666,13 @@
           <a:bodyPr/>
           <a:lstStyle/>
           <a:p>
-            <a:endParaRPr lang="zh-TW" altLang="en-US"/>
-          </a:p>
-        </p:txBody>
-      </p:sp>
-      <p:sp>
-        <p:nvSpPr>
-          <p:cNvPr id="6" name="投影片編號版面配置區 5">
-            <a:extLst>
-              <a:ext uri="{FF2B5EF4-FFF2-40B4-BE49-F238E27FC236}">
-                <a16:creationId xmlns:a16="http://schemas.microsoft.com/office/drawing/2014/main" id="{928EFDDC-5B11-4543-8144-518625EDA57F}"/>
-              </a:ext>
-            </a:extLst>
-          </p:cNvPr>
+            <a:endParaRPr lang="en-US"/>
+          </a:p>
+        </p:txBody>
+      </p:sp>
+      <p:sp>
+        <p:nvSpPr>
+          <p:cNvPr id="6" name="Slide Number Placeholder 5"/>
           <p:cNvSpPr>
             <a:spLocks noGrp="1"/>
           </p:cNvSpPr>
@@ -712,20 +685,16 @@
           <a:bodyPr/>
           <a:lstStyle/>
           <a:p>
-            <a:fld id="{E31EC408-072F-4346-BD0A-D6AA5788A305}" type="slidenum">
-              <a:rPr lang="zh-TW" altLang="en-US" smtClean="0"/>
+            <a:fld id="{B6F15528-21DE-4FAA-801E-634DDDAF4B2B}" type="slidenum">
+              <a:rPr lang="en-US" smtClean="0"/>
+              <a:pPr/>
               <a:t>‹#›</a:t>
             </a:fld>
-            <a:endParaRPr lang="zh-TW" altLang="en-US"/>
+            <a:endParaRPr lang="en-US"/>
           </a:p>
         </p:txBody>
       </p:sp>
     </p:spTree>
-    <p:extLst>
-      <p:ext uri="{BB962C8B-B14F-4D97-AF65-F5344CB8AC3E}">
-        <p14:creationId xmlns:p14="http://schemas.microsoft.com/office/powerpoint/2010/main" val="2483123943"/>
-      </p:ext>
-    </p:extLst>
   </p:cSld>
   <p:clrMapOvr>
     <a:masterClrMapping/>
@@ -735,7 +704,7 @@
 
 <file path=ppt/slideLayouts/slideLayout2.xml><?xml version="1.0" encoding="utf-8"?>
 <p:sldLayout xmlns:a="http://schemas.openxmlformats.org/drawingml/2006/main" xmlns:r="http://schemas.openxmlformats.org/officeDocument/2006/relationships" xmlns:p="http://schemas.openxmlformats.org/presentationml/2006/main" type="obj" preserve="1">
-  <p:cSld name="標題及內容">
+  <p:cSld name="Title and Content">
     <p:spTree>
       <p:nvGrpSpPr>
         <p:cNvPr id="1" name=""/>
@@ -752,13 +721,7 @@
       </p:grpSpPr>
       <p:sp>
         <p:nvSpPr>
-          <p:cNvPr id="2" name="標題 1">
-            <a:extLst>
-              <a:ext uri="{FF2B5EF4-FFF2-40B4-BE49-F238E27FC236}">
-                <a16:creationId xmlns:a16="http://schemas.microsoft.com/office/drawing/2014/main" id="{A1BFCF4C-FB58-444C-B754-A594851E4C7B}"/>
-              </a:ext>
-            </a:extLst>
-          </p:cNvPr>
+          <p:cNvPr id="2" name="Title 1"/>
           <p:cNvSpPr>
             <a:spLocks noGrp="1"/>
           </p:cNvSpPr>
@@ -772,21 +735,16 @@
           <a:lstStyle/>
           <a:p>
             <a:r>
-              <a:rPr lang="zh-TW" altLang="en-US"/>
-              <a:t>按一下以編輯母片標題樣式</a:t>
-            </a:r>
-          </a:p>
-        </p:txBody>
-      </p:sp>
-      <p:sp>
-        <p:nvSpPr>
-          <p:cNvPr id="3" name="內容版面配置區 2">
-            <a:extLst>
-              <a:ext uri="{FF2B5EF4-FFF2-40B4-BE49-F238E27FC236}">
-                <a16:creationId xmlns:a16="http://schemas.microsoft.com/office/drawing/2014/main" id="{987C475D-648F-4511-A6FE-04B04F755F93}"/>
-              </a:ext>
-            </a:extLst>
-          </p:cNvPr>
+              <a:rPr lang="en-US" smtClean="0"/>
+              <a:t>Click to edit Master title style</a:t>
+            </a:r>
+            <a:endParaRPr lang="en-US"/>
+          </a:p>
+        </p:txBody>
+      </p:sp>
+      <p:sp>
+        <p:nvSpPr>
+          <p:cNvPr id="3" name="Content Placeholder 2"/>
           <p:cNvSpPr>
             <a:spLocks noGrp="1"/>
           </p:cNvSpPr>
@@ -801,49 +759,44 @@
           <a:p>
             <a:pPr lvl="0"/>
             <a:r>
-              <a:rPr lang="zh-TW" altLang="en-US"/>
-              <a:t>按一下以編輯母片文字樣式</a:t>
+              <a:rPr lang="en-US" smtClean="0"/>
+              <a:t>Click to edit Master text styles</a:t>
             </a:r>
           </a:p>
           <a:p>
             <a:pPr lvl="1"/>
             <a:r>
-              <a:rPr lang="zh-TW" altLang="en-US"/>
-              <a:t>第二層</a:t>
+              <a:rPr lang="en-US" smtClean="0"/>
+              <a:t>Second level</a:t>
             </a:r>
           </a:p>
           <a:p>
             <a:pPr lvl="2"/>
             <a:r>
-              <a:rPr lang="zh-TW" altLang="en-US"/>
-              <a:t>第三層</a:t>
+              <a:rPr lang="en-US" smtClean="0"/>
+              <a:t>Third level</a:t>
             </a:r>
           </a:p>
           <a:p>
             <a:pPr lvl="3"/>
             <a:r>
-              <a:rPr lang="zh-TW" altLang="en-US"/>
-              <a:t>第四層</a:t>
+              <a:rPr lang="en-US" smtClean="0"/>
+              <a:t>Fourth level</a:t>
             </a:r>
           </a:p>
           <a:p>
             <a:pPr lvl="4"/>
             <a:r>
-              <a:rPr lang="zh-TW" altLang="en-US"/>
-              <a:t>第五層</a:t>
-            </a:r>
-          </a:p>
-        </p:txBody>
-      </p:sp>
-      <p:sp>
-        <p:nvSpPr>
-          <p:cNvPr id="4" name="日期版面配置區 3">
-            <a:extLst>
-              <a:ext uri="{FF2B5EF4-FFF2-40B4-BE49-F238E27FC236}">
-                <a16:creationId xmlns:a16="http://schemas.microsoft.com/office/drawing/2014/main" id="{F511FCF8-D8F7-4914-920F-D63F2D97F713}"/>
-              </a:ext>
-            </a:extLst>
-          </p:cNvPr>
+              <a:rPr lang="en-US" smtClean="0"/>
+              <a:t>Fifth level</a:t>
+            </a:r>
+            <a:endParaRPr lang="en-US"/>
+          </a:p>
+        </p:txBody>
+      </p:sp>
+      <p:sp>
+        <p:nvSpPr>
+          <p:cNvPr id="4" name="Date Placeholder 3"/>
           <p:cNvSpPr>
             <a:spLocks noGrp="1"/>
           </p:cNvSpPr>
@@ -856,23 +809,18 @@
           <a:bodyPr/>
           <a:lstStyle/>
           <a:p>
-            <a:fld id="{C3C90D7E-32D6-4894-AE08-7BBB3E610FC9}" type="datetimeFigureOut">
-              <a:rPr lang="zh-TW" altLang="en-US" smtClean="0"/>
-              <a:t>2024/9/16</a:t>
+            <a:fld id="{1D8BD707-D9CF-40AE-B4C6-C98DA3205C09}" type="datetimeFigureOut">
+              <a:rPr lang="en-US" smtClean="0"/>
+              <a:pPr/>
+              <a:t>8/1/2011</a:t>
             </a:fld>
-            <a:endParaRPr lang="zh-TW" altLang="en-US"/>
-          </a:p>
-        </p:txBody>
-      </p:sp>
-      <p:sp>
-        <p:nvSpPr>
-          <p:cNvPr id="5" name="頁尾版面配置區 4">
-            <a:extLst>
-              <a:ext uri="{FF2B5EF4-FFF2-40B4-BE49-F238E27FC236}">
-                <a16:creationId xmlns:a16="http://schemas.microsoft.com/office/drawing/2014/main" id="{7E1D3E8F-338D-4B4D-B411-5282866FF95D}"/>
-              </a:ext>
-            </a:extLst>
-          </p:cNvPr>
+            <a:endParaRPr lang="en-US"/>
+          </a:p>
+        </p:txBody>
+      </p:sp>
+      <p:sp>
+        <p:nvSpPr>
+          <p:cNvPr id="5" name="Footer Placeholder 4"/>
           <p:cNvSpPr>
             <a:spLocks noGrp="1"/>
           </p:cNvSpPr>
@@ -885,19 +833,13 @@
           <a:bodyPr/>
           <a:lstStyle/>
           <a:p>
-            <a:endParaRPr lang="zh-TW" altLang="en-US"/>
-          </a:p>
-        </p:txBody>
-      </p:sp>
-      <p:sp>
-        <p:nvSpPr>
-          <p:cNvPr id="6" name="投影片編號版面配置區 5">
-            <a:extLst>
-              <a:ext uri="{FF2B5EF4-FFF2-40B4-BE49-F238E27FC236}">
-                <a16:creationId xmlns:a16="http://schemas.microsoft.com/office/drawing/2014/main" id="{F7DF3AD5-06B6-42D8-AEDF-66CCE6582524}"/>
-              </a:ext>
-            </a:extLst>
-          </p:cNvPr>
+            <a:endParaRPr lang="en-US"/>
+          </a:p>
+        </p:txBody>
+      </p:sp>
+      <p:sp>
+        <p:nvSpPr>
+          <p:cNvPr id="6" name="Slide Number Placeholder 5"/>
           <p:cNvSpPr>
             <a:spLocks noGrp="1"/>
           </p:cNvSpPr>
@@ -910,20 +852,16 @@
           <a:bodyPr/>
           <a:lstStyle/>
           <a:p>
-            <a:fld id="{E31EC408-072F-4346-BD0A-D6AA5788A305}" type="slidenum">
-              <a:rPr lang="zh-TW" altLang="en-US" smtClean="0"/>
+            <a:fld id="{B6F15528-21DE-4FAA-801E-634DDDAF4B2B}" type="slidenum">
+              <a:rPr lang="en-US" smtClean="0"/>
+              <a:pPr/>
               <a:t>‹#›</a:t>
             </a:fld>
-            <a:endParaRPr lang="zh-TW" altLang="en-US"/>
+            <a:endParaRPr lang="en-US"/>
           </a:p>
         </p:txBody>
       </p:sp>
     </p:spTree>
-    <p:extLst>
-      <p:ext uri="{BB962C8B-B14F-4D97-AF65-F5344CB8AC3E}">
-        <p14:creationId xmlns:p14="http://schemas.microsoft.com/office/powerpoint/2010/main" val="4198509733"/>
-      </p:ext>
-    </p:extLst>
   </p:cSld>
   <p:clrMapOvr>
     <a:masterClrMapping/>
@@ -933,7 +871,7 @@
 
 <file path=ppt/slideLayouts/slideLayout3.xml><?xml version="1.0" encoding="utf-8"?>
 <p:sldLayout xmlns:a="http://schemas.openxmlformats.org/drawingml/2006/main" xmlns:r="http://schemas.openxmlformats.org/officeDocument/2006/relationships" xmlns:p="http://schemas.openxmlformats.org/presentationml/2006/main" type="secHead" preserve="1">
-  <p:cSld name="章節標題">
+  <p:cSld name="Section Header">
     <p:spTree>
       <p:nvGrpSpPr>
         <p:cNvPr id="1" name=""/>
@@ -950,13 +888,7 @@
       </p:grpSpPr>
       <p:sp>
         <p:nvSpPr>
-          <p:cNvPr id="2" name="標題 1">
-            <a:extLst>
-              <a:ext uri="{FF2B5EF4-FFF2-40B4-BE49-F238E27FC236}">
-                <a16:creationId xmlns:a16="http://schemas.microsoft.com/office/drawing/2014/main" id="{5986B870-2B24-4658-9AEB-3C92E8E40B41}"/>
-              </a:ext>
-            </a:extLst>
-          </p:cNvPr>
+          <p:cNvPr id="2" name="Title 1"/>
           <p:cNvSpPr>
             <a:spLocks noGrp="1"/>
           </p:cNvSpPr>
@@ -966,53 +898,48 @@
         </p:nvSpPr>
         <p:spPr>
           <a:xfrm>
-            <a:off x="831850" y="1709738"/>
-            <a:ext cx="10515600" cy="2852737"/>
+            <a:off x="722313" y="4406900"/>
+            <a:ext cx="7772400" cy="1362075"/>
+          </a:xfrm>
+        </p:spPr>
+        <p:txBody>
+          <a:bodyPr anchor="t"/>
+          <a:lstStyle>
+            <a:lvl1pPr algn="l">
+              <a:defRPr sz="4000" b="1" cap="all"/>
+            </a:lvl1pPr>
+          </a:lstStyle>
+          <a:p>
+            <a:r>
+              <a:rPr lang="en-US" smtClean="0"/>
+              <a:t>Click to edit Master title style</a:t>
+            </a:r>
+            <a:endParaRPr lang="en-US"/>
+          </a:p>
+        </p:txBody>
+      </p:sp>
+      <p:sp>
+        <p:nvSpPr>
+          <p:cNvPr id="3" name="Text Placeholder 2"/>
+          <p:cNvSpPr>
+            <a:spLocks noGrp="1"/>
+          </p:cNvSpPr>
+          <p:nvPr>
+            <p:ph type="body" idx="1"/>
+          </p:nvPr>
+        </p:nvSpPr>
+        <p:spPr>
+          <a:xfrm>
+            <a:off x="722313" y="2906713"/>
+            <a:ext cx="7772400" cy="1500187"/>
           </a:xfrm>
         </p:spPr>
         <p:txBody>
           <a:bodyPr anchor="b"/>
           <a:lstStyle>
-            <a:lvl1pPr>
-              <a:defRPr sz="6000"/>
-            </a:lvl1pPr>
-          </a:lstStyle>
-          <a:p>
-            <a:r>
-              <a:rPr lang="zh-TW" altLang="en-US"/>
-              <a:t>按一下以編輯母片標題樣式</a:t>
-            </a:r>
-          </a:p>
-        </p:txBody>
-      </p:sp>
-      <p:sp>
-        <p:nvSpPr>
-          <p:cNvPr id="3" name="文字版面配置區 2">
-            <a:extLst>
-              <a:ext uri="{FF2B5EF4-FFF2-40B4-BE49-F238E27FC236}">
-                <a16:creationId xmlns:a16="http://schemas.microsoft.com/office/drawing/2014/main" id="{90235018-E757-4630-8511-F466B919268F}"/>
-              </a:ext>
-            </a:extLst>
-          </p:cNvPr>
-          <p:cNvSpPr>
-            <a:spLocks noGrp="1"/>
-          </p:cNvSpPr>
-          <p:nvPr>
-            <p:ph type="body" idx="1"/>
-          </p:nvPr>
-        </p:nvSpPr>
-        <p:spPr>
-          <a:xfrm>
-            <a:off x="831850" y="4589463"/>
-            <a:ext cx="10515600" cy="1500187"/>
-          </a:xfrm>
-        </p:spPr>
-        <p:txBody>
-          <a:bodyPr/>
-          <a:lstStyle>
             <a:lvl1pPr marL="0" indent="0">
               <a:buNone/>
-              <a:defRPr sz="2400">
+              <a:defRPr sz="2000">
                 <a:solidFill>
                   <a:schemeClr val="tx1">
                     <a:tint val="75000"/>
@@ -1022,7 +949,7 @@
             </a:lvl1pPr>
             <a:lvl2pPr marL="457200" indent="0">
               <a:buNone/>
-              <a:defRPr sz="2000">
+              <a:defRPr sz="1800">
                 <a:solidFill>
                   <a:schemeClr val="tx1">
                     <a:tint val="75000"/>
@@ -1032,7 +959,7 @@
             </a:lvl2pPr>
             <a:lvl3pPr marL="914400" indent="0">
               <a:buNone/>
-              <a:defRPr sz="1800">
+              <a:defRPr sz="1600">
                 <a:solidFill>
                   <a:schemeClr val="tx1">
                     <a:tint val="75000"/>
@@ -1042,7 +969,7 @@
             </a:lvl3pPr>
             <a:lvl4pPr marL="1371600" indent="0">
               <a:buNone/>
-              <a:defRPr sz="1600">
+              <a:defRPr sz="1400">
                 <a:solidFill>
                   <a:schemeClr val="tx1">
                     <a:tint val="75000"/>
@@ -1052,7 +979,7 @@
             </a:lvl4pPr>
             <a:lvl5pPr marL="1828800" indent="0">
               <a:buNone/>
-              <a:defRPr sz="1600">
+              <a:defRPr sz="1400">
                 <a:solidFill>
                   <a:schemeClr val="tx1">
                     <a:tint val="75000"/>
@@ -1062,7 +989,7 @@
             </a:lvl5pPr>
             <a:lvl6pPr marL="2286000" indent="0">
               <a:buNone/>
-              <a:defRPr sz="1600">
+              <a:defRPr sz="1400">
                 <a:solidFill>
                   <a:schemeClr val="tx1">
                     <a:tint val="75000"/>
@@ -1072,7 +999,7 @@
             </a:lvl6pPr>
             <a:lvl7pPr marL="2743200" indent="0">
               <a:buNone/>
-              <a:defRPr sz="1600">
+              <a:defRPr sz="1400">
                 <a:solidFill>
                   <a:schemeClr val="tx1">
                     <a:tint val="75000"/>
@@ -1082,7 +1009,7 @@
             </a:lvl7pPr>
             <a:lvl8pPr marL="3200400" indent="0">
               <a:buNone/>
-              <a:defRPr sz="1600">
+              <a:defRPr sz="1400">
                 <a:solidFill>
                   <a:schemeClr val="tx1">
                     <a:tint val="75000"/>
@@ -1092,7 +1019,7 @@
             </a:lvl8pPr>
             <a:lvl9pPr marL="3657600" indent="0">
               <a:buNone/>
-              <a:defRPr sz="1600">
+              <a:defRPr sz="1400">
                 <a:solidFill>
                   <a:schemeClr val="tx1">
                     <a:tint val="75000"/>
@@ -1104,21 +1031,15 @@
           <a:p>
             <a:pPr lvl="0"/>
             <a:r>
-              <a:rPr lang="zh-TW" altLang="en-US"/>
-              <a:t>按一下以編輯母片文字樣式</a:t>
-            </a:r>
-          </a:p>
-        </p:txBody>
-      </p:sp>
-      <p:sp>
-        <p:nvSpPr>
-          <p:cNvPr id="4" name="日期版面配置區 3">
-            <a:extLst>
-              <a:ext uri="{FF2B5EF4-FFF2-40B4-BE49-F238E27FC236}">
-                <a16:creationId xmlns:a16="http://schemas.microsoft.com/office/drawing/2014/main" id="{37546C76-CF19-433D-9070-0A54A149F1B2}"/>
-              </a:ext>
-            </a:extLst>
-          </p:cNvPr>
+              <a:rPr lang="en-US" smtClean="0"/>
+              <a:t>Click to edit Master text styles</a:t>
+            </a:r>
+          </a:p>
+        </p:txBody>
+      </p:sp>
+      <p:sp>
+        <p:nvSpPr>
+          <p:cNvPr id="4" name="Date Placeholder 3"/>
           <p:cNvSpPr>
             <a:spLocks noGrp="1"/>
           </p:cNvSpPr>
@@ -1131,23 +1052,18 @@
           <a:bodyPr/>
           <a:lstStyle/>
           <a:p>
-            <a:fld id="{C3C90D7E-32D6-4894-AE08-7BBB3E610FC9}" type="datetimeFigureOut">
-              <a:rPr lang="zh-TW" altLang="en-US" smtClean="0"/>
-              <a:t>2024/9/16</a:t>
+            <a:fld id="{1D8BD707-D9CF-40AE-B4C6-C98DA3205C09}" type="datetimeFigureOut">
+              <a:rPr lang="en-US" smtClean="0"/>
+              <a:pPr/>
+              <a:t>8/1/2011</a:t>
             </a:fld>
-            <a:endParaRPr lang="zh-TW" altLang="en-US"/>
-          </a:p>
-        </p:txBody>
-      </p:sp>
-      <p:sp>
-        <p:nvSpPr>
-          <p:cNvPr id="5" name="頁尾版面配置區 4">
-            <a:extLst>
-              <a:ext uri="{FF2B5EF4-FFF2-40B4-BE49-F238E27FC236}">
-                <a16:creationId xmlns:a16="http://schemas.microsoft.com/office/drawing/2014/main" id="{9C9DC25F-827C-4564-AD0E-7FD815D53AF7}"/>
-              </a:ext>
-            </a:extLst>
-          </p:cNvPr>
+            <a:endParaRPr lang="en-US"/>
+          </a:p>
+        </p:txBody>
+      </p:sp>
+      <p:sp>
+        <p:nvSpPr>
+          <p:cNvPr id="5" name="Footer Placeholder 4"/>
           <p:cNvSpPr>
             <a:spLocks noGrp="1"/>
           </p:cNvSpPr>
@@ -1160,19 +1076,13 @@
           <a:bodyPr/>
           <a:lstStyle/>
           <a:p>
-            <a:endParaRPr lang="zh-TW" altLang="en-US"/>
-          </a:p>
-        </p:txBody>
-      </p:sp>
-      <p:sp>
-        <p:nvSpPr>
-          <p:cNvPr id="6" name="投影片編號版面配置區 5">
-            <a:extLst>
-              <a:ext uri="{FF2B5EF4-FFF2-40B4-BE49-F238E27FC236}">
-                <a16:creationId xmlns:a16="http://schemas.microsoft.com/office/drawing/2014/main" id="{8C0653A6-68AA-4213-8D62-EAF9243D6998}"/>
-              </a:ext>
-            </a:extLst>
-          </p:cNvPr>
+            <a:endParaRPr lang="en-US"/>
+          </a:p>
+        </p:txBody>
+      </p:sp>
+      <p:sp>
+        <p:nvSpPr>
+          <p:cNvPr id="6" name="Slide Number Placeholder 5"/>
           <p:cNvSpPr>
             <a:spLocks noGrp="1"/>
           </p:cNvSpPr>
@@ -1185,20 +1095,16 @@
           <a:bodyPr/>
           <a:lstStyle/>
           <a:p>
-            <a:fld id="{E31EC408-072F-4346-BD0A-D6AA5788A305}" type="slidenum">
-              <a:rPr lang="zh-TW" altLang="en-US" smtClean="0"/>
+            <a:fld id="{B6F15528-21DE-4FAA-801E-634DDDAF4B2B}" type="slidenum">
+              <a:rPr lang="en-US" smtClean="0"/>
+              <a:pPr/>
               <a:t>‹#›</a:t>
             </a:fld>
-            <a:endParaRPr lang="zh-TW" altLang="en-US"/>
+            <a:endParaRPr lang="en-US"/>
           </a:p>
         </p:txBody>
       </p:sp>
     </p:spTree>
-    <p:extLst>
-      <p:ext uri="{BB962C8B-B14F-4D97-AF65-F5344CB8AC3E}">
-        <p14:creationId xmlns:p14="http://schemas.microsoft.com/office/powerpoint/2010/main" val="3126775509"/>
-      </p:ext>
-    </p:extLst>
   </p:cSld>
   <p:clrMapOvr>
     <a:masterClrMapping/>
@@ -1208,7 +1114,7 @@
 
 <file path=ppt/slideLayouts/slideLayout4.xml><?xml version="1.0" encoding="utf-8"?>
 <p:sldLayout xmlns:a="http://schemas.openxmlformats.org/drawingml/2006/main" xmlns:r="http://schemas.openxmlformats.org/officeDocument/2006/relationships" xmlns:p="http://schemas.openxmlformats.org/presentationml/2006/main" type="twoObj" preserve="1">
-  <p:cSld name="兩個內容">
+  <p:cSld name="Two Content">
     <p:spTree>
       <p:nvGrpSpPr>
         <p:cNvPr id="1" name=""/>
@@ -1225,13 +1131,7 @@
       </p:grpSpPr>
       <p:sp>
         <p:nvSpPr>
-          <p:cNvPr id="2" name="標題 1">
-            <a:extLst>
-              <a:ext uri="{FF2B5EF4-FFF2-40B4-BE49-F238E27FC236}">
-                <a16:creationId xmlns:a16="http://schemas.microsoft.com/office/drawing/2014/main" id="{F8A74D77-9E6E-4FD1-97AD-0ADC1228B6AF}"/>
-              </a:ext>
-            </a:extLst>
-          </p:cNvPr>
+          <p:cNvPr id="2" name="Title 1"/>
           <p:cNvSpPr>
             <a:spLocks noGrp="1"/>
           </p:cNvSpPr>
@@ -1245,21 +1145,16 @@
           <a:lstStyle/>
           <a:p>
             <a:r>
-              <a:rPr lang="zh-TW" altLang="en-US"/>
-              <a:t>按一下以編輯母片標題樣式</a:t>
-            </a:r>
-          </a:p>
-        </p:txBody>
-      </p:sp>
-      <p:sp>
-        <p:nvSpPr>
-          <p:cNvPr id="3" name="內容版面配置區 2">
-            <a:extLst>
-              <a:ext uri="{FF2B5EF4-FFF2-40B4-BE49-F238E27FC236}">
-                <a16:creationId xmlns:a16="http://schemas.microsoft.com/office/drawing/2014/main" id="{9FDE4E9B-689C-4373-B281-9636BE211982}"/>
-              </a:ext>
-            </a:extLst>
-          </p:cNvPr>
+              <a:rPr lang="en-US" smtClean="0"/>
+              <a:t>Click to edit Master title style</a:t>
+            </a:r>
+            <a:endParaRPr lang="en-US"/>
+          </a:p>
+        </p:txBody>
+      </p:sp>
+      <p:sp>
+        <p:nvSpPr>
+          <p:cNvPr id="3" name="Content Placeholder 2"/>
           <p:cNvSpPr>
             <a:spLocks noGrp="1"/>
           </p:cNvSpPr>
@@ -1269,59 +1164,82 @@
         </p:nvSpPr>
         <p:spPr>
           <a:xfrm>
-            <a:off x="838200" y="1825625"/>
-            <a:ext cx="5181600" cy="4351338"/>
+            <a:off x="457200" y="1600200"/>
+            <a:ext cx="4038600" cy="4525963"/>
           </a:xfrm>
         </p:spPr>
         <p:txBody>
           <a:bodyPr/>
-          <a:lstStyle/>
+          <a:lstStyle>
+            <a:lvl1pPr>
+              <a:defRPr sz="2800"/>
+            </a:lvl1pPr>
+            <a:lvl2pPr>
+              <a:defRPr sz="2400"/>
+            </a:lvl2pPr>
+            <a:lvl3pPr>
+              <a:defRPr sz="2000"/>
+            </a:lvl3pPr>
+            <a:lvl4pPr>
+              <a:defRPr sz="1800"/>
+            </a:lvl4pPr>
+            <a:lvl5pPr>
+              <a:defRPr sz="1800"/>
+            </a:lvl5pPr>
+            <a:lvl6pPr>
+              <a:defRPr sz="1800"/>
+            </a:lvl6pPr>
+            <a:lvl7pPr>
+              <a:defRPr sz="1800"/>
+            </a:lvl7pPr>
+            <a:lvl8pPr>
+              <a:defRPr sz="1800"/>
+            </a:lvl8pPr>
+            <a:lvl9pPr>
+              <a:defRPr sz="1800"/>
+            </a:lvl9pPr>
+          </a:lstStyle>
           <a:p>
             <a:pPr lvl="0"/>
             <a:r>
-              <a:rPr lang="zh-TW" altLang="en-US"/>
-              <a:t>按一下以編輯母片文字樣式</a:t>
+              <a:rPr lang="en-US" smtClean="0"/>
+              <a:t>Click to edit Master text styles</a:t>
             </a:r>
           </a:p>
           <a:p>
             <a:pPr lvl="1"/>
             <a:r>
-              <a:rPr lang="zh-TW" altLang="en-US"/>
-              <a:t>第二層</a:t>
+              <a:rPr lang="en-US" smtClean="0"/>
+              <a:t>Second level</a:t>
             </a:r>
           </a:p>
           <a:p>
             <a:pPr lvl="2"/>
             <a:r>
-              <a:rPr lang="zh-TW" altLang="en-US"/>
-              <a:t>第三層</a:t>
+              <a:rPr lang="en-US" smtClean="0"/>
+              <a:t>Third level</a:t>
             </a:r>
           </a:p>
           <a:p>
             <a:pPr lvl="3"/>
             <a:r>
-              <a:rPr lang="zh-TW" altLang="en-US"/>
-              <a:t>第四層</a:t>
+              <a:rPr lang="en-US" smtClean="0"/>
+              <a:t>Fourth level</a:t>
             </a:r>
           </a:p>
           <a:p>
             <a:pPr lvl="4"/>
             <a:r>
-              <a:rPr lang="zh-TW" altLang="en-US"/>
-              <a:t>第五層</a:t>
-            </a:r>
-          </a:p>
-        </p:txBody>
-      </p:sp>
-      <p:sp>
-        <p:nvSpPr>
-          <p:cNvPr id="4" name="內容版面配置區 3">
-            <a:extLst>
-              <a:ext uri="{FF2B5EF4-FFF2-40B4-BE49-F238E27FC236}">
-                <a16:creationId xmlns:a16="http://schemas.microsoft.com/office/drawing/2014/main" id="{CD25EC10-0BDA-4ECA-AB8E-059AC3378E22}"/>
-              </a:ext>
-            </a:extLst>
-          </p:cNvPr>
+              <a:rPr lang="en-US" smtClean="0"/>
+              <a:t>Fifth level</a:t>
+            </a:r>
+            <a:endParaRPr lang="en-US"/>
+          </a:p>
+        </p:txBody>
+      </p:sp>
+      <p:sp>
+        <p:nvSpPr>
+          <p:cNvPr id="4" name="Content Placeholder 3"/>
           <p:cNvSpPr>
             <a:spLocks noGrp="1"/>
           </p:cNvSpPr>
@@ -1331,59 +1249,82 @@
         </p:nvSpPr>
         <p:spPr>
           <a:xfrm>
-            <a:off x="6172200" y="1825625"/>
-            <a:ext cx="5181600" cy="4351338"/>
+            <a:off x="4648200" y="1600200"/>
+            <a:ext cx="4038600" cy="4525963"/>
           </a:xfrm>
         </p:spPr>
         <p:txBody>
           <a:bodyPr/>
-          <a:lstStyle/>
+          <a:lstStyle>
+            <a:lvl1pPr>
+              <a:defRPr sz="2800"/>
+            </a:lvl1pPr>
+            <a:lvl2pPr>
+              <a:defRPr sz="2400"/>
+            </a:lvl2pPr>
+            <a:lvl3pPr>
+              <a:defRPr sz="2000"/>
+            </a:lvl3pPr>
+            <a:lvl4pPr>
+              <a:defRPr sz="1800"/>
+            </a:lvl4pPr>
+            <a:lvl5pPr>
+              <a:defRPr sz="1800"/>
+            </a:lvl5pPr>
+            <a:lvl6pPr>
+              <a:defRPr sz="1800"/>
+            </a:lvl6pPr>
+            <a:lvl7pPr>
+              <a:defRPr sz="1800"/>
+            </a:lvl7pPr>
+            <a:lvl8pPr>
+              <a:defRPr sz="1800"/>
+            </a:lvl8pPr>
+            <a:lvl9pPr>
+              <a:defRPr sz="1800"/>
+            </a:lvl9pPr>
+          </a:lstStyle>
           <a:p>
             <a:pPr lvl="0"/>
             <a:r>
-              <a:rPr lang="zh-TW" altLang="en-US"/>
-              <a:t>按一下以編輯母片文字樣式</a:t>
+              <a:rPr lang="en-US" smtClean="0"/>
+              <a:t>Click to edit Master text styles</a:t>
             </a:r>
           </a:p>
           <a:p>
             <a:pPr lvl="1"/>
             <a:r>
-              <a:rPr lang="zh-TW" altLang="en-US"/>
-              <a:t>第二層</a:t>
+              <a:rPr lang="en-US" smtClean="0"/>
+              <a:t>Second level</a:t>
             </a:r>
           </a:p>
           <a:p>
             <a:pPr lvl="2"/>
             <a:r>
-              <a:rPr lang="zh-TW" altLang="en-US"/>
-              <a:t>第三層</a:t>
+              <a:rPr lang="en-US" smtClean="0"/>
+              <a:t>Third level</a:t>
             </a:r>
           </a:p>
           <a:p>
             <a:pPr lvl="3"/>
             <a:r>
-              <a:rPr lang="zh-TW" altLang="en-US"/>
-              <a:t>第四層</a:t>
+              <a:rPr lang="en-US" smtClean="0"/>
+              <a:t>Fourth level</a:t>
             </a:r>
           </a:p>
           <a:p>
             <a:pPr lvl="4"/>
             <a:r>
-              <a:rPr lang="zh-TW" altLang="en-US"/>
-              <a:t>第五層</a:t>
-            </a:r>
-          </a:p>
-        </p:txBody>
-      </p:sp>
-      <p:sp>
-        <p:nvSpPr>
-          <p:cNvPr id="5" name="日期版面配置區 4">
-            <a:extLst>
-              <a:ext uri="{FF2B5EF4-FFF2-40B4-BE49-F238E27FC236}">
-                <a16:creationId xmlns:a16="http://schemas.microsoft.com/office/drawing/2014/main" id="{63DAF127-0983-4C38-869C-C0A513FA9147}"/>
-              </a:ext>
-            </a:extLst>
-          </p:cNvPr>
+              <a:rPr lang="en-US" smtClean="0"/>
+              <a:t>Fifth level</a:t>
+            </a:r>
+            <a:endParaRPr lang="en-US"/>
+          </a:p>
+        </p:txBody>
+      </p:sp>
+      <p:sp>
+        <p:nvSpPr>
+          <p:cNvPr id="5" name="Date Placeholder 4"/>
           <p:cNvSpPr>
             <a:spLocks noGrp="1"/>
           </p:cNvSpPr>
@@ -1396,23 +1337,18 @@
           <a:bodyPr/>
           <a:lstStyle/>
           <a:p>
-            <a:fld id="{C3C90D7E-32D6-4894-AE08-7BBB3E610FC9}" type="datetimeFigureOut">
-              <a:rPr lang="zh-TW" altLang="en-US" smtClean="0"/>
-              <a:t>2024/9/16</a:t>
+            <a:fld id="{1D8BD707-D9CF-40AE-B4C6-C98DA3205C09}" type="datetimeFigureOut">
+              <a:rPr lang="en-US" smtClean="0"/>
+              <a:pPr/>
+              <a:t>8/1/2011</a:t>
             </a:fld>
-            <a:endParaRPr lang="zh-TW" altLang="en-US"/>
-          </a:p>
-        </p:txBody>
-      </p:sp>
-      <p:sp>
-        <p:nvSpPr>
-          <p:cNvPr id="6" name="頁尾版面配置區 5">
-            <a:extLst>
-              <a:ext uri="{FF2B5EF4-FFF2-40B4-BE49-F238E27FC236}">
-                <a16:creationId xmlns:a16="http://schemas.microsoft.com/office/drawing/2014/main" id="{E014CBA6-CCE3-4CF4-8E13-D895EDBD8F25}"/>
-              </a:ext>
-            </a:extLst>
-          </p:cNvPr>
+            <a:endParaRPr lang="en-US"/>
+          </a:p>
+        </p:txBody>
+      </p:sp>
+      <p:sp>
+        <p:nvSpPr>
+          <p:cNvPr id="6" name="Footer Placeholder 5"/>
           <p:cNvSpPr>
             <a:spLocks noGrp="1"/>
           </p:cNvSpPr>
@@ -1425,19 +1361,13 @@
           <a:bodyPr/>
           <a:lstStyle/>
           <a:p>
-            <a:endParaRPr lang="zh-TW" altLang="en-US"/>
-          </a:p>
-        </p:txBody>
-      </p:sp>
-      <p:sp>
-        <p:nvSpPr>
-          <p:cNvPr id="7" name="投影片編號版面配置區 6">
-            <a:extLst>
-              <a:ext uri="{FF2B5EF4-FFF2-40B4-BE49-F238E27FC236}">
-                <a16:creationId xmlns:a16="http://schemas.microsoft.com/office/drawing/2014/main" id="{5CEAA8E5-79B3-445E-B8C3-29BD56CE6D7A}"/>
-              </a:ext>
-            </a:extLst>
-          </p:cNvPr>
+            <a:endParaRPr lang="en-US"/>
+          </a:p>
+        </p:txBody>
+      </p:sp>
+      <p:sp>
+        <p:nvSpPr>
+          <p:cNvPr id="7" name="Slide Number Placeholder 6"/>
           <p:cNvSpPr>
             <a:spLocks noGrp="1"/>
           </p:cNvSpPr>
@@ -1450,20 +1380,16 @@
           <a:bodyPr/>
           <a:lstStyle/>
           <a:p>
-            <a:fld id="{E31EC408-072F-4346-BD0A-D6AA5788A305}" type="slidenum">
-              <a:rPr lang="zh-TW" altLang="en-US" smtClean="0"/>
+            <a:fld id="{B6F15528-21DE-4FAA-801E-634DDDAF4B2B}" type="slidenum">
+              <a:rPr lang="en-US" smtClean="0"/>
+              <a:pPr/>
               <a:t>‹#›</a:t>
             </a:fld>
-            <a:endParaRPr lang="zh-TW" altLang="en-US"/>
+            <a:endParaRPr lang="en-US"/>
           </a:p>
         </p:txBody>
       </p:sp>
     </p:spTree>
-    <p:extLst>
-      <p:ext uri="{BB962C8B-B14F-4D97-AF65-F5344CB8AC3E}">
-        <p14:creationId xmlns:p14="http://schemas.microsoft.com/office/powerpoint/2010/main" val="3858213488"/>
-      </p:ext>
-    </p:extLst>
   </p:cSld>
   <p:clrMapOvr>
     <a:masterClrMapping/>
@@ -1473,7 +1399,7 @@
 
 <file path=ppt/slideLayouts/slideLayout5.xml><?xml version="1.0" encoding="utf-8"?>
 <p:sldLayout xmlns:a="http://schemas.openxmlformats.org/drawingml/2006/main" xmlns:r="http://schemas.openxmlformats.org/officeDocument/2006/relationships" xmlns:p="http://schemas.openxmlformats.org/presentationml/2006/main" type="twoTxTwoObj" preserve="1">
-  <p:cSld name="比較">
+  <p:cSld name="Comparison">
     <p:spTree>
       <p:nvGrpSpPr>
         <p:cNvPr id="1" name=""/>
@@ -1490,57 +1416,45 @@
       </p:grpSpPr>
       <p:sp>
         <p:nvSpPr>
-          <p:cNvPr id="2" name="標題 1">
-            <a:extLst>
-              <a:ext uri="{FF2B5EF4-FFF2-40B4-BE49-F238E27FC236}">
-                <a16:creationId xmlns:a16="http://schemas.microsoft.com/office/drawing/2014/main" id="{A00F76B6-8DEC-4A74-A06A-BA0146321CD8}"/>
-              </a:ext>
-            </a:extLst>
-          </p:cNvPr>
+          <p:cNvPr id="2" name="Title 1"/>
           <p:cNvSpPr>
             <a:spLocks noGrp="1"/>
           </p:cNvSpPr>
           <p:nvPr>
             <p:ph type="title"/>
+          </p:nvPr>
+        </p:nvSpPr>
+        <p:spPr/>
+        <p:txBody>
+          <a:bodyPr/>
+          <a:lstStyle>
+            <a:lvl1pPr>
+              <a:defRPr/>
+            </a:lvl1pPr>
+          </a:lstStyle>
+          <a:p>
+            <a:r>
+              <a:rPr lang="en-US" smtClean="0"/>
+              <a:t>Click to edit Master title style</a:t>
+            </a:r>
+            <a:endParaRPr lang="en-US"/>
+          </a:p>
+        </p:txBody>
+      </p:sp>
+      <p:sp>
+        <p:nvSpPr>
+          <p:cNvPr id="3" name="Text Placeholder 2"/>
+          <p:cNvSpPr>
+            <a:spLocks noGrp="1"/>
+          </p:cNvSpPr>
+          <p:nvPr>
+            <p:ph type="body" idx="1"/>
           </p:nvPr>
         </p:nvSpPr>
         <p:spPr>
           <a:xfrm>
-            <a:off x="839788" y="365125"/>
-            <a:ext cx="10515600" cy="1325563"/>
-          </a:xfrm>
-        </p:spPr>
-        <p:txBody>
-          <a:bodyPr/>
-          <a:lstStyle/>
-          <a:p>
-            <a:r>
-              <a:rPr lang="zh-TW" altLang="en-US"/>
-              <a:t>按一下以編輯母片標題樣式</a:t>
-            </a:r>
-          </a:p>
-        </p:txBody>
-      </p:sp>
-      <p:sp>
-        <p:nvSpPr>
-          <p:cNvPr id="3" name="文字版面配置區 2">
-            <a:extLst>
-              <a:ext uri="{FF2B5EF4-FFF2-40B4-BE49-F238E27FC236}">
-                <a16:creationId xmlns:a16="http://schemas.microsoft.com/office/drawing/2014/main" id="{EF00F5C5-99A7-4F16-855A-F170362659F7}"/>
-              </a:ext>
-            </a:extLst>
-          </p:cNvPr>
-          <p:cNvSpPr>
-            <a:spLocks noGrp="1"/>
-          </p:cNvSpPr>
-          <p:nvPr>
-            <p:ph type="body" idx="1"/>
-          </p:nvPr>
-        </p:nvSpPr>
-        <p:spPr>
-          <a:xfrm>
-            <a:off x="839788" y="1681163"/>
-            <a:ext cx="5157787" cy="823912"/>
+            <a:off x="457200" y="1535113"/>
+            <a:ext cx="4040188" cy="639762"/>
           </a:xfrm>
         </p:spPr>
         <p:txBody>
@@ -1586,21 +1500,15 @@
           <a:p>
             <a:pPr lvl="0"/>
             <a:r>
-              <a:rPr lang="zh-TW" altLang="en-US"/>
-              <a:t>按一下以編輯母片文字樣式</a:t>
-            </a:r>
-          </a:p>
-        </p:txBody>
-      </p:sp>
-      <p:sp>
-        <p:nvSpPr>
-          <p:cNvPr id="4" name="內容版面配置區 3">
-            <a:extLst>
-              <a:ext uri="{FF2B5EF4-FFF2-40B4-BE49-F238E27FC236}">
-                <a16:creationId xmlns:a16="http://schemas.microsoft.com/office/drawing/2014/main" id="{6722BEB2-C9B4-4C14-8234-D17E84349984}"/>
-              </a:ext>
-            </a:extLst>
-          </p:cNvPr>
+              <a:rPr lang="en-US" smtClean="0"/>
+              <a:t>Click to edit Master text styles</a:t>
+            </a:r>
+          </a:p>
+        </p:txBody>
+      </p:sp>
+      <p:sp>
+        <p:nvSpPr>
+          <p:cNvPr id="4" name="Content Placeholder 3"/>
           <p:cNvSpPr>
             <a:spLocks noGrp="1"/>
           </p:cNvSpPr>
@@ -1610,59 +1518,82 @@
         </p:nvSpPr>
         <p:spPr>
           <a:xfrm>
-            <a:off x="839788" y="2505075"/>
-            <a:ext cx="5157787" cy="3684588"/>
+            <a:off x="457200" y="2174875"/>
+            <a:ext cx="4040188" cy="3951288"/>
           </a:xfrm>
         </p:spPr>
         <p:txBody>
           <a:bodyPr/>
-          <a:lstStyle/>
+          <a:lstStyle>
+            <a:lvl1pPr>
+              <a:defRPr sz="2400"/>
+            </a:lvl1pPr>
+            <a:lvl2pPr>
+              <a:defRPr sz="2000"/>
+            </a:lvl2pPr>
+            <a:lvl3pPr>
+              <a:defRPr sz="1800"/>
+            </a:lvl3pPr>
+            <a:lvl4pPr>
+              <a:defRPr sz="1600"/>
+            </a:lvl4pPr>
+            <a:lvl5pPr>
+              <a:defRPr sz="1600"/>
+            </a:lvl5pPr>
+            <a:lvl6pPr>
+              <a:defRPr sz="1600"/>
+            </a:lvl6pPr>
+            <a:lvl7pPr>
+              <a:defRPr sz="1600"/>
+            </a:lvl7pPr>
+            <a:lvl8pPr>
+              <a:defRPr sz="1600"/>
+            </a:lvl8pPr>
+            <a:lvl9pPr>
+              <a:defRPr sz="1600"/>
+            </a:lvl9pPr>
+          </a:lstStyle>
           <a:p>
             <a:pPr lvl="0"/>
             <a:r>
-              <a:rPr lang="zh-TW" altLang="en-US"/>
-              <a:t>按一下以編輯母片文字樣式</a:t>
+              <a:rPr lang="en-US" smtClean="0"/>
+              <a:t>Click to edit Master text styles</a:t>
             </a:r>
           </a:p>
           <a:p>
             <a:pPr lvl="1"/>
             <a:r>
-              <a:rPr lang="zh-TW" altLang="en-US"/>
-              <a:t>第二層</a:t>
+              <a:rPr lang="en-US" smtClean="0"/>
+              <a:t>Second level</a:t>
             </a:r>
           </a:p>
           <a:p>
             <a:pPr lvl="2"/>
             <a:r>
-              <a:rPr lang="zh-TW" altLang="en-US"/>
-              <a:t>第三層</a:t>
+              <a:rPr lang="en-US" smtClean="0"/>
+              <a:t>Third level</a:t>
             </a:r>
           </a:p>
           <a:p>
             <a:pPr lvl="3"/>
             <a:r>
-              <a:rPr lang="zh-TW" altLang="en-US"/>
-              <a:t>第四層</a:t>
+              <a:rPr lang="en-US" smtClean="0"/>
+              <a:t>Fourth level</a:t>
             </a:r>
           </a:p>
           <a:p>
             <a:pPr lvl="4"/>
             <a:r>
-              <a:rPr lang="zh-TW" altLang="en-US"/>
-              <a:t>第五層</a:t>
-            </a:r>
-          </a:p>
-        </p:txBody>
-      </p:sp>
-      <p:sp>
-        <p:nvSpPr>
-          <p:cNvPr id="5" name="文字版面配置區 4">
-            <a:extLst>
-              <a:ext uri="{FF2B5EF4-FFF2-40B4-BE49-F238E27FC236}">
-                <a16:creationId xmlns:a16="http://schemas.microsoft.com/office/drawing/2014/main" id="{E4A41162-A0AC-4211-940F-4B92208F9B0E}"/>
-              </a:ext>
-            </a:extLst>
-          </p:cNvPr>
+              <a:rPr lang="en-US" smtClean="0"/>
+              <a:t>Fifth level</a:t>
+            </a:r>
+            <a:endParaRPr lang="en-US"/>
+          </a:p>
+        </p:txBody>
+      </p:sp>
+      <p:sp>
+        <p:nvSpPr>
+          <p:cNvPr id="5" name="Text Placeholder 4"/>
           <p:cNvSpPr>
             <a:spLocks noGrp="1"/>
           </p:cNvSpPr>
@@ -1672,8 +1603,8 @@
         </p:nvSpPr>
         <p:spPr>
           <a:xfrm>
-            <a:off x="6172200" y="1681163"/>
-            <a:ext cx="5183188" cy="823912"/>
+            <a:off x="4645025" y="1535113"/>
+            <a:ext cx="4041775" cy="639762"/>
           </a:xfrm>
         </p:spPr>
         <p:txBody>
@@ -1719,21 +1650,15 @@
           <a:p>
             <a:pPr lvl="0"/>
             <a:r>
-              <a:rPr lang="zh-TW" altLang="en-US"/>
-              <a:t>按一下以編輯母片文字樣式</a:t>
-            </a:r>
-          </a:p>
-        </p:txBody>
-      </p:sp>
-      <p:sp>
-        <p:nvSpPr>
-          <p:cNvPr id="6" name="內容版面配置區 5">
-            <a:extLst>
-              <a:ext uri="{FF2B5EF4-FFF2-40B4-BE49-F238E27FC236}">
-                <a16:creationId xmlns:a16="http://schemas.microsoft.com/office/drawing/2014/main" id="{E8EA159A-F9D7-4F58-A7C3-6E5B65E42266}"/>
-              </a:ext>
-            </a:extLst>
-          </p:cNvPr>
+              <a:rPr lang="en-US" smtClean="0"/>
+              <a:t>Click to edit Master text styles</a:t>
+            </a:r>
+          </a:p>
+        </p:txBody>
+      </p:sp>
+      <p:sp>
+        <p:nvSpPr>
+          <p:cNvPr id="6" name="Content Placeholder 5"/>
           <p:cNvSpPr>
             <a:spLocks noGrp="1"/>
           </p:cNvSpPr>
@@ -1743,59 +1668,82 @@
         </p:nvSpPr>
         <p:spPr>
           <a:xfrm>
-            <a:off x="6172200" y="2505075"/>
-            <a:ext cx="5183188" cy="3684588"/>
+            <a:off x="4645025" y="2174875"/>
+            <a:ext cx="4041775" cy="3951288"/>
           </a:xfrm>
         </p:spPr>
         <p:txBody>
           <a:bodyPr/>
-          <a:lstStyle/>
+          <a:lstStyle>
+            <a:lvl1pPr>
+              <a:defRPr sz="2400"/>
+            </a:lvl1pPr>
+            <a:lvl2pPr>
+              <a:defRPr sz="2000"/>
+            </a:lvl2pPr>
+            <a:lvl3pPr>
+              <a:defRPr sz="1800"/>
+            </a:lvl3pPr>
+            <a:lvl4pPr>
+              <a:defRPr sz="1600"/>
+            </a:lvl4pPr>
+            <a:lvl5pPr>
+              <a:defRPr sz="1600"/>
+            </a:lvl5pPr>
+            <a:lvl6pPr>
+              <a:defRPr sz="1600"/>
+            </a:lvl6pPr>
+            <a:lvl7pPr>
+              <a:defRPr sz="1600"/>
+            </a:lvl7pPr>
+            <a:lvl8pPr>
+              <a:defRPr sz="1600"/>
+            </a:lvl8pPr>
+            <a:lvl9pPr>
+              <a:defRPr sz="1600"/>
+            </a:lvl9pPr>
+          </a:lstStyle>
           <a:p>
             <a:pPr lvl="0"/>
             <a:r>
-              <a:rPr lang="zh-TW" altLang="en-US"/>
-              <a:t>按一下以編輯母片文字樣式</a:t>
+              <a:rPr lang="en-US" smtClean="0"/>
+              <a:t>Click to edit Master text styles</a:t>
             </a:r>
           </a:p>
           <a:p>
             <a:pPr lvl="1"/>
             <a:r>
-              <a:rPr lang="zh-TW" altLang="en-US"/>
-              <a:t>第二層</a:t>
+              <a:rPr lang="en-US" smtClean="0"/>
+              <a:t>Second level</a:t>
             </a:r>
           </a:p>
           <a:p>
             <a:pPr lvl="2"/>
             <a:r>
-              <a:rPr lang="zh-TW" altLang="en-US"/>
-              <a:t>第三層</a:t>
+              <a:rPr lang="en-US" smtClean="0"/>
+              <a:t>Third level</a:t>
             </a:r>
           </a:p>
           <a:p>
             <a:pPr lvl="3"/>
             <a:r>
-              <a:rPr lang="zh-TW" altLang="en-US"/>
-              <a:t>第四層</a:t>
+              <a:rPr lang="en-US" smtClean="0"/>
+              <a:t>Fourth level</a:t>
             </a:r>
           </a:p>
           <a:p>
             <a:pPr lvl="4"/>
             <a:r>
-              <a:rPr lang="zh-TW" altLang="en-US"/>
-              <a:t>第五層</a:t>
-            </a:r>
-          </a:p>
-        </p:txBody>
-      </p:sp>
-      <p:sp>
-        <p:nvSpPr>
-          <p:cNvPr id="7" name="日期版面配置區 6">
-            <a:extLst>
-              <a:ext uri="{FF2B5EF4-FFF2-40B4-BE49-F238E27FC236}">
-                <a16:creationId xmlns:a16="http://schemas.microsoft.com/office/drawing/2014/main" id="{AE973E80-9141-48B7-A9D7-605A4541768F}"/>
-              </a:ext>
-            </a:extLst>
-          </p:cNvPr>
+              <a:rPr lang="en-US" smtClean="0"/>
+              <a:t>Fifth level</a:t>
+            </a:r>
+            <a:endParaRPr lang="en-US"/>
+          </a:p>
+        </p:txBody>
+      </p:sp>
+      <p:sp>
+        <p:nvSpPr>
+          <p:cNvPr id="7" name="Date Placeholder 6"/>
           <p:cNvSpPr>
             <a:spLocks noGrp="1"/>
           </p:cNvSpPr>
@@ -1808,23 +1756,18 @@
           <a:bodyPr/>
           <a:lstStyle/>
           <a:p>
-            <a:fld id="{C3C90D7E-32D6-4894-AE08-7BBB3E610FC9}" type="datetimeFigureOut">
-              <a:rPr lang="zh-TW" altLang="en-US" smtClean="0"/>
-              <a:t>2024/9/16</a:t>
+            <a:fld id="{1D8BD707-D9CF-40AE-B4C6-C98DA3205C09}" type="datetimeFigureOut">
+              <a:rPr lang="en-US" smtClean="0"/>
+              <a:pPr/>
+              <a:t>8/1/2011</a:t>
             </a:fld>
-            <a:endParaRPr lang="zh-TW" altLang="en-US"/>
-          </a:p>
-        </p:txBody>
-      </p:sp>
-      <p:sp>
-        <p:nvSpPr>
-          <p:cNvPr id="8" name="頁尾版面配置區 7">
-            <a:extLst>
-              <a:ext uri="{FF2B5EF4-FFF2-40B4-BE49-F238E27FC236}">
-                <a16:creationId xmlns:a16="http://schemas.microsoft.com/office/drawing/2014/main" id="{6520B07A-79F8-43E7-8013-632DD2AED223}"/>
-              </a:ext>
-            </a:extLst>
-          </p:cNvPr>
+            <a:endParaRPr lang="en-US"/>
+          </a:p>
+        </p:txBody>
+      </p:sp>
+      <p:sp>
+        <p:nvSpPr>
+          <p:cNvPr id="8" name="Footer Placeholder 7"/>
           <p:cNvSpPr>
             <a:spLocks noGrp="1"/>
           </p:cNvSpPr>
@@ -1837,19 +1780,13 @@
           <a:bodyPr/>
           <a:lstStyle/>
           <a:p>
-            <a:endParaRPr lang="zh-TW" altLang="en-US"/>
-          </a:p>
-        </p:txBody>
-      </p:sp>
-      <p:sp>
-        <p:nvSpPr>
-          <p:cNvPr id="9" name="投影片編號版面配置區 8">
-            <a:extLst>
-              <a:ext uri="{FF2B5EF4-FFF2-40B4-BE49-F238E27FC236}">
-                <a16:creationId xmlns:a16="http://schemas.microsoft.com/office/drawing/2014/main" id="{3B997D8F-4F1C-4DE6-A82C-3E0C38ACAE96}"/>
-              </a:ext>
-            </a:extLst>
-          </p:cNvPr>
+            <a:endParaRPr lang="en-US"/>
+          </a:p>
+        </p:txBody>
+      </p:sp>
+      <p:sp>
+        <p:nvSpPr>
+          <p:cNvPr id="9" name="Slide Number Placeholder 8"/>
           <p:cNvSpPr>
             <a:spLocks noGrp="1"/>
           </p:cNvSpPr>
@@ -1862,20 +1799,16 @@
           <a:bodyPr/>
           <a:lstStyle/>
           <a:p>
-            <a:fld id="{E31EC408-072F-4346-BD0A-D6AA5788A305}" type="slidenum">
-              <a:rPr lang="zh-TW" altLang="en-US" smtClean="0"/>
+            <a:fld id="{B6F15528-21DE-4FAA-801E-634DDDAF4B2B}" type="slidenum">
+              <a:rPr lang="en-US" smtClean="0"/>
+              <a:pPr/>
               <a:t>‹#›</a:t>
             </a:fld>
-            <a:endParaRPr lang="zh-TW" altLang="en-US"/>
+            <a:endParaRPr lang="en-US"/>
           </a:p>
         </p:txBody>
       </p:sp>
     </p:spTree>
-    <p:extLst>
-      <p:ext uri="{BB962C8B-B14F-4D97-AF65-F5344CB8AC3E}">
-        <p14:creationId xmlns:p14="http://schemas.microsoft.com/office/powerpoint/2010/main" val="3379995638"/>
-      </p:ext>
-    </p:extLst>
   </p:cSld>
   <p:clrMapOvr>
     <a:masterClrMapping/>
@@ -1885,7 +1818,7 @@
 
 <file path=ppt/slideLayouts/slideLayout6.xml><?xml version="1.0" encoding="utf-8"?>
 <p:sldLayout xmlns:a="http://schemas.openxmlformats.org/drawingml/2006/main" xmlns:r="http://schemas.openxmlformats.org/officeDocument/2006/relationships" xmlns:p="http://schemas.openxmlformats.org/presentationml/2006/main" type="titleOnly" preserve="1">
-  <p:cSld name="只有標題">
+  <p:cSld name="Title Only">
     <p:spTree>
       <p:nvGrpSpPr>
         <p:cNvPr id="1" name=""/>
@@ -1902,13 +1835,7 @@
       </p:grpSpPr>
       <p:sp>
         <p:nvSpPr>
-          <p:cNvPr id="2" name="標題 1">
-            <a:extLst>
-              <a:ext uri="{FF2B5EF4-FFF2-40B4-BE49-F238E27FC236}">
-                <a16:creationId xmlns:a16="http://schemas.microsoft.com/office/drawing/2014/main" id="{6CE04611-FD10-429D-89AA-73C259B64293}"/>
-              </a:ext>
-            </a:extLst>
-          </p:cNvPr>
+          <p:cNvPr id="2" name="Title 1"/>
           <p:cNvSpPr>
             <a:spLocks noGrp="1"/>
           </p:cNvSpPr>
@@ -1922,21 +1849,16 @@
           <a:lstStyle/>
           <a:p>
             <a:r>
-              <a:rPr lang="zh-TW" altLang="en-US"/>
-              <a:t>按一下以編輯母片標題樣式</a:t>
-            </a:r>
-          </a:p>
-        </p:txBody>
-      </p:sp>
-      <p:sp>
-        <p:nvSpPr>
-          <p:cNvPr id="3" name="日期版面配置區 2">
-            <a:extLst>
-              <a:ext uri="{FF2B5EF4-FFF2-40B4-BE49-F238E27FC236}">
-                <a16:creationId xmlns:a16="http://schemas.microsoft.com/office/drawing/2014/main" id="{2D9009F3-A280-4DA8-ACC4-187DE2172BCA}"/>
-              </a:ext>
-            </a:extLst>
-          </p:cNvPr>
+              <a:rPr lang="en-US" smtClean="0"/>
+              <a:t>Click to edit Master title style</a:t>
+            </a:r>
+            <a:endParaRPr lang="en-US"/>
+          </a:p>
+        </p:txBody>
+      </p:sp>
+      <p:sp>
+        <p:nvSpPr>
+          <p:cNvPr id="3" name="Date Placeholder 2"/>
           <p:cNvSpPr>
             <a:spLocks noGrp="1"/>
           </p:cNvSpPr>
@@ -1949,23 +1871,18 @@
           <a:bodyPr/>
           <a:lstStyle/>
           <a:p>
-            <a:fld id="{C3C90D7E-32D6-4894-AE08-7BBB3E610FC9}" type="datetimeFigureOut">
-              <a:rPr lang="zh-TW" altLang="en-US" smtClean="0"/>
-              <a:t>2024/9/16</a:t>
+            <a:fld id="{1D8BD707-D9CF-40AE-B4C6-C98DA3205C09}" type="datetimeFigureOut">
+              <a:rPr lang="en-US" smtClean="0"/>
+              <a:pPr/>
+              <a:t>8/1/2011</a:t>
             </a:fld>
-            <a:endParaRPr lang="zh-TW" altLang="en-US"/>
-          </a:p>
-        </p:txBody>
-      </p:sp>
-      <p:sp>
-        <p:nvSpPr>
-          <p:cNvPr id="4" name="頁尾版面配置區 3">
-            <a:extLst>
-              <a:ext uri="{FF2B5EF4-FFF2-40B4-BE49-F238E27FC236}">
-                <a16:creationId xmlns:a16="http://schemas.microsoft.com/office/drawing/2014/main" id="{F8FD791E-F627-4DDB-AD69-F7639FDD1767}"/>
-              </a:ext>
-            </a:extLst>
-          </p:cNvPr>
+            <a:endParaRPr lang="en-US"/>
+          </a:p>
+        </p:txBody>
+      </p:sp>
+      <p:sp>
+        <p:nvSpPr>
+          <p:cNvPr id="4" name="Footer Placeholder 3"/>
           <p:cNvSpPr>
             <a:spLocks noGrp="1"/>
           </p:cNvSpPr>
@@ -1978,19 +1895,13 @@
           <a:bodyPr/>
           <a:lstStyle/>
           <a:p>
-            <a:endParaRPr lang="zh-TW" altLang="en-US"/>
-          </a:p>
-        </p:txBody>
-      </p:sp>
-      <p:sp>
-        <p:nvSpPr>
-          <p:cNvPr id="5" name="投影片編號版面配置區 4">
-            <a:extLst>
-              <a:ext uri="{FF2B5EF4-FFF2-40B4-BE49-F238E27FC236}">
-                <a16:creationId xmlns:a16="http://schemas.microsoft.com/office/drawing/2014/main" id="{CE9C3C73-9A1B-4A20-B40C-BF8E0726E9AE}"/>
-              </a:ext>
-            </a:extLst>
-          </p:cNvPr>
+            <a:endParaRPr lang="en-US"/>
+          </a:p>
+        </p:txBody>
+      </p:sp>
+      <p:sp>
+        <p:nvSpPr>
+          <p:cNvPr id="5" name="Slide Number Placeholder 4"/>
           <p:cNvSpPr>
             <a:spLocks noGrp="1"/>
           </p:cNvSpPr>
@@ -2003,20 +1914,16 @@
           <a:bodyPr/>
           <a:lstStyle/>
           <a:p>
-            <a:fld id="{E31EC408-072F-4346-BD0A-D6AA5788A305}" type="slidenum">
-              <a:rPr lang="zh-TW" altLang="en-US" smtClean="0"/>
+            <a:fld id="{B6F15528-21DE-4FAA-801E-634DDDAF4B2B}" type="slidenum">
+              <a:rPr lang="en-US" smtClean="0"/>
+              <a:pPr/>
               <a:t>‹#›</a:t>
             </a:fld>
-            <a:endParaRPr lang="zh-TW" altLang="en-US"/>
+            <a:endParaRPr lang="en-US"/>
           </a:p>
         </p:txBody>
       </p:sp>
     </p:spTree>
-    <p:extLst>
-      <p:ext uri="{BB962C8B-B14F-4D97-AF65-F5344CB8AC3E}">
-        <p14:creationId xmlns:p14="http://schemas.microsoft.com/office/powerpoint/2010/main" val="3116621787"/>
-      </p:ext>
-    </p:extLst>
   </p:cSld>
   <p:clrMapOvr>
     <a:masterClrMapping/>
@@ -2026,7 +1933,7 @@
 
 <file path=ppt/slideLayouts/slideLayout7.xml><?xml version="1.0" encoding="utf-8"?>
 <p:sldLayout xmlns:a="http://schemas.openxmlformats.org/drawingml/2006/main" xmlns:r="http://schemas.openxmlformats.org/officeDocument/2006/relationships" xmlns:p="http://schemas.openxmlformats.org/presentationml/2006/main" type="blank" preserve="1">
-  <p:cSld name="空白">
+  <p:cSld name="Blank">
     <p:spTree>
       <p:nvGrpSpPr>
         <p:cNvPr id="1" name=""/>
@@ -2043,13 +1950,7 @@
       </p:grpSpPr>
       <p:sp>
         <p:nvSpPr>
-          <p:cNvPr id="2" name="日期版面配置區 1">
-            <a:extLst>
-              <a:ext uri="{FF2B5EF4-FFF2-40B4-BE49-F238E27FC236}">
-                <a16:creationId xmlns:a16="http://schemas.microsoft.com/office/drawing/2014/main" id="{1E1D8EED-F2A7-4221-9887-0DBB62EB3F80}"/>
-              </a:ext>
-            </a:extLst>
-          </p:cNvPr>
+          <p:cNvPr id="2" name="Date Placeholder 1"/>
           <p:cNvSpPr>
             <a:spLocks noGrp="1"/>
           </p:cNvSpPr>
@@ -2062,23 +1963,18 @@
           <a:bodyPr/>
           <a:lstStyle/>
           <a:p>
-            <a:fld id="{C3C90D7E-32D6-4894-AE08-7BBB3E610FC9}" type="datetimeFigureOut">
-              <a:rPr lang="zh-TW" altLang="en-US" smtClean="0"/>
-              <a:t>2024/9/16</a:t>
+            <a:fld id="{1D8BD707-D9CF-40AE-B4C6-C98DA3205C09}" type="datetimeFigureOut">
+              <a:rPr lang="en-US" smtClean="0"/>
+              <a:pPr/>
+              <a:t>8/1/2011</a:t>
             </a:fld>
-            <a:endParaRPr lang="zh-TW" altLang="en-US"/>
-          </a:p>
-        </p:txBody>
-      </p:sp>
-      <p:sp>
-        <p:nvSpPr>
-          <p:cNvPr id="3" name="頁尾版面配置區 2">
-            <a:extLst>
-              <a:ext uri="{FF2B5EF4-FFF2-40B4-BE49-F238E27FC236}">
-                <a16:creationId xmlns:a16="http://schemas.microsoft.com/office/drawing/2014/main" id="{10593B39-DC86-45A7-85EF-B4DB9C28DC80}"/>
-              </a:ext>
-            </a:extLst>
-          </p:cNvPr>
+            <a:endParaRPr lang="en-US"/>
+          </a:p>
+        </p:txBody>
+      </p:sp>
+      <p:sp>
+        <p:nvSpPr>
+          <p:cNvPr id="3" name="Footer Placeholder 2"/>
           <p:cNvSpPr>
             <a:spLocks noGrp="1"/>
           </p:cNvSpPr>
@@ -2091,19 +1987,13 @@
           <a:bodyPr/>
           <a:lstStyle/>
           <a:p>
-            <a:endParaRPr lang="zh-TW" altLang="en-US"/>
-          </a:p>
-        </p:txBody>
-      </p:sp>
-      <p:sp>
-        <p:nvSpPr>
-          <p:cNvPr id="4" name="投影片編號版面配置區 3">
-            <a:extLst>
-              <a:ext uri="{FF2B5EF4-FFF2-40B4-BE49-F238E27FC236}">
-                <a16:creationId xmlns:a16="http://schemas.microsoft.com/office/drawing/2014/main" id="{3D9056B2-6966-4CAF-94D1-2295A737E168}"/>
-              </a:ext>
-            </a:extLst>
-          </p:cNvPr>
+            <a:endParaRPr lang="en-US"/>
+          </a:p>
+        </p:txBody>
+      </p:sp>
+      <p:sp>
+        <p:nvSpPr>
+          <p:cNvPr id="4" name="Slide Number Placeholder 3"/>
           <p:cNvSpPr>
             <a:spLocks noGrp="1"/>
           </p:cNvSpPr>
@@ -2116,20 +2006,16 @@
           <a:bodyPr/>
           <a:lstStyle/>
           <a:p>
-            <a:fld id="{E31EC408-072F-4346-BD0A-D6AA5788A305}" type="slidenum">
-              <a:rPr lang="zh-TW" altLang="en-US" smtClean="0"/>
+            <a:fld id="{B6F15528-21DE-4FAA-801E-634DDDAF4B2B}" type="slidenum">
+              <a:rPr lang="en-US" smtClean="0"/>
+              <a:pPr/>
               <a:t>‹#›</a:t>
             </a:fld>
-            <a:endParaRPr lang="zh-TW" altLang="en-US"/>
+            <a:endParaRPr lang="en-US"/>
           </a:p>
         </p:txBody>
       </p:sp>
     </p:spTree>
-    <p:extLst>
-      <p:ext uri="{BB962C8B-B14F-4D97-AF65-F5344CB8AC3E}">
-        <p14:creationId xmlns:p14="http://schemas.microsoft.com/office/powerpoint/2010/main" val="3887241942"/>
-      </p:ext>
-    </p:extLst>
   </p:cSld>
   <p:clrMapOvr>
     <a:masterClrMapping/>
@@ -2139,7 +2025,7 @@
 
 <file path=ppt/slideLayouts/slideLayout8.xml><?xml version="1.0" encoding="utf-8"?>
 <p:sldLayout xmlns:a="http://schemas.openxmlformats.org/drawingml/2006/main" xmlns:r="http://schemas.openxmlformats.org/officeDocument/2006/relationships" xmlns:p="http://schemas.openxmlformats.org/presentationml/2006/main" type="objTx" preserve="1">
-  <p:cSld name="含輔助字幕的內容">
+  <p:cSld name="Content with Caption">
     <p:spTree>
       <p:nvGrpSpPr>
         <p:cNvPr id="1" name=""/>
@@ -2156,13 +2042,7 @@
       </p:grpSpPr>
       <p:sp>
         <p:nvSpPr>
-          <p:cNvPr id="2" name="標題 1">
-            <a:extLst>
-              <a:ext uri="{FF2B5EF4-FFF2-40B4-BE49-F238E27FC236}">
-                <a16:creationId xmlns:a16="http://schemas.microsoft.com/office/drawing/2014/main" id="{5C3076DF-D16B-4600-9550-96C6A8DD7F1A}"/>
-              </a:ext>
-            </a:extLst>
-          </p:cNvPr>
+          <p:cNvPr id="2" name="Title 1"/>
           <p:cNvSpPr>
             <a:spLocks noGrp="1"/>
           </p:cNvSpPr>
@@ -2172,34 +2052,29 @@
         </p:nvSpPr>
         <p:spPr>
           <a:xfrm>
-            <a:off x="839788" y="457200"/>
-            <a:ext cx="3932237" cy="1600200"/>
+            <a:off x="457200" y="273050"/>
+            <a:ext cx="3008313" cy="1162050"/>
           </a:xfrm>
         </p:spPr>
         <p:txBody>
           <a:bodyPr anchor="b"/>
           <a:lstStyle>
-            <a:lvl1pPr>
-              <a:defRPr sz="3200"/>
+            <a:lvl1pPr algn="l">
+              <a:defRPr sz="2000" b="1"/>
             </a:lvl1pPr>
           </a:lstStyle>
           <a:p>
             <a:r>
-              <a:rPr lang="zh-TW" altLang="en-US"/>
-              <a:t>按一下以編輯母片標題樣式</a:t>
-            </a:r>
-          </a:p>
-        </p:txBody>
-      </p:sp>
-      <p:sp>
-        <p:nvSpPr>
-          <p:cNvPr id="3" name="內容版面配置區 2">
-            <a:extLst>
-              <a:ext uri="{FF2B5EF4-FFF2-40B4-BE49-F238E27FC236}">
-                <a16:creationId xmlns:a16="http://schemas.microsoft.com/office/drawing/2014/main" id="{9CD3D667-FDE5-4F5D-9495-588EC18912CE}"/>
-              </a:ext>
-            </a:extLst>
-          </p:cNvPr>
+              <a:rPr lang="en-US" smtClean="0"/>
+              <a:t>Click to edit Master title style</a:t>
+            </a:r>
+            <a:endParaRPr lang="en-US"/>
+          </a:p>
+        </p:txBody>
+      </p:sp>
+      <p:sp>
+        <p:nvSpPr>
+          <p:cNvPr id="3" name="Content Placeholder 2"/>
           <p:cNvSpPr>
             <a:spLocks noGrp="1"/>
           </p:cNvSpPr>
@@ -2209,8 +2084,8 @@
         </p:nvSpPr>
         <p:spPr>
           <a:xfrm>
-            <a:off x="5183188" y="987425"/>
-            <a:ext cx="6172200" cy="4873625"/>
+            <a:off x="3575050" y="273050"/>
+            <a:ext cx="5111750" cy="5853113"/>
           </a:xfrm>
         </p:spPr>
         <p:txBody>
@@ -2247,49 +2122,44 @@
           <a:p>
             <a:pPr lvl="0"/>
             <a:r>
-              <a:rPr lang="zh-TW" altLang="en-US"/>
-              <a:t>按一下以編輯母片文字樣式</a:t>
+              <a:rPr lang="en-US" smtClean="0"/>
+              <a:t>Click to edit Master text styles</a:t>
             </a:r>
           </a:p>
           <a:p>
             <a:pPr lvl="1"/>
             <a:r>
-              <a:rPr lang="zh-TW" altLang="en-US"/>
-              <a:t>第二層</a:t>
+              <a:rPr lang="en-US" smtClean="0"/>
+              <a:t>Second level</a:t>
             </a:r>
           </a:p>
           <a:p>
             <a:pPr lvl="2"/>
             <a:r>
-              <a:rPr lang="zh-TW" altLang="en-US"/>
-              <a:t>第三層</a:t>
+              <a:rPr lang="en-US" smtClean="0"/>
+              <a:t>Third level</a:t>
             </a:r>
           </a:p>
           <a:p>
             <a:pPr lvl="3"/>
             <a:r>
-              <a:rPr lang="zh-TW" altLang="en-US"/>
-              <a:t>第四層</a:t>
+              <a:rPr lang="en-US" smtClean="0"/>
+              <a:t>Fourth level</a:t>
             </a:r>
           </a:p>
           <a:p>
             <a:pPr lvl="4"/>
             <a:r>
-              <a:rPr lang="zh-TW" altLang="en-US"/>
-              <a:t>第五層</a:t>
-            </a:r>
-          </a:p>
-        </p:txBody>
-      </p:sp>
-      <p:sp>
-        <p:nvSpPr>
-          <p:cNvPr id="4" name="文字版面配置區 3">
-            <a:extLst>
-              <a:ext uri="{FF2B5EF4-FFF2-40B4-BE49-F238E27FC236}">
-                <a16:creationId xmlns:a16="http://schemas.microsoft.com/office/drawing/2014/main" id="{22F511E7-BEEF-4F51-BA0E-52C1908D5608}"/>
-              </a:ext>
-            </a:extLst>
-          </p:cNvPr>
+              <a:rPr lang="en-US" smtClean="0"/>
+              <a:t>Fifth level</a:t>
+            </a:r>
+            <a:endParaRPr lang="en-US"/>
+          </a:p>
+        </p:txBody>
+      </p:sp>
+      <p:sp>
+        <p:nvSpPr>
+          <p:cNvPr id="4" name="Text Placeholder 3"/>
           <p:cNvSpPr>
             <a:spLocks noGrp="1"/>
           </p:cNvSpPr>
@@ -2299,8 +2169,8 @@
         </p:nvSpPr>
         <p:spPr>
           <a:xfrm>
-            <a:off x="839788" y="2057400"/>
-            <a:ext cx="3932237" cy="3811588"/>
+            <a:off x="457200" y="1435100"/>
+            <a:ext cx="3008313" cy="4691063"/>
           </a:xfrm>
         </p:spPr>
         <p:txBody>
@@ -2308,59 +2178,53 @@
           <a:lstStyle>
             <a:lvl1pPr marL="0" indent="0">
               <a:buNone/>
-              <a:defRPr sz="1600"/>
+              <a:defRPr sz="1400"/>
             </a:lvl1pPr>
             <a:lvl2pPr marL="457200" indent="0">
               <a:buNone/>
-              <a:defRPr sz="1400"/>
+              <a:defRPr sz="1200"/>
             </a:lvl2pPr>
             <a:lvl3pPr marL="914400" indent="0">
               <a:buNone/>
-              <a:defRPr sz="1200"/>
+              <a:defRPr sz="1000"/>
             </a:lvl3pPr>
             <a:lvl4pPr marL="1371600" indent="0">
               <a:buNone/>
-              <a:defRPr sz="1000"/>
+              <a:defRPr sz="900"/>
             </a:lvl4pPr>
             <a:lvl5pPr marL="1828800" indent="0">
               <a:buNone/>
-              <a:defRPr sz="1000"/>
+              <a:defRPr sz="900"/>
             </a:lvl5pPr>
             <a:lvl6pPr marL="2286000" indent="0">
               <a:buNone/>
-              <a:defRPr sz="1000"/>
+              <a:defRPr sz="900"/>
             </a:lvl6pPr>
             <a:lvl7pPr marL="2743200" indent="0">
               <a:buNone/>
-              <a:defRPr sz="1000"/>
+              <a:defRPr sz="900"/>
             </a:lvl7pPr>
             <a:lvl8pPr marL="3200400" indent="0">
               <a:buNone/>
-              <a:defRPr sz="1000"/>
+              <a:defRPr sz="900"/>
             </a:lvl8pPr>
             <a:lvl9pPr marL="3657600" indent="0">
               <a:buNone/>
-              <a:defRPr sz="1000"/>
+              <a:defRPr sz="900"/>
             </a:lvl9pPr>
           </a:lstStyle>
           <a:p>
             <a:pPr lvl="0"/>
             <a:r>
-              <a:rPr lang="zh-TW" altLang="en-US"/>
-              <a:t>按一下以編輯母片文字樣式</a:t>
-            </a:r>
-          </a:p>
-        </p:txBody>
-      </p:sp>
-      <p:sp>
-        <p:nvSpPr>
-          <p:cNvPr id="5" name="日期版面配置區 4">
-            <a:extLst>
-              <a:ext uri="{FF2B5EF4-FFF2-40B4-BE49-F238E27FC236}">
-                <a16:creationId xmlns:a16="http://schemas.microsoft.com/office/drawing/2014/main" id="{88060697-A92E-4178-A790-FCBB90D70573}"/>
-              </a:ext>
-            </a:extLst>
-          </p:cNvPr>
+              <a:rPr lang="en-US" smtClean="0"/>
+              <a:t>Click to edit Master text styles</a:t>
+            </a:r>
+          </a:p>
+        </p:txBody>
+      </p:sp>
+      <p:sp>
+        <p:nvSpPr>
+          <p:cNvPr id="5" name="Date Placeholder 4"/>
           <p:cNvSpPr>
             <a:spLocks noGrp="1"/>
           </p:cNvSpPr>
@@ -2373,23 +2237,18 @@
           <a:bodyPr/>
           <a:lstStyle/>
           <a:p>
-            <a:fld id="{C3C90D7E-32D6-4894-AE08-7BBB3E610FC9}" type="datetimeFigureOut">
-              <a:rPr lang="zh-TW" altLang="en-US" smtClean="0"/>
-              <a:t>2024/9/16</a:t>
+            <a:fld id="{1D8BD707-D9CF-40AE-B4C6-C98DA3205C09}" type="datetimeFigureOut">
+              <a:rPr lang="en-US" smtClean="0"/>
+              <a:pPr/>
+              <a:t>8/1/2011</a:t>
             </a:fld>
-            <a:endParaRPr lang="zh-TW" altLang="en-US"/>
-          </a:p>
-        </p:txBody>
-      </p:sp>
-      <p:sp>
-        <p:nvSpPr>
-          <p:cNvPr id="6" name="頁尾版面配置區 5">
-            <a:extLst>
-              <a:ext uri="{FF2B5EF4-FFF2-40B4-BE49-F238E27FC236}">
-                <a16:creationId xmlns:a16="http://schemas.microsoft.com/office/drawing/2014/main" id="{2A8E3F57-A99A-4C4C-BF14-EE42AB99CE78}"/>
-              </a:ext>
-            </a:extLst>
-          </p:cNvPr>
+            <a:endParaRPr lang="en-US"/>
+          </a:p>
+        </p:txBody>
+      </p:sp>
+      <p:sp>
+        <p:nvSpPr>
+          <p:cNvPr id="6" name="Footer Placeholder 5"/>
           <p:cNvSpPr>
             <a:spLocks noGrp="1"/>
           </p:cNvSpPr>
@@ -2402,19 +2261,13 @@
           <a:bodyPr/>
           <a:lstStyle/>
           <a:p>
-            <a:endParaRPr lang="zh-TW" altLang="en-US"/>
-          </a:p>
-        </p:txBody>
-      </p:sp>
-      <p:sp>
-        <p:nvSpPr>
-          <p:cNvPr id="7" name="投影片編號版面配置區 6">
-            <a:extLst>
-              <a:ext uri="{FF2B5EF4-FFF2-40B4-BE49-F238E27FC236}">
-                <a16:creationId xmlns:a16="http://schemas.microsoft.com/office/drawing/2014/main" id="{39234440-6924-48D7-AC1A-200D5946BCA9}"/>
-              </a:ext>
-            </a:extLst>
-          </p:cNvPr>
+            <a:endParaRPr lang="en-US"/>
+          </a:p>
+        </p:txBody>
+      </p:sp>
+      <p:sp>
+        <p:nvSpPr>
+          <p:cNvPr id="7" name="Slide Number Placeholder 6"/>
           <p:cNvSpPr>
             <a:spLocks noGrp="1"/>
           </p:cNvSpPr>
@@ -2427,20 +2280,16 @@
           <a:bodyPr/>
           <a:lstStyle/>
           <a:p>
-            <a:fld id="{E31EC408-072F-4346-BD0A-D6AA5788A305}" type="slidenum">
-              <a:rPr lang="zh-TW" altLang="en-US" smtClean="0"/>
+            <a:fld id="{B6F15528-21DE-4FAA-801E-634DDDAF4B2B}" type="slidenum">
+              <a:rPr lang="en-US" smtClean="0"/>
+              <a:pPr/>
               <a:t>‹#›</a:t>
             </a:fld>
-            <a:endParaRPr lang="zh-TW" altLang="en-US"/>
+            <a:endParaRPr lang="en-US"/>
           </a:p>
         </p:txBody>
       </p:sp>
     </p:spTree>
-    <p:extLst>
-      <p:ext uri="{BB962C8B-B14F-4D97-AF65-F5344CB8AC3E}">
-        <p14:creationId xmlns:p14="http://schemas.microsoft.com/office/powerpoint/2010/main" val="2036183199"/>
-      </p:ext>
-    </p:extLst>
   </p:cSld>
   <p:clrMapOvr>
     <a:masterClrMapping/>
@@ -2450,7 +2299,7 @@
 
 <file path=ppt/slideLayouts/slideLayout9.xml><?xml version="1.0" encoding="utf-8"?>
 <p:sldLayout xmlns:a="http://schemas.openxmlformats.org/drawingml/2006/main" xmlns:r="http://schemas.openxmlformats.org/officeDocument/2006/relationships" xmlns:p="http://schemas.openxmlformats.org/presentationml/2006/main" type="picTx" preserve="1">
-  <p:cSld name="含輔助字幕的圖片">
+  <p:cSld name="Picture with Caption">
     <p:spTree>
       <p:nvGrpSpPr>
         <p:cNvPr id="1" name=""/>
@@ -2467,13 +2316,7 @@
       </p:grpSpPr>
       <p:sp>
         <p:nvSpPr>
-          <p:cNvPr id="2" name="標題 1">
-            <a:extLst>
-              <a:ext uri="{FF2B5EF4-FFF2-40B4-BE49-F238E27FC236}">
-                <a16:creationId xmlns:a16="http://schemas.microsoft.com/office/drawing/2014/main" id="{B2E81694-0B93-4D65-9DA3-21597478A96C}"/>
-              </a:ext>
-            </a:extLst>
-          </p:cNvPr>
+          <p:cNvPr id="2" name="Title 1"/>
           <p:cNvSpPr>
             <a:spLocks noGrp="1"/>
           </p:cNvSpPr>
@@ -2483,34 +2326,29 @@
         </p:nvSpPr>
         <p:spPr>
           <a:xfrm>
-            <a:off x="839788" y="457200"/>
-            <a:ext cx="3932237" cy="1600200"/>
+            <a:off x="1792288" y="4800600"/>
+            <a:ext cx="5486400" cy="566738"/>
           </a:xfrm>
         </p:spPr>
         <p:txBody>
           <a:bodyPr anchor="b"/>
           <a:lstStyle>
-            <a:lvl1pPr>
-              <a:defRPr sz="3200"/>
+            <a:lvl1pPr algn="l">
+              <a:defRPr sz="2000" b="1"/>
             </a:lvl1pPr>
           </a:lstStyle>
           <a:p>
             <a:r>
-              <a:rPr lang="zh-TW" altLang="en-US"/>
-              <a:t>按一下以編輯母片標題樣式</a:t>
-            </a:r>
-          </a:p>
-        </p:txBody>
-      </p:sp>
-      <p:sp>
-        <p:nvSpPr>
-          <p:cNvPr id="3" name="圖片版面配置區 2">
-            <a:extLst>
-              <a:ext uri="{FF2B5EF4-FFF2-40B4-BE49-F238E27FC236}">
-                <a16:creationId xmlns:a16="http://schemas.microsoft.com/office/drawing/2014/main" id="{23E4D718-8CB0-4334-BB8A-FB8B57D7CDC6}"/>
-              </a:ext>
-            </a:extLst>
-          </p:cNvPr>
+              <a:rPr lang="en-US" smtClean="0"/>
+              <a:t>Click to edit Master title style</a:t>
+            </a:r>
+            <a:endParaRPr lang="en-US"/>
+          </a:p>
+        </p:txBody>
+      </p:sp>
+      <p:sp>
+        <p:nvSpPr>
+          <p:cNvPr id="3" name="Picture Placeholder 2"/>
           <p:cNvSpPr>
             <a:spLocks noGrp="1"/>
           </p:cNvSpPr>
@@ -2520,8 +2358,8 @@
         </p:nvSpPr>
         <p:spPr>
           <a:xfrm>
-            <a:off x="5183188" y="987425"/>
-            <a:ext cx="6172200" cy="4873625"/>
+            <a:off x="1792288" y="612775"/>
+            <a:ext cx="5486400" cy="4114800"/>
           </a:xfrm>
         </p:spPr>
         <p:txBody>
@@ -2565,19 +2403,13 @@
             </a:lvl9pPr>
           </a:lstStyle>
           <a:p>
-            <a:endParaRPr lang="zh-TW" altLang="en-US"/>
-          </a:p>
-        </p:txBody>
-      </p:sp>
-      <p:sp>
-        <p:nvSpPr>
-          <p:cNvPr id="4" name="文字版面配置區 3">
-            <a:extLst>
-              <a:ext uri="{FF2B5EF4-FFF2-40B4-BE49-F238E27FC236}">
-                <a16:creationId xmlns:a16="http://schemas.microsoft.com/office/drawing/2014/main" id="{0DC47463-53E7-4FE3-B60B-1657D11127BD}"/>
-              </a:ext>
-            </a:extLst>
-          </p:cNvPr>
+            <a:endParaRPr lang="en-US"/>
+          </a:p>
+        </p:txBody>
+      </p:sp>
+      <p:sp>
+        <p:nvSpPr>
+          <p:cNvPr id="4" name="Text Placeholder 3"/>
           <p:cNvSpPr>
             <a:spLocks noGrp="1"/>
           </p:cNvSpPr>
@@ -2587,8 +2419,8 @@
         </p:nvSpPr>
         <p:spPr>
           <a:xfrm>
-            <a:off x="839788" y="2057400"/>
-            <a:ext cx="3932237" cy="3811588"/>
+            <a:off x="1792288" y="5367338"/>
+            <a:ext cx="5486400" cy="804862"/>
           </a:xfrm>
         </p:spPr>
         <p:txBody>
@@ -2596,59 +2428,53 @@
           <a:lstStyle>
             <a:lvl1pPr marL="0" indent="0">
               <a:buNone/>
-              <a:defRPr sz="1600"/>
+              <a:defRPr sz="1400"/>
             </a:lvl1pPr>
             <a:lvl2pPr marL="457200" indent="0">
               <a:buNone/>
-              <a:defRPr sz="1400"/>
+              <a:defRPr sz="1200"/>
             </a:lvl2pPr>
             <a:lvl3pPr marL="914400" indent="0">
               <a:buNone/>
-              <a:defRPr sz="1200"/>
+              <a:defRPr sz="1000"/>
             </a:lvl3pPr>
             <a:lvl4pPr marL="1371600" indent="0">
               <a:buNone/>
-              <a:defRPr sz="1000"/>
+              <a:defRPr sz="900"/>
             </a:lvl4pPr>
             <a:lvl5pPr marL="1828800" indent="0">
               <a:buNone/>
-              <a:defRPr sz="1000"/>
+              <a:defRPr sz="900"/>
             </a:lvl5pPr>
             <a:lvl6pPr marL="2286000" indent="0">
               <a:buNone/>
-              <a:defRPr sz="1000"/>
+              <a:defRPr sz="900"/>
             </a:lvl6pPr>
             <a:lvl7pPr marL="2743200" indent="0">
               <a:buNone/>
-              <a:defRPr sz="1000"/>
+              <a:defRPr sz="900"/>
             </a:lvl7pPr>
             <a:lvl8pPr marL="3200400" indent="0">
               <a:buNone/>
-              <a:defRPr sz="1000"/>
+              <a:defRPr sz="900"/>
             </a:lvl8pPr>
             <a:lvl9pPr marL="3657600" indent="0">
               <a:buNone/>
-              <a:defRPr sz="1000"/>
+              <a:defRPr sz="900"/>
             </a:lvl9pPr>
           </a:lstStyle>
           <a:p>
             <a:pPr lvl="0"/>
             <a:r>
-              <a:rPr lang="zh-TW" altLang="en-US"/>
-              <a:t>按一下以編輯母片文字樣式</a:t>
-            </a:r>
-          </a:p>
-        </p:txBody>
-      </p:sp>
-      <p:sp>
-        <p:nvSpPr>
-          <p:cNvPr id="5" name="日期版面配置區 4">
-            <a:extLst>
-              <a:ext uri="{FF2B5EF4-FFF2-40B4-BE49-F238E27FC236}">
-                <a16:creationId xmlns:a16="http://schemas.microsoft.com/office/drawing/2014/main" id="{28875DC5-6AFF-40C0-8C77-F81A0A3E1B0F}"/>
-              </a:ext>
-            </a:extLst>
-          </p:cNvPr>
+              <a:rPr lang="en-US" smtClean="0"/>
+              <a:t>Click to edit Master text styles</a:t>
+            </a:r>
+          </a:p>
+        </p:txBody>
+      </p:sp>
+      <p:sp>
+        <p:nvSpPr>
+          <p:cNvPr id="5" name="Date Placeholder 4"/>
           <p:cNvSpPr>
             <a:spLocks noGrp="1"/>
           </p:cNvSpPr>
@@ -2661,23 +2487,18 @@
           <a:bodyPr/>
           <a:lstStyle/>
           <a:p>
-            <a:fld id="{C3C90D7E-32D6-4894-AE08-7BBB3E610FC9}" type="datetimeFigureOut">
-              <a:rPr lang="zh-TW" altLang="en-US" smtClean="0"/>
-              <a:t>2024/9/16</a:t>
+            <a:fld id="{1D8BD707-D9CF-40AE-B4C6-C98DA3205C09}" type="datetimeFigureOut">
+              <a:rPr lang="en-US" smtClean="0"/>
+              <a:pPr/>
+              <a:t>8/1/2011</a:t>
             </a:fld>
-            <a:endParaRPr lang="zh-TW" altLang="en-US"/>
-          </a:p>
-        </p:txBody>
-      </p:sp>
-      <p:sp>
-        <p:nvSpPr>
-          <p:cNvPr id="6" name="頁尾版面配置區 5">
-            <a:extLst>
-              <a:ext uri="{FF2B5EF4-FFF2-40B4-BE49-F238E27FC236}">
-                <a16:creationId xmlns:a16="http://schemas.microsoft.com/office/drawing/2014/main" id="{24F8A973-6D07-4F0C-97A0-280FEFC238E0}"/>
-              </a:ext>
-            </a:extLst>
-          </p:cNvPr>
+            <a:endParaRPr lang="en-US"/>
+          </a:p>
+        </p:txBody>
+      </p:sp>
+      <p:sp>
+        <p:nvSpPr>
+          <p:cNvPr id="6" name="Footer Placeholder 5"/>
           <p:cNvSpPr>
             <a:spLocks noGrp="1"/>
           </p:cNvSpPr>
@@ -2690,19 +2511,13 @@
           <a:bodyPr/>
           <a:lstStyle/>
           <a:p>
-            <a:endParaRPr lang="zh-TW" altLang="en-US"/>
-          </a:p>
-        </p:txBody>
-      </p:sp>
-      <p:sp>
-        <p:nvSpPr>
-          <p:cNvPr id="7" name="投影片編號版面配置區 6">
-            <a:extLst>
-              <a:ext uri="{FF2B5EF4-FFF2-40B4-BE49-F238E27FC236}">
-                <a16:creationId xmlns:a16="http://schemas.microsoft.com/office/drawing/2014/main" id="{DB60BB1E-F41B-40F0-929B-5208374980BF}"/>
-              </a:ext>
-            </a:extLst>
-          </p:cNvPr>
+            <a:endParaRPr lang="en-US"/>
+          </a:p>
+        </p:txBody>
+      </p:sp>
+      <p:sp>
+        <p:nvSpPr>
+          <p:cNvPr id="7" name="Slide Number Placeholder 6"/>
           <p:cNvSpPr>
             <a:spLocks noGrp="1"/>
           </p:cNvSpPr>
@@ -2715,20 +2530,16 @@
           <a:bodyPr/>
           <a:lstStyle/>
           <a:p>
-            <a:fld id="{E31EC408-072F-4346-BD0A-D6AA5788A305}" type="slidenum">
-              <a:rPr lang="zh-TW" altLang="en-US" smtClean="0"/>
+            <a:fld id="{B6F15528-21DE-4FAA-801E-634DDDAF4B2B}" type="slidenum">
+              <a:rPr lang="en-US" smtClean="0"/>
+              <a:pPr/>
               <a:t>‹#›</a:t>
             </a:fld>
-            <a:endParaRPr lang="zh-TW" altLang="en-US"/>
+            <a:endParaRPr lang="en-US"/>
           </a:p>
         </p:txBody>
       </p:sp>
     </p:spTree>
-    <p:extLst>
-      <p:ext uri="{BB962C8B-B14F-4D97-AF65-F5344CB8AC3E}">
-        <p14:creationId xmlns:p14="http://schemas.microsoft.com/office/powerpoint/2010/main" val="3148270851"/>
-      </p:ext>
-    </p:extLst>
   </p:cSld>
   <p:clrMapOvr>
     <a:masterClrMapping/>
@@ -2760,13 +2571,7 @@
       </p:grpSpPr>
       <p:sp>
         <p:nvSpPr>
-          <p:cNvPr id="2" name="標題版面配置區 1">
-            <a:extLst>
-              <a:ext uri="{FF2B5EF4-FFF2-40B4-BE49-F238E27FC236}">
-                <a16:creationId xmlns:a16="http://schemas.microsoft.com/office/drawing/2014/main" id="{B8575AAC-624C-4B52-ABD4-699B1E35D2CF}"/>
-              </a:ext>
-            </a:extLst>
-          </p:cNvPr>
+          <p:cNvPr id="2" name="Title Placeholder 1"/>
           <p:cNvSpPr>
             <a:spLocks noGrp="1"/>
           </p:cNvSpPr>
@@ -2776,8 +2581,8 @@
         </p:nvSpPr>
         <p:spPr>
           <a:xfrm>
-            <a:off x="838200" y="365125"/>
-            <a:ext cx="10515600" cy="1325563"/>
+            <a:off x="457200" y="274638"/>
+            <a:ext cx="8229600" cy="1143000"/>
           </a:xfrm>
           <a:prstGeom prst="rect">
             <a:avLst/>
@@ -2790,21 +2595,16 @@
           <a:lstStyle/>
           <a:p>
             <a:r>
-              <a:rPr lang="zh-TW" altLang="en-US"/>
-              <a:t>按一下以編輯母片標題樣式</a:t>
-            </a:r>
-          </a:p>
-        </p:txBody>
-      </p:sp>
-      <p:sp>
-        <p:nvSpPr>
-          <p:cNvPr id="3" name="文字版面配置區 2">
-            <a:extLst>
-              <a:ext uri="{FF2B5EF4-FFF2-40B4-BE49-F238E27FC236}">
-                <a16:creationId xmlns:a16="http://schemas.microsoft.com/office/drawing/2014/main" id="{76722991-C57D-471F-8271-C419A1CFB074}"/>
-              </a:ext>
-            </a:extLst>
-          </p:cNvPr>
+              <a:rPr lang="en-US" smtClean="0"/>
+              <a:t>Click to edit Master title style</a:t>
+            </a:r>
+            <a:endParaRPr lang="en-US"/>
+          </a:p>
+        </p:txBody>
+      </p:sp>
+      <p:sp>
+        <p:nvSpPr>
+          <p:cNvPr id="3" name="Text Placeholder 2"/>
           <p:cNvSpPr>
             <a:spLocks noGrp="1"/>
           </p:cNvSpPr>
@@ -2814,8 +2614,8 @@
         </p:nvSpPr>
         <p:spPr>
           <a:xfrm>
-            <a:off x="838200" y="1825625"/>
-            <a:ext cx="10515600" cy="4351338"/>
+            <a:off x="457200" y="1600200"/>
+            <a:ext cx="8229600" cy="4525963"/>
           </a:xfrm>
           <a:prstGeom prst="rect">
             <a:avLst/>
@@ -2829,49 +2629,44 @@
           <a:p>
             <a:pPr lvl="0"/>
             <a:r>
-              <a:rPr lang="zh-TW" altLang="en-US"/>
-              <a:t>按一下以編輯母片文字樣式</a:t>
+              <a:rPr lang="en-US" smtClean="0"/>
+              <a:t>Click to edit Master text styles</a:t>
             </a:r>
           </a:p>
           <a:p>
             <a:pPr lvl="1"/>
             <a:r>
-              <a:rPr lang="zh-TW" altLang="en-US"/>
-              <a:t>第二層</a:t>
+              <a:rPr lang="en-US" smtClean="0"/>
+              <a:t>Second level</a:t>
             </a:r>
           </a:p>
           <a:p>
             <a:pPr lvl="2"/>
             <a:r>
-              <a:rPr lang="zh-TW" altLang="en-US"/>
-              <a:t>第三層</a:t>
+              <a:rPr lang="en-US" smtClean="0"/>
+              <a:t>Third level</a:t>
             </a:r>
           </a:p>
           <a:p>
             <a:pPr lvl="3"/>
             <a:r>
-              <a:rPr lang="zh-TW" altLang="en-US"/>
-              <a:t>第四層</a:t>
+              <a:rPr lang="en-US" smtClean="0"/>
+              <a:t>Fourth level</a:t>
             </a:r>
           </a:p>
           <a:p>
             <a:pPr lvl="4"/>
             <a:r>
-              <a:rPr lang="zh-TW" altLang="en-US"/>
-              <a:t>第五層</a:t>
-            </a:r>
-          </a:p>
-        </p:txBody>
-      </p:sp>
-      <p:sp>
-        <p:nvSpPr>
-          <p:cNvPr id="4" name="日期版面配置區 3">
-            <a:extLst>
-              <a:ext uri="{FF2B5EF4-FFF2-40B4-BE49-F238E27FC236}">
-                <a16:creationId xmlns:a16="http://schemas.microsoft.com/office/drawing/2014/main" id="{85C839DD-8CBF-4E23-A0C7-7C039E950BB8}"/>
-              </a:ext>
-            </a:extLst>
-          </p:cNvPr>
+              <a:rPr lang="en-US" smtClean="0"/>
+              <a:t>Fifth level</a:t>
+            </a:r>
+            <a:endParaRPr lang="en-US"/>
+          </a:p>
+        </p:txBody>
+      </p:sp>
+      <p:sp>
+        <p:nvSpPr>
+          <p:cNvPr id="4" name="Date Placeholder 3"/>
           <p:cNvSpPr>
             <a:spLocks noGrp="1"/>
           </p:cNvSpPr>
@@ -2881,8 +2676,8 @@
         </p:nvSpPr>
         <p:spPr>
           <a:xfrm>
-            <a:off x="838200" y="6356350"/>
-            <a:ext cx="2743200" cy="365125"/>
+            <a:off x="457200" y="6356350"/>
+            <a:ext cx="2133600" cy="365125"/>
           </a:xfrm>
           <a:prstGeom prst="rect">
             <a:avLst/>
@@ -2902,23 +2697,18 @@
             </a:lvl1pPr>
           </a:lstStyle>
           <a:p>
-            <a:fld id="{C3C90D7E-32D6-4894-AE08-7BBB3E610FC9}" type="datetimeFigureOut">
-              <a:rPr lang="zh-TW" altLang="en-US" smtClean="0"/>
-              <a:t>2024/9/16</a:t>
+            <a:fld id="{1D8BD707-D9CF-40AE-B4C6-C98DA3205C09}" type="datetimeFigureOut">
+              <a:rPr lang="en-US" smtClean="0"/>
+              <a:pPr/>
+              <a:t>8/1/2011</a:t>
             </a:fld>
-            <a:endParaRPr lang="zh-TW" altLang="en-US"/>
-          </a:p>
-        </p:txBody>
-      </p:sp>
-      <p:sp>
-        <p:nvSpPr>
-          <p:cNvPr id="5" name="頁尾版面配置區 4">
-            <a:extLst>
-              <a:ext uri="{FF2B5EF4-FFF2-40B4-BE49-F238E27FC236}">
-                <a16:creationId xmlns:a16="http://schemas.microsoft.com/office/drawing/2014/main" id="{12802D8A-77D4-418C-8190-43B6ADED2131}"/>
-              </a:ext>
-            </a:extLst>
-          </p:cNvPr>
+            <a:endParaRPr lang="en-US"/>
+          </a:p>
+        </p:txBody>
+      </p:sp>
+      <p:sp>
+        <p:nvSpPr>
+          <p:cNvPr id="5" name="Footer Placeholder 4"/>
           <p:cNvSpPr>
             <a:spLocks noGrp="1"/>
           </p:cNvSpPr>
@@ -2928,8 +2718,8 @@
         </p:nvSpPr>
         <p:spPr>
           <a:xfrm>
-            <a:off x="4038600" y="6356350"/>
-            <a:ext cx="4114800" cy="365125"/>
+            <a:off x="3124200" y="6356350"/>
+            <a:ext cx="2895600" cy="365125"/>
           </a:xfrm>
           <a:prstGeom prst="rect">
             <a:avLst/>
@@ -2949,19 +2739,13 @@
             </a:lvl1pPr>
           </a:lstStyle>
           <a:p>
-            <a:endParaRPr lang="zh-TW" altLang="en-US"/>
-          </a:p>
-        </p:txBody>
-      </p:sp>
-      <p:sp>
-        <p:nvSpPr>
-          <p:cNvPr id="6" name="投影片編號版面配置區 5">
-            <a:extLst>
-              <a:ext uri="{FF2B5EF4-FFF2-40B4-BE49-F238E27FC236}">
-                <a16:creationId xmlns:a16="http://schemas.microsoft.com/office/drawing/2014/main" id="{7072B55E-2BE2-4AF4-AFF8-2A716F492F1C}"/>
-              </a:ext>
-            </a:extLst>
-          </p:cNvPr>
+            <a:endParaRPr lang="en-US"/>
+          </a:p>
+        </p:txBody>
+      </p:sp>
+      <p:sp>
+        <p:nvSpPr>
+          <p:cNvPr id="6" name="Slide Number Placeholder 5"/>
           <p:cNvSpPr>
             <a:spLocks noGrp="1"/>
           </p:cNvSpPr>
@@ -2971,8 +2755,8 @@
         </p:nvSpPr>
         <p:spPr>
           <a:xfrm>
-            <a:off x="8610600" y="6356350"/>
-            <a:ext cx="2743200" cy="365125"/>
+            <a:off x="6553200" y="6356350"/>
+            <a:ext cx="2133600" cy="365125"/>
           </a:xfrm>
           <a:prstGeom prst="rect">
             <a:avLst/>
@@ -2992,20 +2776,16 @@
             </a:lvl1pPr>
           </a:lstStyle>
           <a:p>
-            <a:fld id="{E31EC408-072F-4346-BD0A-D6AA5788A305}" type="slidenum">
-              <a:rPr lang="zh-TW" altLang="en-US" smtClean="0"/>
+            <a:fld id="{B6F15528-21DE-4FAA-801E-634DDDAF4B2B}" type="slidenum">
+              <a:rPr lang="en-US" smtClean="0"/>
+              <a:pPr/>
               <a:t>‹#›</a:t>
             </a:fld>
-            <a:endParaRPr lang="zh-TW" altLang="en-US"/>
+            <a:endParaRPr lang="en-US"/>
           </a:p>
         </p:txBody>
       </p:sp>
     </p:spTree>
-    <p:extLst>
-      <p:ext uri="{BB962C8B-B14F-4D97-AF65-F5344CB8AC3E}">
-        <p14:creationId xmlns:p14="http://schemas.microsoft.com/office/powerpoint/2010/main" val="2016052060"/>
-      </p:ext>
-    </p:extLst>
   </p:cSld>
   <p:clrMap bg1="lt1" tx1="dk1" bg2="lt2" tx2="dk2" accent1="accent1" accent2="accent2" accent3="accent3" accent4="accent4" accent5="accent5" accent6="accent6" hlink="hlink" folHlink="folHlink"/>
   <p:sldLayoutIdLst>
@@ -3023,10 +2803,7 @@
   </p:sldLayoutIdLst>
   <p:txStyles>
     <p:titleStyle>
-      <a:lvl1pPr algn="l" defTabSz="914400" rtl="0" eaLnBrk="1" latinLnBrk="0" hangingPunct="1">
-        <a:lnSpc>
-          <a:spcPct val="90000"/>
-        </a:lnSpc>
+      <a:lvl1pPr algn="ctr" defTabSz="914400" rtl="0" eaLnBrk="1" latinLnBrk="0" hangingPunct="1">
         <a:spcBef>
           <a:spcPct val="0"/>
         </a:spcBef>
@@ -3042,15 +2819,27 @@
       </a:lvl1pPr>
     </p:titleStyle>
     <p:bodyStyle>
-      <a:lvl1pPr marL="228600" indent="-228600" algn="l" defTabSz="914400" rtl="0" eaLnBrk="1" latinLnBrk="0" hangingPunct="1">
-        <a:lnSpc>
-          <a:spcPct val="90000"/>
-        </a:lnSpc>
+      <a:lvl1pPr marL="342900" indent="-342900" algn="l" defTabSz="914400" rtl="0" eaLnBrk="1" latinLnBrk="0" hangingPunct="1">
         <a:spcBef>
-          <a:spcPts val="1000"/>
+          <a:spcPct val="20000"/>
         </a:spcBef>
-        <a:buFont typeface="Arial" panose="020B0604020202020204" pitchFamily="34" charset="0"/>
+        <a:buFont typeface="Arial" pitchFamily="34" charset="0"/>
         <a:buChar char="•"/>
+        <a:defRPr sz="3200" kern="1200">
+          <a:solidFill>
+            <a:schemeClr val="tx1"/>
+          </a:solidFill>
+          <a:latin typeface="+mn-lt"/>
+          <a:ea typeface="+mn-ea"/>
+          <a:cs typeface="+mn-cs"/>
+        </a:defRPr>
+      </a:lvl1pPr>
+      <a:lvl2pPr marL="742950" indent="-285750" algn="l" defTabSz="914400" rtl="0" eaLnBrk="1" latinLnBrk="0" hangingPunct="1">
+        <a:spcBef>
+          <a:spcPct val="20000"/>
+        </a:spcBef>
+        <a:buFont typeface="Arial" pitchFamily="34" charset="0"/>
+        <a:buChar char="–"/>
         <a:defRPr sz="2800" kern="1200">
           <a:solidFill>
             <a:schemeClr val="tx1"/>
@@ -3059,15 +2848,12 @@
           <a:ea typeface="+mn-ea"/>
           <a:cs typeface="+mn-cs"/>
         </a:defRPr>
-      </a:lvl1pPr>
-      <a:lvl2pPr marL="685800" indent="-228600" algn="l" defTabSz="914400" rtl="0" eaLnBrk="1" latinLnBrk="0" hangingPunct="1">
-        <a:lnSpc>
-          <a:spcPct val="90000"/>
-        </a:lnSpc>
+      </a:lvl2pPr>
+      <a:lvl3pPr marL="1143000" indent="-228600" algn="l" defTabSz="914400" rtl="0" eaLnBrk="1" latinLnBrk="0" hangingPunct="1">
         <a:spcBef>
-          <a:spcPts val="500"/>
+          <a:spcPct val="20000"/>
         </a:spcBef>
-        <a:buFont typeface="Arial" panose="020B0604020202020204" pitchFamily="34" charset="0"/>
+        <a:buFont typeface="Arial" pitchFamily="34" charset="0"/>
         <a:buChar char="•"/>
         <a:defRPr sz="2400" kern="1200">
           <a:solidFill>
@@ -3077,15 +2863,42 @@
           <a:ea typeface="+mn-ea"/>
           <a:cs typeface="+mn-cs"/>
         </a:defRPr>
-      </a:lvl2pPr>
-      <a:lvl3pPr marL="1143000" indent="-228600" algn="l" defTabSz="914400" rtl="0" eaLnBrk="1" latinLnBrk="0" hangingPunct="1">
-        <a:lnSpc>
-          <a:spcPct val="90000"/>
-        </a:lnSpc>
+      </a:lvl3pPr>
+      <a:lvl4pPr marL="1600200" indent="-228600" algn="l" defTabSz="914400" rtl="0" eaLnBrk="1" latinLnBrk="0" hangingPunct="1">
         <a:spcBef>
-          <a:spcPts val="500"/>
+          <a:spcPct val="20000"/>
         </a:spcBef>
-        <a:buFont typeface="Arial" panose="020B0604020202020204" pitchFamily="34" charset="0"/>
+        <a:buFont typeface="Arial" pitchFamily="34" charset="0"/>
+        <a:buChar char="–"/>
+        <a:defRPr sz="2000" kern="1200">
+          <a:solidFill>
+            <a:schemeClr val="tx1"/>
+          </a:solidFill>
+          <a:latin typeface="+mn-lt"/>
+          <a:ea typeface="+mn-ea"/>
+          <a:cs typeface="+mn-cs"/>
+        </a:defRPr>
+      </a:lvl4pPr>
+      <a:lvl5pPr marL="2057400" indent="-228600" algn="l" defTabSz="914400" rtl="0" eaLnBrk="1" latinLnBrk="0" hangingPunct="1">
+        <a:spcBef>
+          <a:spcPct val="20000"/>
+        </a:spcBef>
+        <a:buFont typeface="Arial" pitchFamily="34" charset="0"/>
+        <a:buChar char="»"/>
+        <a:defRPr sz="2000" kern="1200">
+          <a:solidFill>
+            <a:schemeClr val="tx1"/>
+          </a:solidFill>
+          <a:latin typeface="+mn-lt"/>
+          <a:ea typeface="+mn-ea"/>
+          <a:cs typeface="+mn-cs"/>
+        </a:defRPr>
+      </a:lvl5pPr>
+      <a:lvl6pPr marL="2514600" indent="-228600" algn="l" defTabSz="914400" rtl="0" eaLnBrk="1" latinLnBrk="0" hangingPunct="1">
+        <a:spcBef>
+          <a:spcPct val="20000"/>
+        </a:spcBef>
+        <a:buFont typeface="Arial" pitchFamily="34" charset="0"/>
         <a:buChar char="•"/>
         <a:defRPr sz="2000" kern="1200">
           <a:solidFill>
@@ -3095,71 +2908,14 @@
           <a:ea typeface="+mn-ea"/>
           <a:cs typeface="+mn-cs"/>
         </a:defRPr>
-      </a:lvl3pPr>
-      <a:lvl4pPr marL="1600200" indent="-228600" algn="l" defTabSz="914400" rtl="0" eaLnBrk="1" latinLnBrk="0" hangingPunct="1">
-        <a:lnSpc>
-          <a:spcPct val="90000"/>
-        </a:lnSpc>
-        <a:spcBef>
-          <a:spcPts val="500"/>
-        </a:spcBef>
-        <a:buFont typeface="Arial" panose="020B0604020202020204" pitchFamily="34" charset="0"/>
-        <a:buChar char="•"/>
-        <a:defRPr sz="1800" kern="1200">
-          <a:solidFill>
-            <a:schemeClr val="tx1"/>
-          </a:solidFill>
-          <a:latin typeface="+mn-lt"/>
-          <a:ea typeface="+mn-ea"/>
-          <a:cs typeface="+mn-cs"/>
-        </a:defRPr>
-      </a:lvl4pPr>
-      <a:lvl5pPr marL="2057400" indent="-228600" algn="l" defTabSz="914400" rtl="0" eaLnBrk="1" latinLnBrk="0" hangingPunct="1">
-        <a:lnSpc>
-          <a:spcPct val="90000"/>
-        </a:lnSpc>
-        <a:spcBef>
-          <a:spcPts val="500"/>
-        </a:spcBef>
-        <a:buFont typeface="Arial" panose="020B0604020202020204" pitchFamily="34" charset="0"/>
-        <a:buChar char="•"/>
-        <a:defRPr sz="1800" kern="1200">
-          <a:solidFill>
-            <a:schemeClr val="tx1"/>
-          </a:solidFill>
-          <a:latin typeface="+mn-lt"/>
-          <a:ea typeface="+mn-ea"/>
-          <a:cs typeface="+mn-cs"/>
-        </a:defRPr>
-      </a:lvl5pPr>
-      <a:lvl6pPr marL="2514600" indent="-228600" algn="l" defTabSz="914400" rtl="0" eaLnBrk="1" latinLnBrk="0" hangingPunct="1">
-        <a:lnSpc>
-          <a:spcPct val="90000"/>
-        </a:lnSpc>
-        <a:spcBef>
-          <a:spcPts val="500"/>
-        </a:spcBef>
-        <a:buFont typeface="Arial" panose="020B0604020202020204" pitchFamily="34" charset="0"/>
-        <a:buChar char="•"/>
-        <a:defRPr sz="1800" kern="1200">
-          <a:solidFill>
-            <a:schemeClr val="tx1"/>
-          </a:solidFill>
-          <a:latin typeface="+mn-lt"/>
-          <a:ea typeface="+mn-ea"/>
-          <a:cs typeface="+mn-cs"/>
-        </a:defRPr>
       </a:lvl6pPr>
       <a:lvl7pPr marL="2971800" indent="-228600" algn="l" defTabSz="914400" rtl="0" eaLnBrk="1" latinLnBrk="0" hangingPunct="1">
-        <a:lnSpc>
-          <a:spcPct val="90000"/>
-        </a:lnSpc>
         <a:spcBef>
-          <a:spcPts val="500"/>
+          <a:spcPct val="20000"/>
         </a:spcBef>
-        <a:buFont typeface="Arial" panose="020B0604020202020204" pitchFamily="34" charset="0"/>
+        <a:buFont typeface="Arial" pitchFamily="34" charset="0"/>
         <a:buChar char="•"/>
-        <a:defRPr sz="1800" kern="1200">
+        <a:defRPr sz="2000" kern="1200">
           <a:solidFill>
             <a:schemeClr val="tx1"/>
           </a:solidFill>
@@ -3169,15 +2925,12 @@
         </a:defRPr>
       </a:lvl7pPr>
       <a:lvl8pPr marL="3429000" indent="-228600" algn="l" defTabSz="914400" rtl="0" eaLnBrk="1" latinLnBrk="0" hangingPunct="1">
-        <a:lnSpc>
-          <a:spcPct val="90000"/>
-        </a:lnSpc>
         <a:spcBef>
-          <a:spcPts val="500"/>
+          <a:spcPct val="20000"/>
         </a:spcBef>
-        <a:buFont typeface="Arial" panose="020B0604020202020204" pitchFamily="34" charset="0"/>
+        <a:buFont typeface="Arial" pitchFamily="34" charset="0"/>
         <a:buChar char="•"/>
-        <a:defRPr sz="1800" kern="1200">
+        <a:defRPr sz="2000" kern="1200">
           <a:solidFill>
             <a:schemeClr val="tx1"/>
           </a:solidFill>
@@ -3187,15 +2940,12 @@
         </a:defRPr>
       </a:lvl8pPr>
       <a:lvl9pPr marL="3886200" indent="-228600" algn="l" defTabSz="914400" rtl="0" eaLnBrk="1" latinLnBrk="0" hangingPunct="1">
-        <a:lnSpc>
-          <a:spcPct val="90000"/>
-        </a:lnSpc>
         <a:spcBef>
-          <a:spcPts val="500"/>
+          <a:spcPct val="20000"/>
         </a:spcBef>
-        <a:buFont typeface="Arial" panose="020B0604020202020204" pitchFamily="34" charset="0"/>
+        <a:buFont typeface="Arial" pitchFamily="34" charset="0"/>
         <a:buChar char="•"/>
-        <a:defRPr sz="1800" kern="1200">
+        <a:defRPr sz="2000" kern="1200">
           <a:solidFill>
             <a:schemeClr val="tx1"/>
           </a:solidFill>
@@ -3207,7 +2957,7 @@
     </p:bodyStyle>
     <p:otherStyle>
       <a:defPPr>
-        <a:defRPr lang="zh-TW"/>
+        <a:defRPr lang="en-US"/>
       </a:defPPr>
       <a:lvl1pPr marL="0" algn="l" defTabSz="914400" rtl="0" eaLnBrk="1" latinLnBrk="0" hangingPunct="1">
         <a:defRPr sz="1800" kern="1200">
@@ -3305,7 +3055,7 @@
 </file>
 
 <file path=ppt/slides/slide1.xml><?xml version="1.0" encoding="utf-8"?>
-<p:sld xmlns:a="http://schemas.openxmlformats.org/drawingml/2006/main" xmlns:r="http://schemas.openxmlformats.org/officeDocument/2006/relationships" xmlns:p="http://schemas.openxmlformats.org/presentationml/2006/main">
+<p:sld xmlns:p="http://schemas.openxmlformats.org/presentationml/2006/main" xmlns:a="http://schemas.openxmlformats.org/drawingml/2006/main" xmlns:r="http://schemas.openxmlformats.org/officeDocument/2006/relationships">
   <p:cSld>
     <p:spTree>
       <p:nvGrpSpPr>
@@ -3321,62 +3071,2058 @@
           <a:chExt cx="0" cy="0"/>
         </a:xfrm>
       </p:grpSpPr>
-      <p:sp>
-        <p:nvSpPr>
-          <p:cNvPr id="2" name="標題 1">
-            <a:extLst>
-              <a:ext uri="{FF2B5EF4-FFF2-40B4-BE49-F238E27FC236}">
-                <a16:creationId xmlns:a16="http://schemas.microsoft.com/office/drawing/2014/main" id="{32532283-9F93-4E44-8138-32796965361F}"/>
-              </a:ext>
-            </a:extLst>
-          </p:cNvPr>
-          <p:cNvSpPr>
-            <a:spLocks noGrp="1"/>
-          </p:cNvSpPr>
-          <p:nvPr>
-            <p:ph type="ctrTitle"/>
-          </p:nvPr>
-        </p:nvSpPr>
-        <p:spPr/>
-        <p:txBody>
-          <a:bodyPr/>
-          <a:lstStyle/>
-          <a:p>
-            <a:endParaRPr lang="zh-TW" altLang="en-US"/>
-          </a:p>
-        </p:txBody>
-      </p:sp>
-      <p:sp>
-        <p:nvSpPr>
-          <p:cNvPr id="3" name="副標題 2">
-            <a:extLst>
-              <a:ext uri="{FF2B5EF4-FFF2-40B4-BE49-F238E27FC236}">
-                <a16:creationId xmlns:a16="http://schemas.microsoft.com/office/drawing/2014/main" id="{8C946F38-524D-4B98-B9CB-80AEE57E455A}"/>
-              </a:ext>
-            </a:extLst>
-          </p:cNvPr>
-          <p:cNvSpPr>
-            <a:spLocks noGrp="1"/>
-          </p:cNvSpPr>
-          <p:nvPr>
-            <p:ph type="subTitle" idx="1"/>
-          </p:nvPr>
-        </p:nvSpPr>
-        <p:spPr/>
-        <p:txBody>
-          <a:bodyPr/>
-          <a:lstStyle/>
-          <a:p>
-            <a:endParaRPr lang="zh-TW" altLang="en-US"/>
-          </a:p>
-        </p:txBody>
+      <p:grpSp>
+        <p:nvGrpSpPr>
+          <p:cNvPr name="Group 2" id="2"/>
+          <p:cNvGrpSpPr/>
+          <p:nvPr/>
+        </p:nvGrpSpPr>
+        <p:grpSpPr>
+          <a:xfrm rot="0">
+            <a:off x="0" y="0"/>
+            <a:ext cx="12784071" cy="10287000"/>
+            <a:chOff x="0" y="0"/>
+            <a:chExt cx="3366998" cy="2709333"/>
+          </a:xfrm>
+        </p:grpSpPr>
+        <p:sp>
+          <p:nvSpPr>
+            <p:cNvPr name="Freeform 3" id="3"/>
+            <p:cNvSpPr/>
+            <p:nvPr/>
+          </p:nvSpPr>
+          <p:spPr>
+            <a:xfrm flipH="false" flipV="false" rot="0">
+              <a:off x="0" y="0"/>
+              <a:ext cx="3366998" cy="2709333"/>
+            </a:xfrm>
+            <a:custGeom>
+              <a:avLst/>
+              <a:gdLst/>
+              <a:ahLst/>
+              <a:cxnLst/>
+              <a:rect r="r" b="b" t="t" l="l"/>
+              <a:pathLst>
+                <a:path h="2709333" w="3366998">
+                  <a:moveTo>
+                    <a:pt x="0" y="0"/>
+                  </a:moveTo>
+                  <a:lnTo>
+                    <a:pt x="3366998" y="0"/>
+                  </a:lnTo>
+                  <a:lnTo>
+                    <a:pt x="3366998" y="2709333"/>
+                  </a:lnTo>
+                  <a:lnTo>
+                    <a:pt x="0" y="2709333"/>
+                  </a:lnTo>
+                  <a:close/>
+                </a:path>
+              </a:pathLst>
+            </a:custGeom>
+            <a:solidFill>
+              <a:srgbClr val="435F74"/>
+            </a:solidFill>
+          </p:spPr>
+        </p:sp>
+        <p:sp>
+          <p:nvSpPr>
+            <p:cNvPr name="TextBox 4" id="4"/>
+            <p:cNvSpPr txBox="true"/>
+            <p:nvPr/>
+          </p:nvSpPr>
+          <p:spPr>
+            <a:xfrm>
+              <a:off x="0" y="-57150"/>
+              <a:ext cx="3366998" cy="2766483"/>
+            </a:xfrm>
+            <a:prstGeom prst="rect">
+              <a:avLst/>
+            </a:prstGeom>
+          </p:spPr>
+          <p:txBody>
+            <a:bodyPr anchor="ctr" rtlCol="false" tIns="50800" lIns="50800" bIns="50800" rIns="50800"/>
+            <a:lstStyle/>
+            <a:p>
+              <a:pPr algn="ctr">
+                <a:lnSpc>
+                  <a:spcPts val="3511"/>
+                </a:lnSpc>
+              </a:pPr>
+            </a:p>
+          </p:txBody>
+        </p:sp>
+      </p:grpSp>
+      <p:sp>
+        <p:nvSpPr>
+          <p:cNvPr name="Freeform 5" id="5"/>
+          <p:cNvSpPr/>
+          <p:nvPr/>
+        </p:nvSpPr>
+        <p:spPr>
+          <a:xfrm flipH="false" flipV="false" rot="0">
+            <a:off x="16667798" y="0"/>
+            <a:ext cx="1620203" cy="10287000"/>
+          </a:xfrm>
+          <a:custGeom>
+            <a:avLst/>
+            <a:gdLst/>
+            <a:ahLst/>
+            <a:cxnLst/>
+            <a:rect r="r" b="b" t="t" l="l"/>
+            <a:pathLst>
+              <a:path h="10287000" w="1620203">
+                <a:moveTo>
+                  <a:pt x="0" y="0"/>
+                </a:moveTo>
+                <a:lnTo>
+                  <a:pt x="1620202" y="0"/>
+                </a:lnTo>
+                <a:lnTo>
+                  <a:pt x="1620202" y="10287000"/>
+                </a:lnTo>
+                <a:lnTo>
+                  <a:pt x="0" y="10287000"/>
+                </a:lnTo>
+                <a:lnTo>
+                  <a:pt x="0" y="0"/>
+                </a:lnTo>
+                <a:close/>
+              </a:path>
+            </a:pathLst>
+          </a:custGeom>
+          <a:blipFill>
+            <a:blip r:embed="rId2">
+              <a:extLst>
+                <a:ext uri="{96DAC541-7B7A-43D3-8B79-37D633B846F1}">
+                  <asvg:svgBlip xmlns:asvg="http://schemas.microsoft.com/office/drawing/2016/SVG/main" r:embed="rId3"/>
+                </a:ext>
+              </a:extLst>
+            </a:blip>
+            <a:stretch>
+              <a:fillRect l="0" t="0" r="0" b="0"/>
+            </a:stretch>
+          </a:blipFill>
+        </p:spPr>
+      </p:sp>
+      <p:sp>
+        <p:nvSpPr>
+          <p:cNvPr name="TextBox 6" id="6"/>
+          <p:cNvSpPr txBox="true"/>
+          <p:nvPr/>
+        </p:nvSpPr>
+        <p:spPr>
+          <a:xfrm rot="0">
+            <a:off x="406760" y="9463330"/>
+            <a:ext cx="3601190" cy="477520"/>
+          </a:xfrm>
+          <a:prstGeom prst="rect">
+            <a:avLst/>
+          </a:prstGeom>
+        </p:spPr>
+        <p:txBody>
+          <a:bodyPr anchor="t" rtlCol="false" tIns="0" lIns="0" bIns="0" rIns="0">
+            <a:spAutoFit/>
+          </a:bodyPr>
+          <a:lstStyle/>
+          <a:p>
+            <a:pPr algn="l">
+              <a:lnSpc>
+                <a:spcPts val="3680"/>
+              </a:lnSpc>
+              <a:spcBef>
+                <a:spcPct val="0"/>
+              </a:spcBef>
+            </a:pPr>
+            <a:r>
+              <a:rPr lang="en-US" sz="3200">
+                <a:solidFill>
+                  <a:srgbClr val="FFFFFF"/>
+                </a:solidFill>
+                <a:latin typeface="Lato"/>
+                <a:ea typeface="Lato"/>
+                <a:cs typeface="Lato"/>
+                <a:sym typeface="Lato"/>
+              </a:rPr>
+              <a:t>2024/11</a:t>
+            </a:r>
+          </a:p>
+        </p:txBody>
+      </p:sp>
+      <p:sp>
+        <p:nvSpPr>
+          <p:cNvPr name="TextBox 7" id="7"/>
+          <p:cNvSpPr txBox="true"/>
+          <p:nvPr/>
+        </p:nvSpPr>
+        <p:spPr>
+          <a:xfrm rot="0">
+            <a:off x="637923" y="544513"/>
+            <a:ext cx="4063596" cy="863600"/>
+          </a:xfrm>
+          <a:prstGeom prst="rect">
+            <a:avLst/>
+          </a:prstGeom>
+        </p:spPr>
+        <p:txBody>
+          <a:bodyPr anchor="t" rtlCol="false" tIns="0" lIns="0" bIns="0" rIns="0">
+            <a:spAutoFit/>
+          </a:bodyPr>
+          <a:lstStyle/>
+          <a:p>
+            <a:pPr algn="l" marL="0" indent="0" lvl="0">
+              <a:lnSpc>
+                <a:spcPts val="7000"/>
+              </a:lnSpc>
+            </a:pPr>
+            <a:r>
+              <a:rPr lang="en-US" sz="5000" spc="400">
+                <a:solidFill>
+                  <a:srgbClr val="FFFFFF"/>
+                </a:solidFill>
+                <a:latin typeface="Lato"/>
+                <a:ea typeface="Lato"/>
+                <a:cs typeface="Lato"/>
+                <a:sym typeface="Lato"/>
+              </a:rPr>
+              <a:t>1.目標</a:t>
+            </a:r>
+          </a:p>
+        </p:txBody>
+      </p:sp>
+      <p:sp>
+        <p:nvSpPr>
+          <p:cNvPr name="Freeform 8" id="8"/>
+          <p:cNvSpPr/>
+          <p:nvPr/>
+        </p:nvSpPr>
+        <p:spPr>
+          <a:xfrm flipH="false" flipV="false" rot="0">
+            <a:off x="3232180" y="1584996"/>
+            <a:ext cx="6844494" cy="7673304"/>
+          </a:xfrm>
+          <a:custGeom>
+            <a:avLst/>
+            <a:gdLst/>
+            <a:ahLst/>
+            <a:cxnLst/>
+            <a:rect r="r" b="b" t="t" l="l"/>
+            <a:pathLst>
+              <a:path h="7673304" w="6844494">
+                <a:moveTo>
+                  <a:pt x="0" y="0"/>
+                </a:moveTo>
+                <a:lnTo>
+                  <a:pt x="6844494" y="0"/>
+                </a:lnTo>
+                <a:lnTo>
+                  <a:pt x="6844494" y="7673304"/>
+                </a:lnTo>
+                <a:lnTo>
+                  <a:pt x="0" y="7673304"/>
+                </a:lnTo>
+                <a:lnTo>
+                  <a:pt x="0" y="0"/>
+                </a:lnTo>
+                <a:close/>
+              </a:path>
+            </a:pathLst>
+          </a:custGeom>
+          <a:blipFill>
+            <a:blip r:embed="rId4"/>
+            <a:stretch>
+              <a:fillRect l="-2408" t="0" r="-9701" b="0"/>
+            </a:stretch>
+          </a:blipFill>
+        </p:spPr>
       </p:sp>
     </p:spTree>
-    <p:extLst>
-      <p:ext uri="{BB962C8B-B14F-4D97-AF65-F5344CB8AC3E}">
-        <p14:creationId xmlns:p14="http://schemas.microsoft.com/office/powerpoint/2010/main" val="1328321055"/>
-      </p:ext>
-    </p:extLst>
+  </p:cSld>
+  <p:clrMapOvr>
+    <a:masterClrMapping/>
+  </p:clrMapOvr>
+</p:sld>
+</file>
+
+<file path=ppt/slides/slide2.xml><?xml version="1.0" encoding="utf-8"?>
+<p:sld xmlns:p="http://schemas.openxmlformats.org/presentationml/2006/main" xmlns:a="http://schemas.openxmlformats.org/drawingml/2006/main" xmlns:r="http://schemas.openxmlformats.org/officeDocument/2006/relationships">
+  <p:cSld>
+    <p:spTree>
+      <p:nvGrpSpPr>
+        <p:cNvPr id="1" name=""/>
+        <p:cNvGrpSpPr/>
+        <p:nvPr/>
+      </p:nvGrpSpPr>
+      <p:grpSpPr>
+        <a:xfrm>
+          <a:off x="0" y="0"/>
+          <a:ext cx="0" cy="0"/>
+          <a:chOff x="0" y="0"/>
+          <a:chExt cx="0" cy="0"/>
+        </a:xfrm>
+      </p:grpSpPr>
+      <p:grpSp>
+        <p:nvGrpSpPr>
+          <p:cNvPr name="Group 2" id="2"/>
+          <p:cNvGrpSpPr/>
+          <p:nvPr/>
+        </p:nvGrpSpPr>
+        <p:grpSpPr>
+          <a:xfrm rot="0">
+            <a:off x="0" y="0"/>
+            <a:ext cx="12784071" cy="10287000"/>
+            <a:chOff x="0" y="0"/>
+            <a:chExt cx="3366998" cy="2709333"/>
+          </a:xfrm>
+        </p:grpSpPr>
+        <p:sp>
+          <p:nvSpPr>
+            <p:cNvPr name="Freeform 3" id="3"/>
+            <p:cNvSpPr/>
+            <p:nvPr/>
+          </p:nvSpPr>
+          <p:spPr>
+            <a:xfrm flipH="false" flipV="false" rot="0">
+              <a:off x="0" y="0"/>
+              <a:ext cx="3366998" cy="2709333"/>
+            </a:xfrm>
+            <a:custGeom>
+              <a:avLst/>
+              <a:gdLst/>
+              <a:ahLst/>
+              <a:cxnLst/>
+              <a:rect r="r" b="b" t="t" l="l"/>
+              <a:pathLst>
+                <a:path h="2709333" w="3366998">
+                  <a:moveTo>
+                    <a:pt x="0" y="0"/>
+                  </a:moveTo>
+                  <a:lnTo>
+                    <a:pt x="3366998" y="0"/>
+                  </a:lnTo>
+                  <a:lnTo>
+                    <a:pt x="3366998" y="2709333"/>
+                  </a:lnTo>
+                  <a:lnTo>
+                    <a:pt x="0" y="2709333"/>
+                  </a:lnTo>
+                  <a:close/>
+                </a:path>
+              </a:pathLst>
+            </a:custGeom>
+            <a:solidFill>
+              <a:srgbClr val="435F74"/>
+            </a:solidFill>
+          </p:spPr>
+        </p:sp>
+        <p:sp>
+          <p:nvSpPr>
+            <p:cNvPr name="TextBox 4" id="4"/>
+            <p:cNvSpPr txBox="true"/>
+            <p:nvPr/>
+          </p:nvSpPr>
+          <p:spPr>
+            <a:xfrm>
+              <a:off x="0" y="-57150"/>
+              <a:ext cx="3366998" cy="2766483"/>
+            </a:xfrm>
+            <a:prstGeom prst="rect">
+              <a:avLst/>
+            </a:prstGeom>
+          </p:spPr>
+          <p:txBody>
+            <a:bodyPr anchor="ctr" rtlCol="false" tIns="50800" lIns="50800" bIns="50800" rIns="50800"/>
+            <a:lstStyle/>
+            <a:p>
+              <a:pPr algn="ctr">
+                <a:lnSpc>
+                  <a:spcPts val="3511"/>
+                </a:lnSpc>
+              </a:pPr>
+            </a:p>
+          </p:txBody>
+        </p:sp>
+      </p:grpSp>
+      <p:sp>
+        <p:nvSpPr>
+          <p:cNvPr name="Freeform 5" id="5"/>
+          <p:cNvSpPr/>
+          <p:nvPr/>
+        </p:nvSpPr>
+        <p:spPr>
+          <a:xfrm flipH="false" flipV="false" rot="0">
+            <a:off x="16667798" y="0"/>
+            <a:ext cx="1620203" cy="10287000"/>
+          </a:xfrm>
+          <a:custGeom>
+            <a:avLst/>
+            <a:gdLst/>
+            <a:ahLst/>
+            <a:cxnLst/>
+            <a:rect r="r" b="b" t="t" l="l"/>
+            <a:pathLst>
+              <a:path h="10287000" w="1620203">
+                <a:moveTo>
+                  <a:pt x="0" y="0"/>
+                </a:moveTo>
+                <a:lnTo>
+                  <a:pt x="1620202" y="0"/>
+                </a:lnTo>
+                <a:lnTo>
+                  <a:pt x="1620202" y="10287000"/>
+                </a:lnTo>
+                <a:lnTo>
+                  <a:pt x="0" y="10287000"/>
+                </a:lnTo>
+                <a:lnTo>
+                  <a:pt x="0" y="0"/>
+                </a:lnTo>
+                <a:close/>
+              </a:path>
+            </a:pathLst>
+          </a:custGeom>
+          <a:blipFill>
+            <a:blip r:embed="rId2"/>
+            <a:stretch>
+              <a:fillRect l="0" t="0" r="0" b="0"/>
+            </a:stretch>
+          </a:blipFill>
+        </p:spPr>
+      </p:sp>
+      <p:sp>
+        <p:nvSpPr>
+          <p:cNvPr name="Freeform 6" id="6"/>
+          <p:cNvSpPr/>
+          <p:nvPr/>
+        </p:nvSpPr>
+        <p:spPr>
+          <a:xfrm flipH="false" flipV="false" rot="0">
+            <a:off x="2996534" y="1408112"/>
+            <a:ext cx="7606910" cy="8045692"/>
+          </a:xfrm>
+          <a:custGeom>
+            <a:avLst/>
+            <a:gdLst/>
+            <a:ahLst/>
+            <a:cxnLst/>
+            <a:rect r="r" b="b" t="t" l="l"/>
+            <a:pathLst>
+              <a:path h="8045692" w="7606910">
+                <a:moveTo>
+                  <a:pt x="0" y="0"/>
+                </a:moveTo>
+                <a:lnTo>
+                  <a:pt x="7606911" y="0"/>
+                </a:lnTo>
+                <a:lnTo>
+                  <a:pt x="7606911" y="8045693"/>
+                </a:lnTo>
+                <a:lnTo>
+                  <a:pt x="0" y="8045693"/>
+                </a:lnTo>
+                <a:lnTo>
+                  <a:pt x="0" y="0"/>
+                </a:lnTo>
+                <a:close/>
+              </a:path>
+            </a:pathLst>
+          </a:custGeom>
+          <a:blipFill>
+            <a:blip r:embed="rId3"/>
+            <a:stretch>
+              <a:fillRect l="-2777" t="0" r="-2990" b="0"/>
+            </a:stretch>
+          </a:blipFill>
+        </p:spPr>
+      </p:sp>
+      <p:sp>
+        <p:nvSpPr>
+          <p:cNvPr name="TextBox 7" id="7"/>
+          <p:cNvSpPr txBox="true"/>
+          <p:nvPr/>
+        </p:nvSpPr>
+        <p:spPr>
+          <a:xfrm rot="0">
+            <a:off x="406760" y="9463330"/>
+            <a:ext cx="3601190" cy="477520"/>
+          </a:xfrm>
+          <a:prstGeom prst="rect">
+            <a:avLst/>
+          </a:prstGeom>
+        </p:spPr>
+        <p:txBody>
+          <a:bodyPr anchor="t" rtlCol="false" tIns="0" lIns="0" bIns="0" rIns="0">
+            <a:spAutoFit/>
+          </a:bodyPr>
+          <a:lstStyle/>
+          <a:p>
+            <a:pPr algn="l">
+              <a:lnSpc>
+                <a:spcPts val="3680"/>
+              </a:lnSpc>
+              <a:spcBef>
+                <a:spcPct val="0"/>
+              </a:spcBef>
+            </a:pPr>
+            <a:r>
+              <a:rPr lang="en-US" sz="3200">
+                <a:solidFill>
+                  <a:srgbClr val="FFFFFF"/>
+                </a:solidFill>
+                <a:latin typeface="Lato"/>
+                <a:ea typeface="Lato"/>
+                <a:cs typeface="Lato"/>
+                <a:sym typeface="Lato"/>
+              </a:rPr>
+              <a:t>2024/11</a:t>
+            </a:r>
+          </a:p>
+        </p:txBody>
+      </p:sp>
+      <p:sp>
+        <p:nvSpPr>
+          <p:cNvPr name="TextBox 8" id="8"/>
+          <p:cNvSpPr txBox="true"/>
+          <p:nvPr/>
+        </p:nvSpPr>
+        <p:spPr>
+          <a:xfrm rot="0">
+            <a:off x="637923" y="544513"/>
+            <a:ext cx="4063596" cy="863600"/>
+          </a:xfrm>
+          <a:prstGeom prst="rect">
+            <a:avLst/>
+          </a:prstGeom>
+        </p:spPr>
+        <p:txBody>
+          <a:bodyPr anchor="t" rtlCol="false" tIns="0" lIns="0" bIns="0" rIns="0">
+            <a:spAutoFit/>
+          </a:bodyPr>
+          <a:lstStyle/>
+          <a:p>
+            <a:pPr algn="l" marL="0" indent="0" lvl="0">
+              <a:lnSpc>
+                <a:spcPts val="7000"/>
+              </a:lnSpc>
+            </a:pPr>
+            <a:r>
+              <a:rPr lang="en-US" sz="5000" spc="400">
+                <a:solidFill>
+                  <a:srgbClr val="FFFFFF"/>
+                </a:solidFill>
+                <a:latin typeface="Lato"/>
+                <a:ea typeface="Lato"/>
+                <a:cs typeface="Lato"/>
+                <a:sym typeface="Lato"/>
+              </a:rPr>
+              <a:t>2.阻礙</a:t>
+            </a:r>
+          </a:p>
+        </p:txBody>
+      </p:sp>
+    </p:spTree>
+  </p:cSld>
+  <p:clrMapOvr>
+    <a:masterClrMapping/>
+  </p:clrMapOvr>
+</p:sld>
+</file>
+
+<file path=ppt/slides/slide3.xml><?xml version="1.0" encoding="utf-8"?>
+<p:sld xmlns:p="http://schemas.openxmlformats.org/presentationml/2006/main" xmlns:a="http://schemas.openxmlformats.org/drawingml/2006/main" xmlns:r="http://schemas.openxmlformats.org/officeDocument/2006/relationships">
+  <p:cSld>
+    <p:spTree>
+      <p:nvGrpSpPr>
+        <p:cNvPr id="1" name=""/>
+        <p:cNvGrpSpPr/>
+        <p:nvPr/>
+      </p:nvGrpSpPr>
+      <p:grpSpPr>
+        <a:xfrm>
+          <a:off x="0" y="0"/>
+          <a:ext cx="0" cy="0"/>
+          <a:chOff x="0" y="0"/>
+          <a:chExt cx="0" cy="0"/>
+        </a:xfrm>
+      </p:grpSpPr>
+      <p:grpSp>
+        <p:nvGrpSpPr>
+          <p:cNvPr name="Group 2" id="2"/>
+          <p:cNvGrpSpPr/>
+          <p:nvPr/>
+        </p:nvGrpSpPr>
+        <p:grpSpPr>
+          <a:xfrm rot="0">
+            <a:off x="0" y="0"/>
+            <a:ext cx="12784071" cy="10287000"/>
+            <a:chOff x="0" y="0"/>
+            <a:chExt cx="3366998" cy="2709333"/>
+          </a:xfrm>
+        </p:grpSpPr>
+        <p:sp>
+          <p:nvSpPr>
+            <p:cNvPr name="Freeform 3" id="3"/>
+            <p:cNvSpPr/>
+            <p:nvPr/>
+          </p:nvSpPr>
+          <p:spPr>
+            <a:xfrm flipH="false" flipV="false" rot="0">
+              <a:off x="0" y="0"/>
+              <a:ext cx="3366998" cy="2709333"/>
+            </a:xfrm>
+            <a:custGeom>
+              <a:avLst/>
+              <a:gdLst/>
+              <a:ahLst/>
+              <a:cxnLst/>
+              <a:rect r="r" b="b" t="t" l="l"/>
+              <a:pathLst>
+                <a:path h="2709333" w="3366998">
+                  <a:moveTo>
+                    <a:pt x="0" y="0"/>
+                  </a:moveTo>
+                  <a:lnTo>
+                    <a:pt x="3366998" y="0"/>
+                  </a:lnTo>
+                  <a:lnTo>
+                    <a:pt x="3366998" y="2709333"/>
+                  </a:lnTo>
+                  <a:lnTo>
+                    <a:pt x="0" y="2709333"/>
+                  </a:lnTo>
+                  <a:close/>
+                </a:path>
+              </a:pathLst>
+            </a:custGeom>
+            <a:solidFill>
+              <a:srgbClr val="435F74"/>
+            </a:solidFill>
+          </p:spPr>
+        </p:sp>
+        <p:sp>
+          <p:nvSpPr>
+            <p:cNvPr name="TextBox 4" id="4"/>
+            <p:cNvSpPr txBox="true"/>
+            <p:nvPr/>
+          </p:nvSpPr>
+          <p:spPr>
+            <a:xfrm>
+              <a:off x="0" y="-57150"/>
+              <a:ext cx="3366998" cy="2766483"/>
+            </a:xfrm>
+            <a:prstGeom prst="rect">
+              <a:avLst/>
+            </a:prstGeom>
+          </p:spPr>
+          <p:txBody>
+            <a:bodyPr anchor="ctr" rtlCol="false" tIns="50800" lIns="50800" bIns="50800" rIns="50800"/>
+            <a:lstStyle/>
+            <a:p>
+              <a:pPr algn="ctr">
+                <a:lnSpc>
+                  <a:spcPts val="3511"/>
+                </a:lnSpc>
+              </a:pPr>
+            </a:p>
+          </p:txBody>
+        </p:sp>
+      </p:grpSp>
+      <p:grpSp>
+        <p:nvGrpSpPr>
+          <p:cNvPr name="Group 5" id="5"/>
+          <p:cNvGrpSpPr/>
+          <p:nvPr/>
+        </p:nvGrpSpPr>
+        <p:grpSpPr>
+          <a:xfrm rot="0">
+            <a:off x="12784071" y="0"/>
+            <a:ext cx="12784071" cy="10287000"/>
+            <a:chOff x="0" y="0"/>
+            <a:chExt cx="3366998" cy="2709333"/>
+          </a:xfrm>
+        </p:grpSpPr>
+        <p:sp>
+          <p:nvSpPr>
+            <p:cNvPr name="Freeform 6" id="6"/>
+            <p:cNvSpPr/>
+            <p:nvPr/>
+          </p:nvSpPr>
+          <p:spPr>
+            <a:xfrm flipH="false" flipV="false" rot="0">
+              <a:off x="0" y="0"/>
+              <a:ext cx="3366998" cy="2709333"/>
+            </a:xfrm>
+            <a:custGeom>
+              <a:avLst/>
+              <a:gdLst/>
+              <a:ahLst/>
+              <a:cxnLst/>
+              <a:rect r="r" b="b" t="t" l="l"/>
+              <a:pathLst>
+                <a:path h="2709333" w="3366998">
+                  <a:moveTo>
+                    <a:pt x="0" y="0"/>
+                  </a:moveTo>
+                  <a:lnTo>
+                    <a:pt x="3366998" y="0"/>
+                  </a:lnTo>
+                  <a:lnTo>
+                    <a:pt x="3366998" y="2709333"/>
+                  </a:lnTo>
+                  <a:lnTo>
+                    <a:pt x="0" y="2709333"/>
+                  </a:lnTo>
+                  <a:close/>
+                </a:path>
+              </a:pathLst>
+            </a:custGeom>
+            <a:solidFill>
+              <a:srgbClr val="FFFFFF"/>
+            </a:solidFill>
+          </p:spPr>
+        </p:sp>
+        <p:sp>
+          <p:nvSpPr>
+            <p:cNvPr name="TextBox 7" id="7"/>
+            <p:cNvSpPr txBox="true"/>
+            <p:nvPr/>
+          </p:nvSpPr>
+          <p:spPr>
+            <a:xfrm>
+              <a:off x="0" y="-57150"/>
+              <a:ext cx="3366998" cy="2766483"/>
+            </a:xfrm>
+            <a:prstGeom prst="rect">
+              <a:avLst/>
+            </a:prstGeom>
+          </p:spPr>
+          <p:txBody>
+            <a:bodyPr anchor="ctr" rtlCol="false" tIns="50800" lIns="50800" bIns="50800" rIns="50800"/>
+            <a:lstStyle/>
+            <a:p>
+              <a:pPr algn="ctr">
+                <a:lnSpc>
+                  <a:spcPts val="3511"/>
+                </a:lnSpc>
+              </a:pPr>
+            </a:p>
+          </p:txBody>
+        </p:sp>
+      </p:grpSp>
+      <p:sp>
+        <p:nvSpPr>
+          <p:cNvPr name="Freeform 8" id="8"/>
+          <p:cNvSpPr/>
+          <p:nvPr/>
+        </p:nvSpPr>
+        <p:spPr>
+          <a:xfrm flipH="false" flipV="false" rot="0">
+            <a:off x="16667798" y="0"/>
+            <a:ext cx="1620203" cy="10287000"/>
+          </a:xfrm>
+          <a:custGeom>
+            <a:avLst/>
+            <a:gdLst/>
+            <a:ahLst/>
+            <a:cxnLst/>
+            <a:rect r="r" b="b" t="t" l="l"/>
+            <a:pathLst>
+              <a:path h="10287000" w="1620203">
+                <a:moveTo>
+                  <a:pt x="0" y="0"/>
+                </a:moveTo>
+                <a:lnTo>
+                  <a:pt x="1620202" y="0"/>
+                </a:lnTo>
+                <a:lnTo>
+                  <a:pt x="1620202" y="10287000"/>
+                </a:lnTo>
+                <a:lnTo>
+                  <a:pt x="0" y="10287000"/>
+                </a:lnTo>
+                <a:lnTo>
+                  <a:pt x="0" y="0"/>
+                </a:lnTo>
+                <a:close/>
+              </a:path>
+            </a:pathLst>
+          </a:custGeom>
+          <a:blipFill>
+            <a:blip r:embed="rId2"/>
+            <a:stretch>
+              <a:fillRect l="0" t="0" r="0" b="0"/>
+            </a:stretch>
+          </a:blipFill>
+        </p:spPr>
+      </p:sp>
+      <p:sp>
+        <p:nvSpPr>
+          <p:cNvPr name="TextBox 9" id="9"/>
+          <p:cNvSpPr txBox="true"/>
+          <p:nvPr/>
+        </p:nvSpPr>
+        <p:spPr>
+          <a:xfrm rot="0">
+            <a:off x="406760" y="9463330"/>
+            <a:ext cx="3601190" cy="477520"/>
+          </a:xfrm>
+          <a:prstGeom prst="rect">
+            <a:avLst/>
+          </a:prstGeom>
+        </p:spPr>
+        <p:txBody>
+          <a:bodyPr anchor="t" rtlCol="false" tIns="0" lIns="0" bIns="0" rIns="0">
+            <a:spAutoFit/>
+          </a:bodyPr>
+          <a:lstStyle/>
+          <a:p>
+            <a:pPr algn="l">
+              <a:lnSpc>
+                <a:spcPts val="3680"/>
+              </a:lnSpc>
+              <a:spcBef>
+                <a:spcPct val="0"/>
+              </a:spcBef>
+            </a:pPr>
+            <a:r>
+              <a:rPr lang="en-US" sz="3200">
+                <a:solidFill>
+                  <a:srgbClr val="FFFFFF"/>
+                </a:solidFill>
+                <a:latin typeface="Lato"/>
+                <a:ea typeface="Lato"/>
+                <a:cs typeface="Lato"/>
+                <a:sym typeface="Lato"/>
+              </a:rPr>
+              <a:t>2024/11</a:t>
+            </a:r>
+          </a:p>
+        </p:txBody>
+      </p:sp>
+      <p:sp>
+        <p:nvSpPr>
+          <p:cNvPr name="TextBox 10" id="10"/>
+          <p:cNvSpPr txBox="true"/>
+          <p:nvPr/>
+        </p:nvSpPr>
+        <p:spPr>
+          <a:xfrm rot="0">
+            <a:off x="637923" y="544513"/>
+            <a:ext cx="4063596" cy="863600"/>
+          </a:xfrm>
+          <a:prstGeom prst="rect">
+            <a:avLst/>
+          </a:prstGeom>
+        </p:spPr>
+        <p:txBody>
+          <a:bodyPr anchor="t" rtlCol="false" tIns="0" lIns="0" bIns="0" rIns="0">
+            <a:spAutoFit/>
+          </a:bodyPr>
+          <a:lstStyle/>
+          <a:p>
+            <a:pPr algn="l" marL="0" indent="0" lvl="0">
+              <a:lnSpc>
+                <a:spcPts val="7000"/>
+              </a:lnSpc>
+            </a:pPr>
+            <a:r>
+              <a:rPr lang="en-US" sz="5000" spc="400">
+                <a:solidFill>
+                  <a:srgbClr val="FFFFFF"/>
+                </a:solidFill>
+                <a:latin typeface="Lato"/>
+                <a:ea typeface="Lato"/>
+                <a:cs typeface="Lato"/>
+                <a:sym typeface="Lato"/>
+              </a:rPr>
+              <a:t>3.努力</a:t>
+            </a:r>
+          </a:p>
+        </p:txBody>
+      </p:sp>
+      <p:sp>
+        <p:nvSpPr>
+          <p:cNvPr name="Freeform 11" id="11"/>
+          <p:cNvSpPr/>
+          <p:nvPr/>
+        </p:nvSpPr>
+        <p:spPr>
+          <a:xfrm flipH="false" flipV="false" rot="0">
+            <a:off x="2996534" y="1408112"/>
+            <a:ext cx="7606910" cy="8045692"/>
+          </a:xfrm>
+          <a:custGeom>
+            <a:avLst/>
+            <a:gdLst/>
+            <a:ahLst/>
+            <a:cxnLst/>
+            <a:rect r="r" b="b" t="t" l="l"/>
+            <a:pathLst>
+              <a:path h="8045692" w="7606910">
+                <a:moveTo>
+                  <a:pt x="0" y="0"/>
+                </a:moveTo>
+                <a:lnTo>
+                  <a:pt x="7606911" y="0"/>
+                </a:lnTo>
+                <a:lnTo>
+                  <a:pt x="7606911" y="8045693"/>
+                </a:lnTo>
+                <a:lnTo>
+                  <a:pt x="0" y="8045693"/>
+                </a:lnTo>
+                <a:lnTo>
+                  <a:pt x="0" y="0"/>
+                </a:lnTo>
+                <a:close/>
+              </a:path>
+            </a:pathLst>
+          </a:custGeom>
+          <a:blipFill>
+            <a:blip r:embed="rId3"/>
+            <a:stretch>
+              <a:fillRect l="-2884" t="0" r="-2884" b="0"/>
+            </a:stretch>
+          </a:blipFill>
+        </p:spPr>
+      </p:sp>
+    </p:spTree>
+  </p:cSld>
+  <p:clrMapOvr>
+    <a:masterClrMapping/>
+  </p:clrMapOvr>
+</p:sld>
+</file>
+
+<file path=ppt/slides/slide4.xml><?xml version="1.0" encoding="utf-8"?>
+<p:sld xmlns:p="http://schemas.openxmlformats.org/presentationml/2006/main" xmlns:a="http://schemas.openxmlformats.org/drawingml/2006/main" xmlns:r="http://schemas.openxmlformats.org/officeDocument/2006/relationships">
+  <p:cSld>
+    <p:spTree>
+      <p:nvGrpSpPr>
+        <p:cNvPr id="1" name=""/>
+        <p:cNvGrpSpPr/>
+        <p:nvPr/>
+      </p:nvGrpSpPr>
+      <p:grpSpPr>
+        <a:xfrm>
+          <a:off x="0" y="0"/>
+          <a:ext cx="0" cy="0"/>
+          <a:chOff x="0" y="0"/>
+          <a:chExt cx="0" cy="0"/>
+        </a:xfrm>
+      </p:grpSpPr>
+      <p:grpSp>
+        <p:nvGrpSpPr>
+          <p:cNvPr name="Group 2" id="2"/>
+          <p:cNvGrpSpPr/>
+          <p:nvPr/>
+        </p:nvGrpSpPr>
+        <p:grpSpPr>
+          <a:xfrm rot="0">
+            <a:off x="0" y="0"/>
+            <a:ext cx="12784071" cy="10287000"/>
+            <a:chOff x="0" y="0"/>
+            <a:chExt cx="3366998" cy="2709333"/>
+          </a:xfrm>
+        </p:grpSpPr>
+        <p:sp>
+          <p:nvSpPr>
+            <p:cNvPr name="Freeform 3" id="3"/>
+            <p:cNvSpPr/>
+            <p:nvPr/>
+          </p:nvSpPr>
+          <p:spPr>
+            <a:xfrm flipH="false" flipV="false" rot="0">
+              <a:off x="0" y="0"/>
+              <a:ext cx="3366998" cy="2709333"/>
+            </a:xfrm>
+            <a:custGeom>
+              <a:avLst/>
+              <a:gdLst/>
+              <a:ahLst/>
+              <a:cxnLst/>
+              <a:rect r="r" b="b" t="t" l="l"/>
+              <a:pathLst>
+                <a:path h="2709333" w="3366998">
+                  <a:moveTo>
+                    <a:pt x="0" y="0"/>
+                  </a:moveTo>
+                  <a:lnTo>
+                    <a:pt x="3366998" y="0"/>
+                  </a:lnTo>
+                  <a:lnTo>
+                    <a:pt x="3366998" y="2709333"/>
+                  </a:lnTo>
+                  <a:lnTo>
+                    <a:pt x="0" y="2709333"/>
+                  </a:lnTo>
+                  <a:close/>
+                </a:path>
+              </a:pathLst>
+            </a:custGeom>
+            <a:solidFill>
+              <a:srgbClr val="435F74"/>
+            </a:solidFill>
+          </p:spPr>
+        </p:sp>
+        <p:sp>
+          <p:nvSpPr>
+            <p:cNvPr name="TextBox 4" id="4"/>
+            <p:cNvSpPr txBox="true"/>
+            <p:nvPr/>
+          </p:nvSpPr>
+          <p:spPr>
+            <a:xfrm>
+              <a:off x="0" y="-57150"/>
+              <a:ext cx="3366998" cy="2766483"/>
+            </a:xfrm>
+            <a:prstGeom prst="rect">
+              <a:avLst/>
+            </a:prstGeom>
+          </p:spPr>
+          <p:txBody>
+            <a:bodyPr anchor="ctr" rtlCol="false" tIns="50800" lIns="50800" bIns="50800" rIns="50800"/>
+            <a:lstStyle/>
+            <a:p>
+              <a:pPr algn="ctr">
+                <a:lnSpc>
+                  <a:spcPts val="3511"/>
+                </a:lnSpc>
+              </a:pPr>
+            </a:p>
+          </p:txBody>
+        </p:sp>
+      </p:grpSp>
+      <p:sp>
+        <p:nvSpPr>
+          <p:cNvPr name="Freeform 5" id="5"/>
+          <p:cNvSpPr/>
+          <p:nvPr/>
+        </p:nvSpPr>
+        <p:spPr>
+          <a:xfrm flipH="false" flipV="false" rot="0">
+            <a:off x="16667798" y="0"/>
+            <a:ext cx="1620203" cy="10287000"/>
+          </a:xfrm>
+          <a:custGeom>
+            <a:avLst/>
+            <a:gdLst/>
+            <a:ahLst/>
+            <a:cxnLst/>
+            <a:rect r="r" b="b" t="t" l="l"/>
+            <a:pathLst>
+              <a:path h="10287000" w="1620203">
+                <a:moveTo>
+                  <a:pt x="0" y="0"/>
+                </a:moveTo>
+                <a:lnTo>
+                  <a:pt x="1620202" y="0"/>
+                </a:lnTo>
+                <a:lnTo>
+                  <a:pt x="1620202" y="10287000"/>
+                </a:lnTo>
+                <a:lnTo>
+                  <a:pt x="0" y="10287000"/>
+                </a:lnTo>
+                <a:lnTo>
+                  <a:pt x="0" y="0"/>
+                </a:lnTo>
+                <a:close/>
+              </a:path>
+            </a:pathLst>
+          </a:custGeom>
+          <a:blipFill>
+            <a:blip r:embed="rId2"/>
+            <a:stretch>
+              <a:fillRect l="0" t="0" r="0" b="0"/>
+            </a:stretch>
+          </a:blipFill>
+        </p:spPr>
+      </p:sp>
+      <p:sp>
+        <p:nvSpPr>
+          <p:cNvPr name="TextBox 6" id="6"/>
+          <p:cNvSpPr txBox="true"/>
+          <p:nvPr/>
+        </p:nvSpPr>
+        <p:spPr>
+          <a:xfrm rot="0">
+            <a:off x="406760" y="9463330"/>
+            <a:ext cx="3601190" cy="477520"/>
+          </a:xfrm>
+          <a:prstGeom prst="rect">
+            <a:avLst/>
+          </a:prstGeom>
+        </p:spPr>
+        <p:txBody>
+          <a:bodyPr anchor="t" rtlCol="false" tIns="0" lIns="0" bIns="0" rIns="0">
+            <a:spAutoFit/>
+          </a:bodyPr>
+          <a:lstStyle/>
+          <a:p>
+            <a:pPr algn="l">
+              <a:lnSpc>
+                <a:spcPts val="3680"/>
+              </a:lnSpc>
+              <a:spcBef>
+                <a:spcPct val="0"/>
+              </a:spcBef>
+            </a:pPr>
+            <a:r>
+              <a:rPr lang="en-US" sz="3200">
+                <a:solidFill>
+                  <a:srgbClr val="FFFFFF"/>
+                </a:solidFill>
+                <a:latin typeface="Lato"/>
+                <a:ea typeface="Lato"/>
+                <a:cs typeface="Lato"/>
+                <a:sym typeface="Lato"/>
+              </a:rPr>
+              <a:t>2024/11</a:t>
+            </a:r>
+          </a:p>
+        </p:txBody>
+      </p:sp>
+      <p:sp>
+        <p:nvSpPr>
+          <p:cNvPr name="TextBox 7" id="7"/>
+          <p:cNvSpPr txBox="true"/>
+          <p:nvPr/>
+        </p:nvSpPr>
+        <p:spPr>
+          <a:xfrm rot="0">
+            <a:off x="637923" y="544513"/>
+            <a:ext cx="4063596" cy="863600"/>
+          </a:xfrm>
+          <a:prstGeom prst="rect">
+            <a:avLst/>
+          </a:prstGeom>
+        </p:spPr>
+        <p:txBody>
+          <a:bodyPr anchor="t" rtlCol="false" tIns="0" lIns="0" bIns="0" rIns="0">
+            <a:spAutoFit/>
+          </a:bodyPr>
+          <a:lstStyle/>
+          <a:p>
+            <a:pPr algn="l" marL="0" indent="0" lvl="0">
+              <a:lnSpc>
+                <a:spcPts val="7000"/>
+              </a:lnSpc>
+            </a:pPr>
+            <a:r>
+              <a:rPr lang="en-US" sz="5000" spc="400">
+                <a:solidFill>
+                  <a:srgbClr val="FFFFFF"/>
+                </a:solidFill>
+                <a:latin typeface="Lato"/>
+                <a:ea typeface="Lato"/>
+                <a:cs typeface="Lato"/>
+                <a:sym typeface="Lato"/>
+              </a:rPr>
+              <a:t>4.結果</a:t>
+            </a:r>
+          </a:p>
+        </p:txBody>
+      </p:sp>
+      <p:sp>
+        <p:nvSpPr>
+          <p:cNvPr name="Freeform 8" id="8"/>
+          <p:cNvSpPr/>
+          <p:nvPr/>
+        </p:nvSpPr>
+        <p:spPr>
+          <a:xfrm flipH="false" flipV="false" rot="0">
+            <a:off x="2996534" y="1408112"/>
+            <a:ext cx="7606910" cy="8045692"/>
+          </a:xfrm>
+          <a:custGeom>
+            <a:avLst/>
+            <a:gdLst/>
+            <a:ahLst/>
+            <a:cxnLst/>
+            <a:rect r="r" b="b" t="t" l="l"/>
+            <a:pathLst>
+              <a:path h="8045692" w="7606910">
+                <a:moveTo>
+                  <a:pt x="0" y="0"/>
+                </a:moveTo>
+                <a:lnTo>
+                  <a:pt x="7606911" y="0"/>
+                </a:lnTo>
+                <a:lnTo>
+                  <a:pt x="7606911" y="8045693"/>
+                </a:lnTo>
+                <a:lnTo>
+                  <a:pt x="0" y="8045693"/>
+                </a:lnTo>
+                <a:lnTo>
+                  <a:pt x="0" y="0"/>
+                </a:lnTo>
+                <a:close/>
+              </a:path>
+            </a:pathLst>
+          </a:custGeom>
+          <a:blipFill>
+            <a:blip r:embed="rId3"/>
+            <a:stretch>
+              <a:fillRect l="-2884" t="0" r="-2884" b="0"/>
+            </a:stretch>
+          </a:blipFill>
+        </p:spPr>
+      </p:sp>
+    </p:spTree>
+  </p:cSld>
+  <p:clrMapOvr>
+    <a:masterClrMapping/>
+  </p:clrMapOvr>
+</p:sld>
+</file>
+
+<file path=ppt/slides/slide5.xml><?xml version="1.0" encoding="utf-8"?>
+<p:sld xmlns:p="http://schemas.openxmlformats.org/presentationml/2006/main" xmlns:a="http://schemas.openxmlformats.org/drawingml/2006/main" xmlns:r="http://schemas.openxmlformats.org/officeDocument/2006/relationships">
+  <p:cSld>
+    <p:spTree>
+      <p:nvGrpSpPr>
+        <p:cNvPr id="1" name=""/>
+        <p:cNvGrpSpPr/>
+        <p:nvPr/>
+      </p:nvGrpSpPr>
+      <p:grpSpPr>
+        <a:xfrm>
+          <a:off x="0" y="0"/>
+          <a:ext cx="0" cy="0"/>
+          <a:chOff x="0" y="0"/>
+          <a:chExt cx="0" cy="0"/>
+        </a:xfrm>
+      </p:grpSpPr>
+      <p:grpSp>
+        <p:nvGrpSpPr>
+          <p:cNvPr name="Group 2" id="2"/>
+          <p:cNvGrpSpPr/>
+          <p:nvPr/>
+        </p:nvGrpSpPr>
+        <p:grpSpPr>
+          <a:xfrm rot="0">
+            <a:off x="0" y="0"/>
+            <a:ext cx="12784071" cy="10287000"/>
+            <a:chOff x="0" y="0"/>
+            <a:chExt cx="3366998" cy="2709333"/>
+          </a:xfrm>
+        </p:grpSpPr>
+        <p:sp>
+          <p:nvSpPr>
+            <p:cNvPr name="Freeform 3" id="3"/>
+            <p:cNvSpPr/>
+            <p:nvPr/>
+          </p:nvSpPr>
+          <p:spPr>
+            <a:xfrm flipH="false" flipV="false" rot="0">
+              <a:off x="0" y="0"/>
+              <a:ext cx="3366998" cy="2709333"/>
+            </a:xfrm>
+            <a:custGeom>
+              <a:avLst/>
+              <a:gdLst/>
+              <a:ahLst/>
+              <a:cxnLst/>
+              <a:rect r="r" b="b" t="t" l="l"/>
+              <a:pathLst>
+                <a:path h="2709333" w="3366998">
+                  <a:moveTo>
+                    <a:pt x="0" y="0"/>
+                  </a:moveTo>
+                  <a:lnTo>
+                    <a:pt x="3366998" y="0"/>
+                  </a:lnTo>
+                  <a:lnTo>
+                    <a:pt x="3366998" y="2709333"/>
+                  </a:lnTo>
+                  <a:lnTo>
+                    <a:pt x="0" y="2709333"/>
+                  </a:lnTo>
+                  <a:close/>
+                </a:path>
+              </a:pathLst>
+            </a:custGeom>
+            <a:solidFill>
+              <a:srgbClr val="435F74"/>
+            </a:solidFill>
+          </p:spPr>
+        </p:sp>
+        <p:sp>
+          <p:nvSpPr>
+            <p:cNvPr name="TextBox 4" id="4"/>
+            <p:cNvSpPr txBox="true"/>
+            <p:nvPr/>
+          </p:nvSpPr>
+          <p:spPr>
+            <a:xfrm>
+              <a:off x="0" y="-57150"/>
+              <a:ext cx="3366998" cy="2766483"/>
+            </a:xfrm>
+            <a:prstGeom prst="rect">
+              <a:avLst/>
+            </a:prstGeom>
+          </p:spPr>
+          <p:txBody>
+            <a:bodyPr anchor="ctr" rtlCol="false" tIns="50800" lIns="50800" bIns="50800" rIns="50800"/>
+            <a:lstStyle/>
+            <a:p>
+              <a:pPr algn="ctr">
+                <a:lnSpc>
+                  <a:spcPts val="3511"/>
+                </a:lnSpc>
+              </a:pPr>
+            </a:p>
+          </p:txBody>
+        </p:sp>
+      </p:grpSp>
+      <p:sp>
+        <p:nvSpPr>
+          <p:cNvPr name="Freeform 5" id="5"/>
+          <p:cNvSpPr/>
+          <p:nvPr/>
+        </p:nvSpPr>
+        <p:spPr>
+          <a:xfrm flipH="false" flipV="false" rot="0">
+            <a:off x="16667798" y="0"/>
+            <a:ext cx="1620203" cy="10287000"/>
+          </a:xfrm>
+          <a:custGeom>
+            <a:avLst/>
+            <a:gdLst/>
+            <a:ahLst/>
+            <a:cxnLst/>
+            <a:rect r="r" b="b" t="t" l="l"/>
+            <a:pathLst>
+              <a:path h="10287000" w="1620203">
+                <a:moveTo>
+                  <a:pt x="0" y="0"/>
+                </a:moveTo>
+                <a:lnTo>
+                  <a:pt x="1620202" y="0"/>
+                </a:lnTo>
+                <a:lnTo>
+                  <a:pt x="1620202" y="10287000"/>
+                </a:lnTo>
+                <a:lnTo>
+                  <a:pt x="0" y="10287000"/>
+                </a:lnTo>
+                <a:lnTo>
+                  <a:pt x="0" y="0"/>
+                </a:lnTo>
+                <a:close/>
+              </a:path>
+            </a:pathLst>
+          </a:custGeom>
+          <a:blipFill>
+            <a:blip r:embed="rId2"/>
+            <a:stretch>
+              <a:fillRect l="0" t="0" r="0" b="0"/>
+            </a:stretch>
+          </a:blipFill>
+        </p:spPr>
+      </p:sp>
+      <p:sp>
+        <p:nvSpPr>
+          <p:cNvPr name="TextBox 6" id="6"/>
+          <p:cNvSpPr txBox="true"/>
+          <p:nvPr/>
+        </p:nvSpPr>
+        <p:spPr>
+          <a:xfrm rot="0">
+            <a:off x="406760" y="9463330"/>
+            <a:ext cx="3601190" cy="477520"/>
+          </a:xfrm>
+          <a:prstGeom prst="rect">
+            <a:avLst/>
+          </a:prstGeom>
+        </p:spPr>
+        <p:txBody>
+          <a:bodyPr anchor="t" rtlCol="false" tIns="0" lIns="0" bIns="0" rIns="0">
+            <a:spAutoFit/>
+          </a:bodyPr>
+          <a:lstStyle/>
+          <a:p>
+            <a:pPr algn="l">
+              <a:lnSpc>
+                <a:spcPts val="3680"/>
+              </a:lnSpc>
+              <a:spcBef>
+                <a:spcPct val="0"/>
+              </a:spcBef>
+            </a:pPr>
+            <a:r>
+              <a:rPr lang="en-US" sz="3200">
+                <a:solidFill>
+                  <a:srgbClr val="FFFFFF"/>
+                </a:solidFill>
+                <a:latin typeface="Lato"/>
+                <a:ea typeface="Lato"/>
+                <a:cs typeface="Lato"/>
+                <a:sym typeface="Lato"/>
+              </a:rPr>
+              <a:t>2024/11</a:t>
+            </a:r>
+          </a:p>
+        </p:txBody>
+      </p:sp>
+      <p:sp>
+        <p:nvSpPr>
+          <p:cNvPr name="TextBox 7" id="7"/>
+          <p:cNvSpPr txBox="true"/>
+          <p:nvPr/>
+        </p:nvSpPr>
+        <p:spPr>
+          <a:xfrm rot="0">
+            <a:off x="637923" y="544513"/>
+            <a:ext cx="4063596" cy="863600"/>
+          </a:xfrm>
+          <a:prstGeom prst="rect">
+            <a:avLst/>
+          </a:prstGeom>
+        </p:spPr>
+        <p:txBody>
+          <a:bodyPr anchor="t" rtlCol="false" tIns="0" lIns="0" bIns="0" rIns="0">
+            <a:spAutoFit/>
+          </a:bodyPr>
+          <a:lstStyle/>
+          <a:p>
+            <a:pPr algn="l" marL="0" indent="0" lvl="0">
+              <a:lnSpc>
+                <a:spcPts val="7000"/>
+              </a:lnSpc>
+            </a:pPr>
+            <a:r>
+              <a:rPr lang="en-US" sz="5000" spc="400">
+                <a:solidFill>
+                  <a:srgbClr val="FFFFFF"/>
+                </a:solidFill>
+                <a:latin typeface="Lato"/>
+                <a:ea typeface="Lato"/>
+                <a:cs typeface="Lato"/>
+                <a:sym typeface="Lato"/>
+              </a:rPr>
+              <a:t>5.意外</a:t>
+            </a:r>
+          </a:p>
+        </p:txBody>
+      </p:sp>
+      <p:sp>
+        <p:nvSpPr>
+          <p:cNvPr name="Freeform 8" id="8"/>
+          <p:cNvSpPr/>
+          <p:nvPr/>
+        </p:nvSpPr>
+        <p:spPr>
+          <a:xfrm flipH="false" flipV="false" rot="0">
+            <a:off x="2996534" y="1408112"/>
+            <a:ext cx="7606910" cy="8045692"/>
+          </a:xfrm>
+          <a:custGeom>
+            <a:avLst/>
+            <a:gdLst/>
+            <a:ahLst/>
+            <a:cxnLst/>
+            <a:rect r="r" b="b" t="t" l="l"/>
+            <a:pathLst>
+              <a:path h="8045692" w="7606910">
+                <a:moveTo>
+                  <a:pt x="0" y="0"/>
+                </a:moveTo>
+                <a:lnTo>
+                  <a:pt x="7606911" y="0"/>
+                </a:lnTo>
+                <a:lnTo>
+                  <a:pt x="7606911" y="8045693"/>
+                </a:lnTo>
+                <a:lnTo>
+                  <a:pt x="0" y="8045693"/>
+                </a:lnTo>
+                <a:lnTo>
+                  <a:pt x="0" y="0"/>
+                </a:lnTo>
+                <a:close/>
+              </a:path>
+            </a:pathLst>
+          </a:custGeom>
+          <a:blipFill>
+            <a:blip r:embed="rId3"/>
+            <a:stretch>
+              <a:fillRect l="-2884" t="0" r="-2884" b="0"/>
+            </a:stretch>
+          </a:blipFill>
+        </p:spPr>
+      </p:sp>
+    </p:spTree>
+  </p:cSld>
+  <p:clrMapOvr>
+    <a:masterClrMapping/>
+  </p:clrMapOvr>
+</p:sld>
+</file>
+
+<file path=ppt/slides/slide6.xml><?xml version="1.0" encoding="utf-8"?>
+<p:sld xmlns:p="http://schemas.openxmlformats.org/presentationml/2006/main" xmlns:a="http://schemas.openxmlformats.org/drawingml/2006/main" xmlns:r="http://schemas.openxmlformats.org/officeDocument/2006/relationships">
+  <p:cSld>
+    <p:spTree>
+      <p:nvGrpSpPr>
+        <p:cNvPr id="1" name=""/>
+        <p:cNvGrpSpPr/>
+        <p:nvPr/>
+      </p:nvGrpSpPr>
+      <p:grpSpPr>
+        <a:xfrm>
+          <a:off x="0" y="0"/>
+          <a:ext cx="0" cy="0"/>
+          <a:chOff x="0" y="0"/>
+          <a:chExt cx="0" cy="0"/>
+        </a:xfrm>
+      </p:grpSpPr>
+      <p:grpSp>
+        <p:nvGrpSpPr>
+          <p:cNvPr name="Group 2" id="2"/>
+          <p:cNvGrpSpPr/>
+          <p:nvPr/>
+        </p:nvGrpSpPr>
+        <p:grpSpPr>
+          <a:xfrm rot="0">
+            <a:off x="0" y="0"/>
+            <a:ext cx="12784071" cy="10287000"/>
+            <a:chOff x="0" y="0"/>
+            <a:chExt cx="3366998" cy="2709333"/>
+          </a:xfrm>
+        </p:grpSpPr>
+        <p:sp>
+          <p:nvSpPr>
+            <p:cNvPr name="Freeform 3" id="3"/>
+            <p:cNvSpPr/>
+            <p:nvPr/>
+          </p:nvSpPr>
+          <p:spPr>
+            <a:xfrm flipH="false" flipV="false" rot="0">
+              <a:off x="0" y="0"/>
+              <a:ext cx="3366998" cy="2709333"/>
+            </a:xfrm>
+            <a:custGeom>
+              <a:avLst/>
+              <a:gdLst/>
+              <a:ahLst/>
+              <a:cxnLst/>
+              <a:rect r="r" b="b" t="t" l="l"/>
+              <a:pathLst>
+                <a:path h="2709333" w="3366998">
+                  <a:moveTo>
+                    <a:pt x="0" y="0"/>
+                  </a:moveTo>
+                  <a:lnTo>
+                    <a:pt x="3366998" y="0"/>
+                  </a:lnTo>
+                  <a:lnTo>
+                    <a:pt x="3366998" y="2709333"/>
+                  </a:lnTo>
+                  <a:lnTo>
+                    <a:pt x="0" y="2709333"/>
+                  </a:lnTo>
+                  <a:close/>
+                </a:path>
+              </a:pathLst>
+            </a:custGeom>
+            <a:solidFill>
+              <a:srgbClr val="435F74"/>
+            </a:solidFill>
+          </p:spPr>
+        </p:sp>
+        <p:sp>
+          <p:nvSpPr>
+            <p:cNvPr name="TextBox 4" id="4"/>
+            <p:cNvSpPr txBox="true"/>
+            <p:nvPr/>
+          </p:nvSpPr>
+          <p:spPr>
+            <a:xfrm>
+              <a:off x="0" y="-57150"/>
+              <a:ext cx="3366998" cy="2766483"/>
+            </a:xfrm>
+            <a:prstGeom prst="rect">
+              <a:avLst/>
+            </a:prstGeom>
+          </p:spPr>
+          <p:txBody>
+            <a:bodyPr anchor="ctr" rtlCol="false" tIns="50800" lIns="50800" bIns="50800" rIns="50800"/>
+            <a:lstStyle/>
+            <a:p>
+              <a:pPr algn="ctr">
+                <a:lnSpc>
+                  <a:spcPts val="3511"/>
+                </a:lnSpc>
+              </a:pPr>
+            </a:p>
+          </p:txBody>
+        </p:sp>
+      </p:grpSp>
+      <p:sp>
+        <p:nvSpPr>
+          <p:cNvPr name="Freeform 5" id="5"/>
+          <p:cNvSpPr/>
+          <p:nvPr/>
+        </p:nvSpPr>
+        <p:spPr>
+          <a:xfrm flipH="false" flipV="false" rot="0">
+            <a:off x="16667798" y="0"/>
+            <a:ext cx="1620203" cy="10287000"/>
+          </a:xfrm>
+          <a:custGeom>
+            <a:avLst/>
+            <a:gdLst/>
+            <a:ahLst/>
+            <a:cxnLst/>
+            <a:rect r="r" b="b" t="t" l="l"/>
+            <a:pathLst>
+              <a:path h="10287000" w="1620203">
+                <a:moveTo>
+                  <a:pt x="0" y="0"/>
+                </a:moveTo>
+                <a:lnTo>
+                  <a:pt x="1620202" y="0"/>
+                </a:lnTo>
+                <a:lnTo>
+                  <a:pt x="1620202" y="10287000"/>
+                </a:lnTo>
+                <a:lnTo>
+                  <a:pt x="0" y="10287000"/>
+                </a:lnTo>
+                <a:lnTo>
+                  <a:pt x="0" y="0"/>
+                </a:lnTo>
+                <a:close/>
+              </a:path>
+            </a:pathLst>
+          </a:custGeom>
+          <a:blipFill>
+            <a:blip r:embed="rId2"/>
+            <a:stretch>
+              <a:fillRect l="0" t="0" r="0" b="0"/>
+            </a:stretch>
+          </a:blipFill>
+        </p:spPr>
+      </p:sp>
+      <p:sp>
+        <p:nvSpPr>
+          <p:cNvPr name="TextBox 6" id="6"/>
+          <p:cNvSpPr txBox="true"/>
+          <p:nvPr/>
+        </p:nvSpPr>
+        <p:spPr>
+          <a:xfrm rot="0">
+            <a:off x="406760" y="9463330"/>
+            <a:ext cx="3601190" cy="477520"/>
+          </a:xfrm>
+          <a:prstGeom prst="rect">
+            <a:avLst/>
+          </a:prstGeom>
+        </p:spPr>
+        <p:txBody>
+          <a:bodyPr anchor="t" rtlCol="false" tIns="0" lIns="0" bIns="0" rIns="0">
+            <a:spAutoFit/>
+          </a:bodyPr>
+          <a:lstStyle/>
+          <a:p>
+            <a:pPr algn="l">
+              <a:lnSpc>
+                <a:spcPts val="3680"/>
+              </a:lnSpc>
+              <a:spcBef>
+                <a:spcPct val="0"/>
+              </a:spcBef>
+            </a:pPr>
+            <a:r>
+              <a:rPr lang="en-US" sz="3200">
+                <a:solidFill>
+                  <a:srgbClr val="FFFFFF"/>
+                </a:solidFill>
+                <a:latin typeface="Lato"/>
+                <a:ea typeface="Lato"/>
+                <a:cs typeface="Lato"/>
+                <a:sym typeface="Lato"/>
+              </a:rPr>
+              <a:t>2024/11</a:t>
+            </a:r>
+          </a:p>
+        </p:txBody>
+      </p:sp>
+      <p:sp>
+        <p:nvSpPr>
+          <p:cNvPr name="TextBox 7" id="7"/>
+          <p:cNvSpPr txBox="true"/>
+          <p:nvPr/>
+        </p:nvSpPr>
+        <p:spPr>
+          <a:xfrm rot="0">
+            <a:off x="637923" y="544513"/>
+            <a:ext cx="4063596" cy="863600"/>
+          </a:xfrm>
+          <a:prstGeom prst="rect">
+            <a:avLst/>
+          </a:prstGeom>
+        </p:spPr>
+        <p:txBody>
+          <a:bodyPr anchor="t" rtlCol="false" tIns="0" lIns="0" bIns="0" rIns="0">
+            <a:spAutoFit/>
+          </a:bodyPr>
+          <a:lstStyle/>
+          <a:p>
+            <a:pPr algn="l" marL="0" indent="0" lvl="0">
+              <a:lnSpc>
+                <a:spcPts val="7000"/>
+              </a:lnSpc>
+            </a:pPr>
+            <a:r>
+              <a:rPr lang="en-US" sz="5000" spc="400">
+                <a:solidFill>
+                  <a:srgbClr val="FFFFFF"/>
+                </a:solidFill>
+                <a:latin typeface="Lato"/>
+                <a:ea typeface="Lato"/>
+                <a:cs typeface="Lato"/>
+                <a:sym typeface="Lato"/>
+              </a:rPr>
+              <a:t>6.轉彎</a:t>
+            </a:r>
+          </a:p>
+        </p:txBody>
+      </p:sp>
+      <p:sp>
+        <p:nvSpPr>
+          <p:cNvPr name="Freeform 8" id="8"/>
+          <p:cNvSpPr/>
+          <p:nvPr/>
+        </p:nvSpPr>
+        <p:spPr>
+          <a:xfrm flipH="false" flipV="false" rot="0">
+            <a:off x="2996534" y="1408112"/>
+            <a:ext cx="7606910" cy="8045692"/>
+          </a:xfrm>
+          <a:custGeom>
+            <a:avLst/>
+            <a:gdLst/>
+            <a:ahLst/>
+            <a:cxnLst/>
+            <a:rect r="r" b="b" t="t" l="l"/>
+            <a:pathLst>
+              <a:path h="8045692" w="7606910">
+                <a:moveTo>
+                  <a:pt x="0" y="0"/>
+                </a:moveTo>
+                <a:lnTo>
+                  <a:pt x="7606911" y="0"/>
+                </a:lnTo>
+                <a:lnTo>
+                  <a:pt x="7606911" y="8045693"/>
+                </a:lnTo>
+                <a:lnTo>
+                  <a:pt x="0" y="8045693"/>
+                </a:lnTo>
+                <a:lnTo>
+                  <a:pt x="0" y="0"/>
+                </a:lnTo>
+                <a:close/>
+              </a:path>
+            </a:pathLst>
+          </a:custGeom>
+          <a:blipFill>
+            <a:blip r:embed="rId3"/>
+            <a:stretch>
+              <a:fillRect l="-2884" t="0" r="-2884" b="0"/>
+            </a:stretch>
+          </a:blipFill>
+        </p:spPr>
+      </p:sp>
+    </p:spTree>
+  </p:cSld>
+  <p:clrMapOvr>
+    <a:masterClrMapping/>
+  </p:clrMapOvr>
+</p:sld>
+</file>
+
+<file path=ppt/slides/slide7.xml><?xml version="1.0" encoding="utf-8"?>
+<p:sld xmlns:p="http://schemas.openxmlformats.org/presentationml/2006/main" xmlns:a="http://schemas.openxmlformats.org/drawingml/2006/main" xmlns:r="http://schemas.openxmlformats.org/officeDocument/2006/relationships">
+  <p:cSld>
+    <p:spTree>
+      <p:nvGrpSpPr>
+        <p:cNvPr id="1" name=""/>
+        <p:cNvGrpSpPr/>
+        <p:nvPr/>
+      </p:nvGrpSpPr>
+      <p:grpSpPr>
+        <a:xfrm>
+          <a:off x="0" y="0"/>
+          <a:ext cx="0" cy="0"/>
+          <a:chOff x="0" y="0"/>
+          <a:chExt cx="0" cy="0"/>
+        </a:xfrm>
+      </p:grpSpPr>
+      <p:grpSp>
+        <p:nvGrpSpPr>
+          <p:cNvPr name="Group 2" id="2"/>
+          <p:cNvGrpSpPr/>
+          <p:nvPr/>
+        </p:nvGrpSpPr>
+        <p:grpSpPr>
+          <a:xfrm rot="0">
+            <a:off x="0" y="0"/>
+            <a:ext cx="12784071" cy="10287000"/>
+            <a:chOff x="0" y="0"/>
+            <a:chExt cx="3366998" cy="2709333"/>
+          </a:xfrm>
+        </p:grpSpPr>
+        <p:sp>
+          <p:nvSpPr>
+            <p:cNvPr name="Freeform 3" id="3"/>
+            <p:cNvSpPr/>
+            <p:nvPr/>
+          </p:nvSpPr>
+          <p:spPr>
+            <a:xfrm flipH="false" flipV="false" rot="0">
+              <a:off x="0" y="0"/>
+              <a:ext cx="3366998" cy="2709333"/>
+            </a:xfrm>
+            <a:custGeom>
+              <a:avLst/>
+              <a:gdLst/>
+              <a:ahLst/>
+              <a:cxnLst/>
+              <a:rect r="r" b="b" t="t" l="l"/>
+              <a:pathLst>
+                <a:path h="2709333" w="3366998">
+                  <a:moveTo>
+                    <a:pt x="0" y="0"/>
+                  </a:moveTo>
+                  <a:lnTo>
+                    <a:pt x="3366998" y="0"/>
+                  </a:lnTo>
+                  <a:lnTo>
+                    <a:pt x="3366998" y="2709333"/>
+                  </a:lnTo>
+                  <a:lnTo>
+                    <a:pt x="0" y="2709333"/>
+                  </a:lnTo>
+                  <a:close/>
+                </a:path>
+              </a:pathLst>
+            </a:custGeom>
+            <a:solidFill>
+              <a:srgbClr val="435F74"/>
+            </a:solidFill>
+          </p:spPr>
+        </p:sp>
+        <p:sp>
+          <p:nvSpPr>
+            <p:cNvPr name="TextBox 4" id="4"/>
+            <p:cNvSpPr txBox="true"/>
+            <p:nvPr/>
+          </p:nvSpPr>
+          <p:spPr>
+            <a:xfrm>
+              <a:off x="0" y="-57150"/>
+              <a:ext cx="3366998" cy="2766483"/>
+            </a:xfrm>
+            <a:prstGeom prst="rect">
+              <a:avLst/>
+            </a:prstGeom>
+          </p:spPr>
+          <p:txBody>
+            <a:bodyPr anchor="ctr" rtlCol="false" tIns="50800" lIns="50800" bIns="50800" rIns="50800"/>
+            <a:lstStyle/>
+            <a:p>
+              <a:pPr algn="ctr">
+                <a:lnSpc>
+                  <a:spcPts val="3511"/>
+                </a:lnSpc>
+              </a:pPr>
+            </a:p>
+          </p:txBody>
+        </p:sp>
+      </p:grpSp>
+      <p:sp>
+        <p:nvSpPr>
+          <p:cNvPr name="Freeform 5" id="5"/>
+          <p:cNvSpPr/>
+          <p:nvPr/>
+        </p:nvSpPr>
+        <p:spPr>
+          <a:xfrm flipH="false" flipV="false" rot="0">
+            <a:off x="16667798" y="0"/>
+            <a:ext cx="1620203" cy="10287000"/>
+          </a:xfrm>
+          <a:custGeom>
+            <a:avLst/>
+            <a:gdLst/>
+            <a:ahLst/>
+            <a:cxnLst/>
+            <a:rect r="r" b="b" t="t" l="l"/>
+            <a:pathLst>
+              <a:path h="10287000" w="1620203">
+                <a:moveTo>
+                  <a:pt x="0" y="0"/>
+                </a:moveTo>
+                <a:lnTo>
+                  <a:pt x="1620202" y="0"/>
+                </a:lnTo>
+                <a:lnTo>
+                  <a:pt x="1620202" y="10287000"/>
+                </a:lnTo>
+                <a:lnTo>
+                  <a:pt x="0" y="10287000"/>
+                </a:lnTo>
+                <a:lnTo>
+                  <a:pt x="0" y="0"/>
+                </a:lnTo>
+                <a:close/>
+              </a:path>
+            </a:pathLst>
+          </a:custGeom>
+          <a:blipFill>
+            <a:blip r:embed="rId2"/>
+            <a:stretch>
+              <a:fillRect l="0" t="0" r="0" b="0"/>
+            </a:stretch>
+          </a:blipFill>
+        </p:spPr>
+      </p:sp>
+      <p:sp>
+        <p:nvSpPr>
+          <p:cNvPr name="TextBox 6" id="6"/>
+          <p:cNvSpPr txBox="true"/>
+          <p:nvPr/>
+        </p:nvSpPr>
+        <p:spPr>
+          <a:xfrm rot="0">
+            <a:off x="406760" y="9463330"/>
+            <a:ext cx="3601190" cy="477520"/>
+          </a:xfrm>
+          <a:prstGeom prst="rect">
+            <a:avLst/>
+          </a:prstGeom>
+        </p:spPr>
+        <p:txBody>
+          <a:bodyPr anchor="t" rtlCol="false" tIns="0" lIns="0" bIns="0" rIns="0">
+            <a:spAutoFit/>
+          </a:bodyPr>
+          <a:lstStyle/>
+          <a:p>
+            <a:pPr algn="l">
+              <a:lnSpc>
+                <a:spcPts val="3680"/>
+              </a:lnSpc>
+              <a:spcBef>
+                <a:spcPct val="0"/>
+              </a:spcBef>
+            </a:pPr>
+            <a:r>
+              <a:rPr lang="en-US" sz="3200">
+                <a:solidFill>
+                  <a:srgbClr val="FFFFFF"/>
+                </a:solidFill>
+                <a:latin typeface="Lato"/>
+                <a:ea typeface="Lato"/>
+                <a:cs typeface="Lato"/>
+                <a:sym typeface="Lato"/>
+              </a:rPr>
+              <a:t>2024/11</a:t>
+            </a:r>
+          </a:p>
+        </p:txBody>
+      </p:sp>
+      <p:sp>
+        <p:nvSpPr>
+          <p:cNvPr name="TextBox 7" id="7"/>
+          <p:cNvSpPr txBox="true"/>
+          <p:nvPr/>
+        </p:nvSpPr>
+        <p:spPr>
+          <a:xfrm rot="0">
+            <a:off x="637923" y="544513"/>
+            <a:ext cx="4063596" cy="863600"/>
+          </a:xfrm>
+          <a:prstGeom prst="rect">
+            <a:avLst/>
+          </a:prstGeom>
+        </p:spPr>
+        <p:txBody>
+          <a:bodyPr anchor="t" rtlCol="false" tIns="0" lIns="0" bIns="0" rIns="0">
+            <a:spAutoFit/>
+          </a:bodyPr>
+          <a:lstStyle/>
+          <a:p>
+            <a:pPr algn="l" marL="0" indent="0" lvl="0">
+              <a:lnSpc>
+                <a:spcPts val="7000"/>
+              </a:lnSpc>
+            </a:pPr>
+            <a:r>
+              <a:rPr lang="en-US" sz="5000" spc="400">
+                <a:solidFill>
+                  <a:srgbClr val="FFFFFF"/>
+                </a:solidFill>
+                <a:latin typeface="Lato"/>
+                <a:ea typeface="Lato"/>
+                <a:cs typeface="Lato"/>
+                <a:sym typeface="Lato"/>
+              </a:rPr>
+              <a:t>7.結局</a:t>
+            </a:r>
+          </a:p>
+        </p:txBody>
+      </p:sp>
+      <p:sp>
+        <p:nvSpPr>
+          <p:cNvPr name="Freeform 8" id="8"/>
+          <p:cNvSpPr/>
+          <p:nvPr/>
+        </p:nvSpPr>
+        <p:spPr>
+          <a:xfrm flipH="false" flipV="false" rot="0">
+            <a:off x="2996534" y="1408112"/>
+            <a:ext cx="7606910" cy="8045692"/>
+          </a:xfrm>
+          <a:custGeom>
+            <a:avLst/>
+            <a:gdLst/>
+            <a:ahLst/>
+            <a:cxnLst/>
+            <a:rect r="r" b="b" t="t" l="l"/>
+            <a:pathLst>
+              <a:path h="8045692" w="7606910">
+                <a:moveTo>
+                  <a:pt x="0" y="0"/>
+                </a:moveTo>
+                <a:lnTo>
+                  <a:pt x="7606911" y="0"/>
+                </a:lnTo>
+                <a:lnTo>
+                  <a:pt x="7606911" y="8045693"/>
+                </a:lnTo>
+                <a:lnTo>
+                  <a:pt x="0" y="8045693"/>
+                </a:lnTo>
+                <a:lnTo>
+                  <a:pt x="0" y="0"/>
+                </a:lnTo>
+                <a:close/>
+              </a:path>
+            </a:pathLst>
+          </a:custGeom>
+          <a:blipFill>
+            <a:blip r:embed="rId3"/>
+            <a:stretch>
+              <a:fillRect l="-2884" t="0" r="-2884" b="0"/>
+            </a:stretch>
+          </a:blipFill>
+        </p:spPr>
+      </p:sp>
+    </p:spTree>
   </p:cSld>
   <p:clrMapOvr>
     <a:masterClrMapping/>
@@ -3385,7 +5131,7 @@
 </file>
 
 <file path=ppt/theme/theme1.xml><?xml version="1.0" encoding="utf-8"?>
-<a:theme xmlns:a="http://schemas.openxmlformats.org/drawingml/2006/main" name="Office 佈景主題">
+<a:theme xmlns:a="http://schemas.openxmlformats.org/drawingml/2006/main" name="Office Theme">
   <a:themeElements>
     <a:clrScheme name="Office">
       <a:dk1>
@@ -3395,44 +5141,44 @@
         <a:sysClr val="window" lastClr="FFFFFF"/>
       </a:lt1>
       <a:dk2>
-        <a:srgbClr val="44546A"/>
+        <a:srgbClr val="1F497D"/>
       </a:dk2>
       <a:lt2>
-        <a:srgbClr val="E7E6E6"/>
+        <a:srgbClr val="EEECE1"/>
       </a:lt2>
       <a:accent1>
-        <a:srgbClr val="4472C4"/>
+        <a:srgbClr val="4F81BD"/>
       </a:accent1>
       <a:accent2>
-        <a:srgbClr val="ED7D31"/>
+        <a:srgbClr val="C0504D"/>
       </a:accent2>
       <a:accent3>
-        <a:srgbClr val="A5A5A5"/>
+        <a:srgbClr val="9BBB59"/>
       </a:accent3>
       <a:accent4>
-        <a:srgbClr val="FFC000"/>
+        <a:srgbClr val="8064A2"/>
       </a:accent4>
       <a:accent5>
-        <a:srgbClr val="5B9BD5"/>
+        <a:srgbClr val="4BACC6"/>
       </a:accent5>
       <a:accent6>
-        <a:srgbClr val="70AD47"/>
+        <a:srgbClr val="F79646"/>
       </a:accent6>
       <a:hlink>
-        <a:srgbClr val="0563C1"/>
+        <a:srgbClr val="0000FF"/>
       </a:hlink>
       <a:folHlink>
-        <a:srgbClr val="954F72"/>
+        <a:srgbClr val="800080"/>
       </a:folHlink>
     </a:clrScheme>
     <a:fontScheme name="Office">
       <a:majorFont>
-        <a:latin typeface="Calibri Light" panose="020F0302020204030204"/>
+        <a:latin typeface="Calibri"/>
         <a:ea typeface=""/>
         <a:cs typeface=""/>
-        <a:font script="Jpan" typeface="游ゴシック Light"/>
+        <a:font script="Jpan" typeface="ＭＳ Ｐゴシック"/>
         <a:font script="Hang" typeface="맑은 고딕"/>
-        <a:font script="Hans" typeface="等线 Light"/>
+        <a:font script="Hans" typeface="宋体"/>
         <a:font script="Hant" typeface="新細明體"/>
         <a:font script="Arab" typeface="Times New Roman"/>
         <a:font script="Hebr" typeface="Times New Roman"/>
@@ -3459,32 +5205,14 @@
         <a:font script="Mong" typeface="Mongolian Baiti"/>
         <a:font script="Viet" typeface="Times New Roman"/>
         <a:font script="Uigh" typeface="Microsoft Uighur"/>
-        <a:font script="Geor" typeface="Sylfaen"/>
-        <a:font script="Armn" typeface="Arial"/>
-        <a:font script="Bugi" typeface="Leelawadee UI"/>
-        <a:font script="Bopo" typeface="Microsoft JhengHei"/>
-        <a:font script="Java" typeface="Javanese Text"/>
-        <a:font script="Lisu" typeface="Segoe UI"/>
-        <a:font script="Mymr" typeface="Myanmar Text"/>
-        <a:font script="Nkoo" typeface="Ebrima"/>
-        <a:font script="Olck" typeface="Nirmala UI"/>
-        <a:font script="Osma" typeface="Ebrima"/>
-        <a:font script="Phag" typeface="Phagspa"/>
-        <a:font script="Syrn" typeface="Estrangelo Edessa"/>
-        <a:font script="Syrj" typeface="Estrangelo Edessa"/>
-        <a:font script="Syre" typeface="Estrangelo Edessa"/>
-        <a:font script="Sora" typeface="Nirmala UI"/>
-        <a:font script="Tale" typeface="Microsoft Tai Le"/>
-        <a:font script="Talu" typeface="Microsoft New Tai Lue"/>
-        <a:font script="Tfng" typeface="Ebrima"/>
       </a:majorFont>
       <a:minorFont>
-        <a:latin typeface="Calibri" panose="020F0502020204030204"/>
+        <a:latin typeface="Calibri"/>
         <a:ea typeface=""/>
         <a:cs typeface=""/>
-        <a:font script="Jpan" typeface="游ゴシック"/>
+        <a:font script="Jpan" typeface="ＭＳ Ｐゴシック"/>
         <a:font script="Hang" typeface="맑은 고딕"/>
-        <a:font script="Hans" typeface="等线"/>
+        <a:font script="Hans" typeface="宋体"/>
         <a:font script="Hant" typeface="新細明體"/>
         <a:font script="Arab" typeface="Arial"/>
         <a:font script="Hebr" typeface="Arial"/>
@@ -3511,24 +5239,6 @@
         <a:font script="Mong" typeface="Mongolian Baiti"/>
         <a:font script="Viet" typeface="Arial"/>
         <a:font script="Uigh" typeface="Microsoft Uighur"/>
-        <a:font script="Geor" typeface="Sylfaen"/>
-        <a:font script="Armn" typeface="Arial"/>
-        <a:font script="Bugi" typeface="Leelawadee UI"/>
-        <a:font script="Bopo" typeface="Microsoft JhengHei"/>
-        <a:font script="Java" typeface="Javanese Text"/>
-        <a:font script="Lisu" typeface="Segoe UI"/>
-        <a:font script="Mymr" typeface="Myanmar Text"/>
-        <a:font script="Nkoo" typeface="Ebrima"/>
-        <a:font script="Olck" typeface="Nirmala UI"/>
-        <a:font script="Osma" typeface="Ebrima"/>
-        <a:font script="Phag" typeface="Phagspa"/>
-        <a:font script="Syrn" typeface="Estrangelo Edessa"/>
-        <a:font script="Syrj" typeface="Estrangelo Edessa"/>
-        <a:font script="Syre" typeface="Estrangelo Edessa"/>
-        <a:font script="Sora" typeface="Nirmala UI"/>
-        <a:font script="Tale" typeface="Microsoft Tai Le"/>
-        <a:font script="Talu" typeface="Microsoft New Tai Lue"/>
-        <a:font script="Tfng" typeface="Ebrima"/>
       </a:minorFont>
     </a:fontScheme>
     <a:fmtScheme name="Office">
@@ -3540,141 +5250,165 @@
           <a:gsLst>
             <a:gs pos="0">
               <a:schemeClr val="phClr">
-                <a:lumMod val="110000"/>
-                <a:satMod val="105000"/>
-                <a:tint val="67000"/>
+                <a:tint val="50000"/>
+                <a:satMod val="300000"/>
               </a:schemeClr>
             </a:gs>
-            <a:gs pos="50000">
+            <a:gs pos="35000">
               <a:schemeClr val="phClr">
-                <a:lumMod val="105000"/>
-                <a:satMod val="103000"/>
-                <a:tint val="73000"/>
+                <a:tint val="37000"/>
+                <a:satMod val="300000"/>
               </a:schemeClr>
             </a:gs>
             <a:gs pos="100000">
               <a:schemeClr val="phClr">
-                <a:lumMod val="105000"/>
-                <a:satMod val="109000"/>
-                <a:tint val="81000"/>
+                <a:tint val="15000"/>
+                <a:satMod val="350000"/>
               </a:schemeClr>
             </a:gs>
           </a:gsLst>
-          <a:lin ang="5400000" scaled="0"/>
+          <a:lin ang="16200000" scaled="1"/>
         </a:gradFill>
         <a:gradFill rotWithShape="1">
           <a:gsLst>
             <a:gs pos="0">
               <a:schemeClr val="phClr">
-                <a:satMod val="103000"/>
-                <a:lumMod val="102000"/>
-                <a:tint val="94000"/>
+                <a:shade val="51000"/>
+                <a:satMod val="130000"/>
               </a:schemeClr>
             </a:gs>
-            <a:gs pos="50000">
+            <a:gs pos="80000">
               <a:schemeClr val="phClr">
-                <a:satMod val="110000"/>
-                <a:lumMod val="100000"/>
-                <a:shade val="100000"/>
+                <a:shade val="93000"/>
+                <a:satMod val="130000"/>
               </a:schemeClr>
             </a:gs>
             <a:gs pos="100000">
               <a:schemeClr val="phClr">
-                <a:lumMod val="99000"/>
-                <a:satMod val="120000"/>
-                <a:shade val="78000"/>
+                <a:shade val="94000"/>
+                <a:satMod val="135000"/>
               </a:schemeClr>
             </a:gs>
           </a:gsLst>
-          <a:lin ang="5400000" scaled="0"/>
+          <a:lin ang="16200000" scaled="0"/>
         </a:gradFill>
       </a:fillStyleLst>
       <a:lnStyleLst>
-        <a:ln w="6350" cap="flat" cmpd="sng" algn="ctr">
+        <a:ln w="9525" cap="flat" cmpd="sng" algn="ctr">
+          <a:solidFill>
+            <a:schemeClr val="phClr">
+              <a:shade val="95000"/>
+              <a:satMod val="105000"/>
+            </a:schemeClr>
+          </a:solidFill>
+          <a:prstDash val="solid"/>
+        </a:ln>
+        <a:ln w="25400" cap="flat" cmpd="sng" algn="ctr">
           <a:solidFill>
             <a:schemeClr val="phClr"/>
           </a:solidFill>
           <a:prstDash val="solid"/>
-          <a:miter lim="800000"/>
         </a:ln>
-        <a:ln w="12700" cap="flat" cmpd="sng" algn="ctr">
+        <a:ln w="38100" cap="flat" cmpd="sng" algn="ctr">
           <a:solidFill>
             <a:schemeClr val="phClr"/>
           </a:solidFill>
           <a:prstDash val="solid"/>
-          <a:miter lim="800000"/>
-        </a:ln>
-        <a:ln w="19050" cap="flat" cmpd="sng" algn="ctr">
-          <a:solidFill>
-            <a:schemeClr val="phClr"/>
-          </a:solidFill>
-          <a:prstDash val="solid"/>
-          <a:miter lim="800000"/>
         </a:ln>
       </a:lnStyleLst>
       <a:effectStyleLst>
         <a:effectStyle>
-          <a:effectLst/>
-        </a:effectStyle>
-        <a:effectStyle>
-          <a:effectLst/>
+          <a:effectLst>
+            <a:outerShdw blurRad="40000" dist="20000" dir="5400000" rotWithShape="0">
+              <a:srgbClr val="000000">
+                <a:alpha val="38000"/>
+              </a:srgbClr>
+            </a:outerShdw>
+          </a:effectLst>
         </a:effectStyle>
         <a:effectStyle>
           <a:effectLst>
-            <a:outerShdw blurRad="57150" dist="19050" dir="5400000" algn="ctr" rotWithShape="0">
+            <a:outerShdw blurRad="40000" dist="23000" dir="5400000" rotWithShape="0">
               <a:srgbClr val="000000">
-                <a:alpha val="63000"/>
+                <a:alpha val="35000"/>
               </a:srgbClr>
             </a:outerShdw>
           </a:effectLst>
+        </a:effectStyle>
+        <a:effectStyle>
+          <a:effectLst>
+            <a:outerShdw blurRad="40000" dist="23000" dir="5400000" rotWithShape="0">
+              <a:srgbClr val="000000">
+                <a:alpha val="35000"/>
+              </a:srgbClr>
+            </a:outerShdw>
+          </a:effectLst>
+          <a:scene3d>
+            <a:camera prst="orthographicFront">
+              <a:rot lat="0" lon="0" rev="0"/>
+            </a:camera>
+            <a:lightRig rig="threePt" dir="t">
+              <a:rot lat="0" lon="0" rev="1200000"/>
+            </a:lightRig>
+          </a:scene3d>
+          <a:sp3d>
+            <a:bevelT w="63500" h="25400"/>
+          </a:sp3d>
         </a:effectStyle>
       </a:effectStyleLst>
       <a:bgFillStyleLst>
         <a:solidFill>
           <a:schemeClr val="phClr"/>
         </a:solidFill>
-        <a:solidFill>
-          <a:schemeClr val="phClr">
-            <a:tint val="95000"/>
-            <a:satMod val="170000"/>
-          </a:schemeClr>
-        </a:solidFill>
         <a:gradFill rotWithShape="1">
           <a:gsLst>
             <a:gs pos="0">
               <a:schemeClr val="phClr">
-                <a:tint val="93000"/>
-                <a:satMod val="150000"/>
-                <a:shade val="98000"/>
-                <a:lumMod val="102000"/>
+                <a:tint val="40000"/>
+                <a:satMod val="350000"/>
               </a:schemeClr>
             </a:gs>
-            <a:gs pos="50000">
+            <a:gs pos="40000">
               <a:schemeClr val="phClr">
-                <a:tint val="98000"/>
-                <a:satMod val="130000"/>
-                <a:shade val="90000"/>
-                <a:lumMod val="103000"/>
+                <a:tint val="45000"/>
+                <a:shade val="99000"/>
+                <a:satMod val="350000"/>
               </a:schemeClr>
             </a:gs>
             <a:gs pos="100000">
               <a:schemeClr val="phClr">
-                <a:shade val="63000"/>
-                <a:satMod val="120000"/>
+                <a:shade val="20000"/>
+                <a:satMod val="255000"/>
               </a:schemeClr>
             </a:gs>
           </a:gsLst>
-          <a:lin ang="5400000" scaled="0"/>
+          <a:path path="circle">
+            <a:fillToRect l="50000" t="-80000" r="50000" b="180000"/>
+          </a:path>
+        </a:gradFill>
+        <a:gradFill rotWithShape="1">
+          <a:gsLst>
+            <a:gs pos="0">
+              <a:schemeClr val="phClr">
+                <a:tint val="80000"/>
+                <a:satMod val="300000"/>
+              </a:schemeClr>
+            </a:gs>
+            <a:gs pos="100000">
+              <a:schemeClr val="phClr">
+                <a:shade val="30000"/>
+                <a:satMod val="200000"/>
+              </a:schemeClr>
+            </a:gs>
+          </a:gsLst>
+          <a:path path="circle">
+            <a:fillToRect l="50000" t="50000" r="50000" b="50000"/>
+          </a:path>
         </a:gradFill>
       </a:bgFillStyleLst>
     </a:fmtScheme>
   </a:themeElements>
   <a:objectDefaults/>
   <a:extraClrSchemeLst/>
-  <a:extLst>
-    <a:ext uri="{05A4C25C-085E-4340-85A3-A5531E510DB2}">
-      <thm15:themeFamily xmlns:thm15="http://schemas.microsoft.com/office/thememl/2012/main" name="Office Theme" id="{62F939B6-93AF-4DB8-9C6B-D6C7DFDC589F}" vid="{4A3C46E8-61CC-4603-A589-7422A47A8E4A}"/>
-    </a:ext>
-  </a:extLst>
 </a:theme>
 </file>